--- a/Figure_6/output/Figure S8.pptx
+++ b/Figure_6/output/Figure S8.pptx
@@ -8,7 +8,7 @@
     <p:notesMasterId r:id="rId3"/>
   </p:notesMasterIdLst>
   <p:sldIdLst>
-    <p:sldId id="258" r:id="rId2"/>
+    <p:sldId id="259" r:id="rId2"/>
   </p:sldIdLst>
   <p:sldSz cx="12192000" cy="6858000"/>
   <p:notesSz cx="6858000" cy="9144000"/>
@@ -246,7 +246,7 @@
       <p15:sldGuideLst xmlns:p15="http://schemas.microsoft.com/office/powerpoint/2012/main"/>
     </p:ext>
     <p:ext uri="http://customooxmlschemas.google.com/">
-      <go:slidesCustomData xmlns:go="http://customooxmlschemas.google.com/" xmlns:ahyp="http://schemas.microsoft.com/office/drawing/2018/hyperlinkcolor" xmlns:p15="http://schemas.microsoft.com/office/powerpoint/2012/main" xmlns:p14="http://schemas.microsoft.com/office/powerpoint/2010/main" xmlns:com="http://schemas.openxmlformats.org/drawingml/2006/compatibility" xmlns:pvml="urn:schemas-microsoft-com:office:powerpoint" xmlns:v="urn:schemas-microsoft-com:vml" xmlns:o="urn:schemas-microsoft-com:office:office" xmlns:dgm="http://schemas.openxmlformats.org/drawingml/2006/diagram" xmlns:c="http://schemas.openxmlformats.org/drawingml/2006/chart" xmlns:mv="urn:schemas-microsoft-com:mac:vml" xmlns:mc="http://schemas.openxmlformats.org/markup-compatibility/2006" xmlns="" r:id="rId8" roundtripDataSignature="AMtx7mhTIt/Zy5NQhfpJZS/bx/mgenGCvw=="/>
+      <go:slidesCustomData xmlns="" xmlns:mc="http://schemas.openxmlformats.org/markup-compatibility/2006" xmlns:mv="urn:schemas-microsoft-com:mac:vml" xmlns:c="http://schemas.openxmlformats.org/drawingml/2006/chart" xmlns:dgm="http://schemas.openxmlformats.org/drawingml/2006/diagram" xmlns:o="urn:schemas-microsoft-com:office:office" xmlns:v="urn:schemas-microsoft-com:vml" xmlns:pvml="urn:schemas-microsoft-com:office:powerpoint" xmlns:com="http://schemas.openxmlformats.org/drawingml/2006/compatibility" xmlns:p14="http://schemas.microsoft.com/office/powerpoint/2010/main" xmlns:p15="http://schemas.microsoft.com/office/powerpoint/2012/main" xmlns:ahyp="http://schemas.microsoft.com/office/drawing/2018/hyperlinkcolor" xmlns:go="http://customooxmlschemas.google.com/" r:id="rId10" roundtripDataSignature="AMtx7mjhyn2S0+wBY/O1ZwKOitdrg+dZwg=="/>
     </p:ext>
   </p:extLst>
 </p:presentation>
@@ -1705,6 +1705,194 @@
 </p:notesMaster>
 </file>
 
+<file path=ppt/notesSlides/notesSlide1.xml><?xml version="1.0" encoding="utf-8"?>
+<p:notes xmlns:a="http://schemas.openxmlformats.org/drawingml/2006/main" xmlns:r="http://schemas.openxmlformats.org/officeDocument/2006/relationships" xmlns:p="http://schemas.openxmlformats.org/presentationml/2006/main" showMasterSp="0" showMasterPhAnim="0">
+  <p:cSld>
+    <p:spTree>
+      <p:nvGrpSpPr>
+        <p:cNvPr id="1" name="Shape 186"/>
+        <p:cNvGrpSpPr/>
+        <p:nvPr/>
+      </p:nvGrpSpPr>
+      <p:grpSpPr>
+        <a:xfrm>
+          <a:off x="0" y="0"/>
+          <a:ext cx="0" cy="0"/>
+          <a:chOff x="0" y="0"/>
+          <a:chExt cx="0" cy="0"/>
+        </a:xfrm>
+      </p:grpSpPr>
+      <p:sp>
+        <p:nvSpPr>
+          <p:cNvPr id="187" name="Google Shape;187;p4:notes"/>
+          <p:cNvSpPr>
+            <a:spLocks noGrp="1" noRot="1" noChangeAspect="1"/>
+          </p:cNvSpPr>
+          <p:nvPr>
+            <p:ph type="sldImg" idx="2"/>
+          </p:nvPr>
+        </p:nvSpPr>
+        <p:spPr>
+          <a:xfrm>
+            <a:off x="685800" y="1143000"/>
+            <a:ext cx="5486400" cy="3086100"/>
+          </a:xfrm>
+          <a:custGeom>
+            <a:avLst/>
+            <a:gdLst/>
+            <a:ahLst/>
+            <a:cxnLst/>
+            <a:rect l="l" t="t" r="r" b="b"/>
+            <a:pathLst>
+              <a:path w="120000" h="120000" extrusionOk="0">
+                <a:moveTo>
+                  <a:pt x="0" y="0"/>
+                </a:moveTo>
+                <a:lnTo>
+                  <a:pt x="120000" y="0"/>
+                </a:lnTo>
+                <a:lnTo>
+                  <a:pt x="120000" y="120000"/>
+                </a:lnTo>
+                <a:lnTo>
+                  <a:pt x="0" y="120000"/>
+                </a:lnTo>
+                <a:close/>
+              </a:path>
+            </a:pathLst>
+          </a:custGeom>
+          <a:noFill/>
+          <a:ln w="12700" cap="flat" cmpd="sng">
+            <a:solidFill>
+              <a:srgbClr val="000000"/>
+            </a:solidFill>
+            <a:prstDash val="solid"/>
+            <a:round/>
+            <a:headEnd type="none" w="sm" len="sm"/>
+            <a:tailEnd type="none" w="sm" len="sm"/>
+          </a:ln>
+        </p:spPr>
+      </p:sp>
+      <p:sp>
+        <p:nvSpPr>
+          <p:cNvPr id="188" name="Google Shape;188;p4:notes"/>
+          <p:cNvSpPr txBox="1">
+            <a:spLocks noGrp="1"/>
+          </p:cNvSpPr>
+          <p:nvPr>
+            <p:ph type="body" idx="1"/>
+          </p:nvPr>
+        </p:nvSpPr>
+        <p:spPr>
+          <a:xfrm>
+            <a:off x="685800" y="4400550"/>
+            <a:ext cx="5486400" cy="3600450"/>
+          </a:xfrm>
+          <a:prstGeom prst="rect">
+            <a:avLst/>
+          </a:prstGeom>
+          <a:noFill/>
+          <a:ln>
+            <a:noFill/>
+          </a:ln>
+        </p:spPr>
+        <p:txBody>
+          <a:bodyPr spcFirstLastPara="1" wrap="square" lIns="91425" tIns="45700" rIns="91425" bIns="45700" anchor="t" anchorCtr="0">
+            <a:noAutofit/>
+          </a:bodyPr>
+          <a:lstStyle/>
+          <a:p>
+            <a:pPr marL="0" lvl="0" indent="0" algn="l" rtl="0">
+              <a:lnSpc>
+                <a:spcPct val="100000"/>
+              </a:lnSpc>
+              <a:spcBef>
+                <a:spcPts val="0"/>
+              </a:spcBef>
+              <a:spcAft>
+                <a:spcPts val="0"/>
+              </a:spcAft>
+              <a:buSzPts val="1400"/>
+              <a:buNone/>
+            </a:pPr>
+            <a:r>
+              <a:rPr lang="en-US" b="1" dirty="0"/>
+              <a:t>(E) </a:t>
+            </a:r>
+            <a:r>
+              <a:rPr lang="en-US" dirty="0"/>
+              <a:t>Percentage of sites above and below the signal/noise criteria </a:t>
+            </a:r>
+            <a:r>
+              <a:rPr lang="en-US" b="1" dirty="0"/>
+              <a:t>(F) </a:t>
+            </a:r>
+            <a:r>
+              <a:rPr lang="en-US" b="0" dirty="0"/>
+              <a:t>Distribution of signal/noise among all libraries. Dotted line represents the 0.9 cutoff.</a:t>
+            </a:r>
+            <a:endParaRPr b="0" dirty="0"/>
+          </a:p>
+        </p:txBody>
+      </p:sp>
+      <p:sp>
+        <p:nvSpPr>
+          <p:cNvPr id="189" name="Google Shape;189;p4:notes"/>
+          <p:cNvSpPr txBox="1">
+            <a:spLocks noGrp="1"/>
+          </p:cNvSpPr>
+          <p:nvPr>
+            <p:ph type="sldNum" idx="12"/>
+          </p:nvPr>
+        </p:nvSpPr>
+        <p:spPr>
+          <a:xfrm>
+            <a:off x="3884613" y="8685213"/>
+            <a:ext cx="2971800" cy="458787"/>
+          </a:xfrm>
+          <a:prstGeom prst="rect">
+            <a:avLst/>
+          </a:prstGeom>
+          <a:noFill/>
+          <a:ln>
+            <a:noFill/>
+          </a:ln>
+        </p:spPr>
+        <p:txBody>
+          <a:bodyPr spcFirstLastPara="1" wrap="square" lIns="91425" tIns="45700" rIns="91425" bIns="45700" anchor="b" anchorCtr="0">
+            <a:noAutofit/>
+          </a:bodyPr>
+          <a:lstStyle/>
+          <a:p>
+            <a:pPr marL="0" lvl="0" indent="0" algn="r" rtl="0">
+              <a:lnSpc>
+                <a:spcPct val="100000"/>
+              </a:lnSpc>
+              <a:spcBef>
+                <a:spcPts val="0"/>
+              </a:spcBef>
+              <a:spcAft>
+                <a:spcPts val="0"/>
+              </a:spcAft>
+              <a:buSzPts val="1400"/>
+              <a:buNone/>
+            </a:pPr>
+            <a:fld id="{00000000-1234-1234-1234-123412341234}" type="slidenum">
+              <a:rPr lang="en-US"/>
+              <a:t>1</a:t>
+            </a:fld>
+            <a:endParaRPr/>
+          </a:p>
+        </p:txBody>
+      </p:sp>
+    </p:spTree>
+  </p:cSld>
+  <p:clrMapOvr>
+    <a:masterClrMapping/>
+  </p:clrMapOvr>
+</p:notes>
+</file>
+
 <file path=ppt/slideLayouts/slideLayout1.xml><?xml version="1.0" encoding="utf-8"?>
 <p:sldLayout xmlns:a="http://schemas.openxmlformats.org/drawingml/2006/main" xmlns:r="http://schemas.openxmlformats.org/officeDocument/2006/relationships" xmlns:p="http://schemas.openxmlformats.org/presentationml/2006/main" matchingName="Blank" type="blank">
   <p:cSld name="BLANK">
@@ -2332,982 +2520,6 @@
 </file>
 
 <file path=ppt/slideLayouts/slideLayout10.xml><?xml version="1.0" encoding="utf-8"?>
-<p:sldLayout xmlns:a="http://schemas.openxmlformats.org/drawingml/2006/main" xmlns:r="http://schemas.openxmlformats.org/officeDocument/2006/relationships" xmlns:p="http://schemas.openxmlformats.org/presentationml/2006/main" matchingName="Title and Vertical Text" type="vertTx">
-  <p:cSld name="VERTICAL_TEXT">
-    <p:spTree>
-      <p:nvGrpSpPr>
-        <p:cNvPr id="1" name="Shape 72"/>
-        <p:cNvGrpSpPr/>
-        <p:nvPr/>
-      </p:nvGrpSpPr>
-      <p:grpSpPr>
-        <a:xfrm>
-          <a:off x="0" y="0"/>
-          <a:ext cx="0" cy="0"/>
-          <a:chOff x="0" y="0"/>
-          <a:chExt cx="0" cy="0"/>
-        </a:xfrm>
-      </p:grpSpPr>
-      <p:sp>
-        <p:nvSpPr>
-          <p:cNvPr id="73" name="Google Shape;73;p15"/>
-          <p:cNvSpPr txBox="1">
-            <a:spLocks noGrp="1"/>
-          </p:cNvSpPr>
-          <p:nvPr>
-            <p:ph type="title"/>
-          </p:nvPr>
-        </p:nvSpPr>
-        <p:spPr>
-          <a:xfrm>
-            <a:off x="838200" y="365125"/>
-            <a:ext cx="10515600" cy="1325563"/>
-          </a:xfrm>
-          <a:prstGeom prst="rect">
-            <a:avLst/>
-          </a:prstGeom>
-          <a:noFill/>
-          <a:ln>
-            <a:noFill/>
-          </a:ln>
-        </p:spPr>
-        <p:txBody>
-          <a:bodyPr spcFirstLastPara="1" wrap="square" lIns="91425" tIns="45700" rIns="91425" bIns="45700" anchor="ctr" anchorCtr="0">
-            <a:normAutofit/>
-          </a:bodyPr>
-          <a:lstStyle>
-            <a:lvl1pPr lvl="0" algn="l">
-              <a:lnSpc>
-                <a:spcPct val="90000"/>
-              </a:lnSpc>
-              <a:spcBef>
-                <a:spcPts val="0"/>
-              </a:spcBef>
-              <a:spcAft>
-                <a:spcPts val="0"/>
-              </a:spcAft>
-              <a:buClr>
-                <a:schemeClr val="dk1"/>
-              </a:buClr>
-              <a:buSzPts val="1800"/>
-              <a:buNone/>
-              <a:defRPr/>
-            </a:lvl1pPr>
-            <a:lvl2pPr lvl="1" algn="l">
-              <a:lnSpc>
-                <a:spcPct val="100000"/>
-              </a:lnSpc>
-              <a:spcBef>
-                <a:spcPts val="0"/>
-              </a:spcBef>
-              <a:spcAft>
-                <a:spcPts val="0"/>
-              </a:spcAft>
-              <a:buSzPts val="1400"/>
-              <a:buNone/>
-              <a:defRPr/>
-            </a:lvl2pPr>
-            <a:lvl3pPr lvl="2" algn="l">
-              <a:lnSpc>
-                <a:spcPct val="100000"/>
-              </a:lnSpc>
-              <a:spcBef>
-                <a:spcPts val="0"/>
-              </a:spcBef>
-              <a:spcAft>
-                <a:spcPts val="0"/>
-              </a:spcAft>
-              <a:buSzPts val="1400"/>
-              <a:buNone/>
-              <a:defRPr/>
-            </a:lvl3pPr>
-            <a:lvl4pPr lvl="3" algn="l">
-              <a:lnSpc>
-                <a:spcPct val="100000"/>
-              </a:lnSpc>
-              <a:spcBef>
-                <a:spcPts val="0"/>
-              </a:spcBef>
-              <a:spcAft>
-                <a:spcPts val="0"/>
-              </a:spcAft>
-              <a:buSzPts val="1400"/>
-              <a:buNone/>
-              <a:defRPr/>
-            </a:lvl4pPr>
-            <a:lvl5pPr lvl="4" algn="l">
-              <a:lnSpc>
-                <a:spcPct val="100000"/>
-              </a:lnSpc>
-              <a:spcBef>
-                <a:spcPts val="0"/>
-              </a:spcBef>
-              <a:spcAft>
-                <a:spcPts val="0"/>
-              </a:spcAft>
-              <a:buSzPts val="1400"/>
-              <a:buNone/>
-              <a:defRPr/>
-            </a:lvl5pPr>
-            <a:lvl6pPr lvl="5" algn="l">
-              <a:lnSpc>
-                <a:spcPct val="100000"/>
-              </a:lnSpc>
-              <a:spcBef>
-                <a:spcPts val="0"/>
-              </a:spcBef>
-              <a:spcAft>
-                <a:spcPts val="0"/>
-              </a:spcAft>
-              <a:buSzPts val="1400"/>
-              <a:buNone/>
-              <a:defRPr/>
-            </a:lvl6pPr>
-            <a:lvl7pPr lvl="6" algn="l">
-              <a:lnSpc>
-                <a:spcPct val="100000"/>
-              </a:lnSpc>
-              <a:spcBef>
-                <a:spcPts val="0"/>
-              </a:spcBef>
-              <a:spcAft>
-                <a:spcPts val="0"/>
-              </a:spcAft>
-              <a:buSzPts val="1400"/>
-              <a:buNone/>
-              <a:defRPr/>
-            </a:lvl7pPr>
-            <a:lvl8pPr lvl="7" algn="l">
-              <a:lnSpc>
-                <a:spcPct val="100000"/>
-              </a:lnSpc>
-              <a:spcBef>
-                <a:spcPts val="0"/>
-              </a:spcBef>
-              <a:spcAft>
-                <a:spcPts val="0"/>
-              </a:spcAft>
-              <a:buSzPts val="1400"/>
-              <a:buNone/>
-              <a:defRPr/>
-            </a:lvl8pPr>
-            <a:lvl9pPr lvl="8" algn="l">
-              <a:lnSpc>
-                <a:spcPct val="100000"/>
-              </a:lnSpc>
-              <a:spcBef>
-                <a:spcPts val="0"/>
-              </a:spcBef>
-              <a:spcAft>
-                <a:spcPts val="0"/>
-              </a:spcAft>
-              <a:buSzPts val="1400"/>
-              <a:buNone/>
-              <a:defRPr/>
-            </a:lvl9pPr>
-          </a:lstStyle>
-          <a:p>
-            <a:endParaRPr/>
-          </a:p>
-        </p:txBody>
-      </p:sp>
-      <p:sp>
-        <p:nvSpPr>
-          <p:cNvPr id="74" name="Google Shape;74;p15"/>
-          <p:cNvSpPr txBox="1">
-            <a:spLocks noGrp="1"/>
-          </p:cNvSpPr>
-          <p:nvPr>
-            <p:ph type="body" idx="1"/>
-          </p:nvPr>
-        </p:nvSpPr>
-        <p:spPr>
-          <a:xfrm rot="5400000">
-            <a:off x="3920331" y="-1256506"/>
-            <a:ext cx="4351338" cy="10515600"/>
-          </a:xfrm>
-          <a:prstGeom prst="rect">
-            <a:avLst/>
-          </a:prstGeom>
-          <a:noFill/>
-          <a:ln>
-            <a:noFill/>
-          </a:ln>
-        </p:spPr>
-        <p:txBody>
-          <a:bodyPr spcFirstLastPara="1" wrap="square" lIns="91425" tIns="45700" rIns="91425" bIns="45700" anchor="t" anchorCtr="0">
-            <a:normAutofit/>
-          </a:bodyPr>
-          <a:lstStyle>
-            <a:lvl1pPr marL="457200" lvl="0" indent="-342900" algn="l">
-              <a:lnSpc>
-                <a:spcPct val="90000"/>
-              </a:lnSpc>
-              <a:spcBef>
-                <a:spcPts val="1000"/>
-              </a:spcBef>
-              <a:spcAft>
-                <a:spcPts val="0"/>
-              </a:spcAft>
-              <a:buClr>
-                <a:schemeClr val="dk1"/>
-              </a:buClr>
-              <a:buSzPts val="1800"/>
-              <a:buChar char="•"/>
-              <a:defRPr/>
-            </a:lvl1pPr>
-            <a:lvl2pPr marL="914400" lvl="1" indent="-342900" algn="l">
-              <a:lnSpc>
-                <a:spcPct val="90000"/>
-              </a:lnSpc>
-              <a:spcBef>
-                <a:spcPts val="500"/>
-              </a:spcBef>
-              <a:spcAft>
-                <a:spcPts val="0"/>
-              </a:spcAft>
-              <a:buClr>
-                <a:schemeClr val="dk1"/>
-              </a:buClr>
-              <a:buSzPts val="1800"/>
-              <a:buChar char="•"/>
-              <a:defRPr/>
-            </a:lvl2pPr>
-            <a:lvl3pPr marL="1371600" lvl="2" indent="-342900" algn="l">
-              <a:lnSpc>
-                <a:spcPct val="90000"/>
-              </a:lnSpc>
-              <a:spcBef>
-                <a:spcPts val="500"/>
-              </a:spcBef>
-              <a:spcAft>
-                <a:spcPts val="0"/>
-              </a:spcAft>
-              <a:buClr>
-                <a:schemeClr val="dk1"/>
-              </a:buClr>
-              <a:buSzPts val="1800"/>
-              <a:buChar char="•"/>
-              <a:defRPr/>
-            </a:lvl3pPr>
-            <a:lvl4pPr marL="1828800" lvl="3" indent="-342900" algn="l">
-              <a:lnSpc>
-                <a:spcPct val="90000"/>
-              </a:lnSpc>
-              <a:spcBef>
-                <a:spcPts val="500"/>
-              </a:spcBef>
-              <a:spcAft>
-                <a:spcPts val="0"/>
-              </a:spcAft>
-              <a:buClr>
-                <a:schemeClr val="dk1"/>
-              </a:buClr>
-              <a:buSzPts val="1800"/>
-              <a:buChar char="•"/>
-              <a:defRPr/>
-            </a:lvl4pPr>
-            <a:lvl5pPr marL="2286000" lvl="4" indent="-342900" algn="l">
-              <a:lnSpc>
-                <a:spcPct val="90000"/>
-              </a:lnSpc>
-              <a:spcBef>
-                <a:spcPts val="500"/>
-              </a:spcBef>
-              <a:spcAft>
-                <a:spcPts val="0"/>
-              </a:spcAft>
-              <a:buClr>
-                <a:schemeClr val="dk1"/>
-              </a:buClr>
-              <a:buSzPts val="1800"/>
-              <a:buChar char="•"/>
-              <a:defRPr/>
-            </a:lvl5pPr>
-            <a:lvl6pPr marL="2743200" lvl="5" indent="-342900" algn="l">
-              <a:lnSpc>
-                <a:spcPct val="90000"/>
-              </a:lnSpc>
-              <a:spcBef>
-                <a:spcPts val="500"/>
-              </a:spcBef>
-              <a:spcAft>
-                <a:spcPts val="0"/>
-              </a:spcAft>
-              <a:buClr>
-                <a:schemeClr val="dk1"/>
-              </a:buClr>
-              <a:buSzPts val="1800"/>
-              <a:buChar char="•"/>
-              <a:defRPr/>
-            </a:lvl6pPr>
-            <a:lvl7pPr marL="3200400" lvl="6" indent="-342900" algn="l">
-              <a:lnSpc>
-                <a:spcPct val="90000"/>
-              </a:lnSpc>
-              <a:spcBef>
-                <a:spcPts val="500"/>
-              </a:spcBef>
-              <a:spcAft>
-                <a:spcPts val="0"/>
-              </a:spcAft>
-              <a:buClr>
-                <a:schemeClr val="dk1"/>
-              </a:buClr>
-              <a:buSzPts val="1800"/>
-              <a:buChar char="•"/>
-              <a:defRPr/>
-            </a:lvl7pPr>
-            <a:lvl8pPr marL="3657600" lvl="7" indent="-342900" algn="l">
-              <a:lnSpc>
-                <a:spcPct val="90000"/>
-              </a:lnSpc>
-              <a:spcBef>
-                <a:spcPts val="500"/>
-              </a:spcBef>
-              <a:spcAft>
-                <a:spcPts val="0"/>
-              </a:spcAft>
-              <a:buClr>
-                <a:schemeClr val="dk1"/>
-              </a:buClr>
-              <a:buSzPts val="1800"/>
-              <a:buChar char="•"/>
-              <a:defRPr/>
-            </a:lvl8pPr>
-            <a:lvl9pPr marL="4114800" lvl="8" indent="-342900" algn="l">
-              <a:lnSpc>
-                <a:spcPct val="90000"/>
-              </a:lnSpc>
-              <a:spcBef>
-                <a:spcPts val="500"/>
-              </a:spcBef>
-              <a:spcAft>
-                <a:spcPts val="0"/>
-              </a:spcAft>
-              <a:buClr>
-                <a:schemeClr val="dk1"/>
-              </a:buClr>
-              <a:buSzPts val="1800"/>
-              <a:buChar char="•"/>
-              <a:defRPr/>
-            </a:lvl9pPr>
-          </a:lstStyle>
-          <a:p>
-            <a:endParaRPr/>
-          </a:p>
-        </p:txBody>
-      </p:sp>
-      <p:sp>
-        <p:nvSpPr>
-          <p:cNvPr id="75" name="Google Shape;75;p15"/>
-          <p:cNvSpPr txBox="1">
-            <a:spLocks noGrp="1"/>
-          </p:cNvSpPr>
-          <p:nvPr>
-            <p:ph type="dt" idx="10"/>
-          </p:nvPr>
-        </p:nvSpPr>
-        <p:spPr>
-          <a:xfrm>
-            <a:off x="838200" y="6356350"/>
-            <a:ext cx="2743200" cy="365125"/>
-          </a:xfrm>
-          <a:prstGeom prst="rect">
-            <a:avLst/>
-          </a:prstGeom>
-          <a:noFill/>
-          <a:ln>
-            <a:noFill/>
-          </a:ln>
-        </p:spPr>
-        <p:txBody>
-          <a:bodyPr spcFirstLastPara="1" wrap="square" lIns="91425" tIns="45700" rIns="91425" bIns="45700" anchor="ctr" anchorCtr="0">
-            <a:noAutofit/>
-          </a:bodyPr>
-          <a:lstStyle>
-            <a:lvl1pPr lvl="0" algn="l">
-              <a:lnSpc>
-                <a:spcPct val="100000"/>
-              </a:lnSpc>
-              <a:spcBef>
-                <a:spcPts val="0"/>
-              </a:spcBef>
-              <a:spcAft>
-                <a:spcPts val="0"/>
-              </a:spcAft>
-              <a:buSzPts val="1400"/>
-              <a:buNone/>
-              <a:defRPr/>
-            </a:lvl1pPr>
-            <a:lvl2pPr lvl="1" algn="l">
-              <a:lnSpc>
-                <a:spcPct val="100000"/>
-              </a:lnSpc>
-              <a:spcBef>
-                <a:spcPts val="0"/>
-              </a:spcBef>
-              <a:spcAft>
-                <a:spcPts val="0"/>
-              </a:spcAft>
-              <a:buSzPts val="1400"/>
-              <a:buNone/>
-              <a:defRPr/>
-            </a:lvl2pPr>
-            <a:lvl3pPr lvl="2" algn="l">
-              <a:lnSpc>
-                <a:spcPct val="100000"/>
-              </a:lnSpc>
-              <a:spcBef>
-                <a:spcPts val="0"/>
-              </a:spcBef>
-              <a:spcAft>
-                <a:spcPts val="0"/>
-              </a:spcAft>
-              <a:buSzPts val="1400"/>
-              <a:buNone/>
-              <a:defRPr/>
-            </a:lvl3pPr>
-            <a:lvl4pPr lvl="3" algn="l">
-              <a:lnSpc>
-                <a:spcPct val="100000"/>
-              </a:lnSpc>
-              <a:spcBef>
-                <a:spcPts val="0"/>
-              </a:spcBef>
-              <a:spcAft>
-                <a:spcPts val="0"/>
-              </a:spcAft>
-              <a:buSzPts val="1400"/>
-              <a:buNone/>
-              <a:defRPr/>
-            </a:lvl4pPr>
-            <a:lvl5pPr lvl="4" algn="l">
-              <a:lnSpc>
-                <a:spcPct val="100000"/>
-              </a:lnSpc>
-              <a:spcBef>
-                <a:spcPts val="0"/>
-              </a:spcBef>
-              <a:spcAft>
-                <a:spcPts val="0"/>
-              </a:spcAft>
-              <a:buSzPts val="1400"/>
-              <a:buNone/>
-              <a:defRPr/>
-            </a:lvl5pPr>
-            <a:lvl6pPr lvl="5" algn="l">
-              <a:lnSpc>
-                <a:spcPct val="100000"/>
-              </a:lnSpc>
-              <a:spcBef>
-                <a:spcPts val="0"/>
-              </a:spcBef>
-              <a:spcAft>
-                <a:spcPts val="0"/>
-              </a:spcAft>
-              <a:buSzPts val="1400"/>
-              <a:buNone/>
-              <a:defRPr/>
-            </a:lvl6pPr>
-            <a:lvl7pPr lvl="6" algn="l">
-              <a:lnSpc>
-                <a:spcPct val="100000"/>
-              </a:lnSpc>
-              <a:spcBef>
-                <a:spcPts val="0"/>
-              </a:spcBef>
-              <a:spcAft>
-                <a:spcPts val="0"/>
-              </a:spcAft>
-              <a:buSzPts val="1400"/>
-              <a:buNone/>
-              <a:defRPr/>
-            </a:lvl7pPr>
-            <a:lvl8pPr lvl="7" algn="l">
-              <a:lnSpc>
-                <a:spcPct val="100000"/>
-              </a:lnSpc>
-              <a:spcBef>
-                <a:spcPts val="0"/>
-              </a:spcBef>
-              <a:spcAft>
-                <a:spcPts val="0"/>
-              </a:spcAft>
-              <a:buSzPts val="1400"/>
-              <a:buNone/>
-              <a:defRPr/>
-            </a:lvl8pPr>
-            <a:lvl9pPr lvl="8" algn="l">
-              <a:lnSpc>
-                <a:spcPct val="100000"/>
-              </a:lnSpc>
-              <a:spcBef>
-                <a:spcPts val="0"/>
-              </a:spcBef>
-              <a:spcAft>
-                <a:spcPts val="0"/>
-              </a:spcAft>
-              <a:buSzPts val="1400"/>
-              <a:buNone/>
-              <a:defRPr/>
-            </a:lvl9pPr>
-          </a:lstStyle>
-          <a:p>
-            <a:endParaRPr/>
-          </a:p>
-        </p:txBody>
-      </p:sp>
-      <p:sp>
-        <p:nvSpPr>
-          <p:cNvPr id="76" name="Google Shape;76;p15"/>
-          <p:cNvSpPr txBox="1">
-            <a:spLocks noGrp="1"/>
-          </p:cNvSpPr>
-          <p:nvPr>
-            <p:ph type="ftr" idx="11"/>
-          </p:nvPr>
-        </p:nvSpPr>
-        <p:spPr>
-          <a:xfrm>
-            <a:off x="4038600" y="6356350"/>
-            <a:ext cx="4114800" cy="365125"/>
-          </a:xfrm>
-          <a:prstGeom prst="rect">
-            <a:avLst/>
-          </a:prstGeom>
-          <a:noFill/>
-          <a:ln>
-            <a:noFill/>
-          </a:ln>
-        </p:spPr>
-        <p:txBody>
-          <a:bodyPr spcFirstLastPara="1" wrap="square" lIns="91425" tIns="45700" rIns="91425" bIns="45700" anchor="ctr" anchorCtr="0">
-            <a:noAutofit/>
-          </a:bodyPr>
-          <a:lstStyle>
-            <a:lvl1pPr lvl="0" algn="ctr">
-              <a:lnSpc>
-                <a:spcPct val="100000"/>
-              </a:lnSpc>
-              <a:spcBef>
-                <a:spcPts val="0"/>
-              </a:spcBef>
-              <a:spcAft>
-                <a:spcPts val="0"/>
-              </a:spcAft>
-              <a:buSzPts val="1400"/>
-              <a:buNone/>
-              <a:defRPr/>
-            </a:lvl1pPr>
-            <a:lvl2pPr lvl="1" algn="l">
-              <a:lnSpc>
-                <a:spcPct val="100000"/>
-              </a:lnSpc>
-              <a:spcBef>
-                <a:spcPts val="0"/>
-              </a:spcBef>
-              <a:spcAft>
-                <a:spcPts val="0"/>
-              </a:spcAft>
-              <a:buSzPts val="1400"/>
-              <a:buNone/>
-              <a:defRPr/>
-            </a:lvl2pPr>
-            <a:lvl3pPr lvl="2" algn="l">
-              <a:lnSpc>
-                <a:spcPct val="100000"/>
-              </a:lnSpc>
-              <a:spcBef>
-                <a:spcPts val="0"/>
-              </a:spcBef>
-              <a:spcAft>
-                <a:spcPts val="0"/>
-              </a:spcAft>
-              <a:buSzPts val="1400"/>
-              <a:buNone/>
-              <a:defRPr/>
-            </a:lvl3pPr>
-            <a:lvl4pPr lvl="3" algn="l">
-              <a:lnSpc>
-                <a:spcPct val="100000"/>
-              </a:lnSpc>
-              <a:spcBef>
-                <a:spcPts val="0"/>
-              </a:spcBef>
-              <a:spcAft>
-                <a:spcPts val="0"/>
-              </a:spcAft>
-              <a:buSzPts val="1400"/>
-              <a:buNone/>
-              <a:defRPr/>
-            </a:lvl4pPr>
-            <a:lvl5pPr lvl="4" algn="l">
-              <a:lnSpc>
-                <a:spcPct val="100000"/>
-              </a:lnSpc>
-              <a:spcBef>
-                <a:spcPts val="0"/>
-              </a:spcBef>
-              <a:spcAft>
-                <a:spcPts val="0"/>
-              </a:spcAft>
-              <a:buSzPts val="1400"/>
-              <a:buNone/>
-              <a:defRPr/>
-            </a:lvl5pPr>
-            <a:lvl6pPr lvl="5" algn="l">
-              <a:lnSpc>
-                <a:spcPct val="100000"/>
-              </a:lnSpc>
-              <a:spcBef>
-                <a:spcPts val="0"/>
-              </a:spcBef>
-              <a:spcAft>
-                <a:spcPts val="0"/>
-              </a:spcAft>
-              <a:buSzPts val="1400"/>
-              <a:buNone/>
-              <a:defRPr/>
-            </a:lvl6pPr>
-            <a:lvl7pPr lvl="6" algn="l">
-              <a:lnSpc>
-                <a:spcPct val="100000"/>
-              </a:lnSpc>
-              <a:spcBef>
-                <a:spcPts val="0"/>
-              </a:spcBef>
-              <a:spcAft>
-                <a:spcPts val="0"/>
-              </a:spcAft>
-              <a:buSzPts val="1400"/>
-              <a:buNone/>
-              <a:defRPr/>
-            </a:lvl7pPr>
-            <a:lvl8pPr lvl="7" algn="l">
-              <a:lnSpc>
-                <a:spcPct val="100000"/>
-              </a:lnSpc>
-              <a:spcBef>
-                <a:spcPts val="0"/>
-              </a:spcBef>
-              <a:spcAft>
-                <a:spcPts val="0"/>
-              </a:spcAft>
-              <a:buSzPts val="1400"/>
-              <a:buNone/>
-              <a:defRPr/>
-            </a:lvl8pPr>
-            <a:lvl9pPr lvl="8" algn="l">
-              <a:lnSpc>
-                <a:spcPct val="100000"/>
-              </a:lnSpc>
-              <a:spcBef>
-                <a:spcPts val="0"/>
-              </a:spcBef>
-              <a:spcAft>
-                <a:spcPts val="0"/>
-              </a:spcAft>
-              <a:buSzPts val="1400"/>
-              <a:buNone/>
-              <a:defRPr/>
-            </a:lvl9pPr>
-          </a:lstStyle>
-          <a:p>
-            <a:endParaRPr/>
-          </a:p>
-        </p:txBody>
-      </p:sp>
-      <p:sp>
-        <p:nvSpPr>
-          <p:cNvPr id="77" name="Google Shape;77;p15"/>
-          <p:cNvSpPr txBox="1">
-            <a:spLocks noGrp="1"/>
-          </p:cNvSpPr>
-          <p:nvPr>
-            <p:ph type="sldNum" idx="12"/>
-          </p:nvPr>
-        </p:nvSpPr>
-        <p:spPr>
-          <a:xfrm>
-            <a:off x="8610600" y="6356350"/>
-            <a:ext cx="2743200" cy="365125"/>
-          </a:xfrm>
-          <a:prstGeom prst="rect">
-            <a:avLst/>
-          </a:prstGeom>
-          <a:noFill/>
-          <a:ln>
-            <a:noFill/>
-          </a:ln>
-        </p:spPr>
-        <p:txBody>
-          <a:bodyPr spcFirstLastPara="1" wrap="square" lIns="91425" tIns="45700" rIns="91425" bIns="45700" anchor="ctr" anchorCtr="0">
-            <a:noAutofit/>
-          </a:bodyPr>
-          <a:lstStyle>
-            <a:lvl1pPr marL="0" marR="0" lvl="0" indent="0" algn="r">
-              <a:lnSpc>
-                <a:spcPct val="100000"/>
-              </a:lnSpc>
-              <a:spcBef>
-                <a:spcPts val="0"/>
-              </a:spcBef>
-              <a:spcAft>
-                <a:spcPts val="0"/>
-              </a:spcAft>
-              <a:buClr>
-                <a:srgbClr val="000000"/>
-              </a:buClr>
-              <a:buSzPts val="1200"/>
-              <a:buFont typeface="Arial"/>
-              <a:buNone/>
-              <a:defRPr sz="1200" b="0" i="0" u="none" strike="noStrike" cap="none">
-                <a:solidFill>
-                  <a:srgbClr val="888888"/>
-                </a:solidFill>
-                <a:latin typeface="Calibri"/>
-                <a:ea typeface="Calibri"/>
-                <a:cs typeface="Calibri"/>
-                <a:sym typeface="Calibri"/>
-              </a:defRPr>
-            </a:lvl1pPr>
-            <a:lvl2pPr marL="0" marR="0" lvl="1" indent="0" algn="r">
-              <a:lnSpc>
-                <a:spcPct val="100000"/>
-              </a:lnSpc>
-              <a:spcBef>
-                <a:spcPts val="0"/>
-              </a:spcBef>
-              <a:spcAft>
-                <a:spcPts val="0"/>
-              </a:spcAft>
-              <a:buClr>
-                <a:srgbClr val="000000"/>
-              </a:buClr>
-              <a:buSzPts val="1200"/>
-              <a:buFont typeface="Arial"/>
-              <a:buNone/>
-              <a:defRPr sz="1200" b="0" i="0" u="none" strike="noStrike" cap="none">
-                <a:solidFill>
-                  <a:srgbClr val="888888"/>
-                </a:solidFill>
-                <a:latin typeface="Calibri"/>
-                <a:ea typeface="Calibri"/>
-                <a:cs typeface="Calibri"/>
-                <a:sym typeface="Calibri"/>
-              </a:defRPr>
-            </a:lvl2pPr>
-            <a:lvl3pPr marL="0" marR="0" lvl="2" indent="0" algn="r">
-              <a:lnSpc>
-                <a:spcPct val="100000"/>
-              </a:lnSpc>
-              <a:spcBef>
-                <a:spcPts val="0"/>
-              </a:spcBef>
-              <a:spcAft>
-                <a:spcPts val="0"/>
-              </a:spcAft>
-              <a:buClr>
-                <a:srgbClr val="000000"/>
-              </a:buClr>
-              <a:buSzPts val="1200"/>
-              <a:buFont typeface="Arial"/>
-              <a:buNone/>
-              <a:defRPr sz="1200" b="0" i="0" u="none" strike="noStrike" cap="none">
-                <a:solidFill>
-                  <a:srgbClr val="888888"/>
-                </a:solidFill>
-                <a:latin typeface="Calibri"/>
-                <a:ea typeface="Calibri"/>
-                <a:cs typeface="Calibri"/>
-                <a:sym typeface="Calibri"/>
-              </a:defRPr>
-            </a:lvl3pPr>
-            <a:lvl4pPr marL="0" marR="0" lvl="3" indent="0" algn="r">
-              <a:lnSpc>
-                <a:spcPct val="100000"/>
-              </a:lnSpc>
-              <a:spcBef>
-                <a:spcPts val="0"/>
-              </a:spcBef>
-              <a:spcAft>
-                <a:spcPts val="0"/>
-              </a:spcAft>
-              <a:buClr>
-                <a:srgbClr val="000000"/>
-              </a:buClr>
-              <a:buSzPts val="1200"/>
-              <a:buFont typeface="Arial"/>
-              <a:buNone/>
-              <a:defRPr sz="1200" b="0" i="0" u="none" strike="noStrike" cap="none">
-                <a:solidFill>
-                  <a:srgbClr val="888888"/>
-                </a:solidFill>
-                <a:latin typeface="Calibri"/>
-                <a:ea typeface="Calibri"/>
-                <a:cs typeface="Calibri"/>
-                <a:sym typeface="Calibri"/>
-              </a:defRPr>
-            </a:lvl4pPr>
-            <a:lvl5pPr marL="0" marR="0" lvl="4" indent="0" algn="r">
-              <a:lnSpc>
-                <a:spcPct val="100000"/>
-              </a:lnSpc>
-              <a:spcBef>
-                <a:spcPts val="0"/>
-              </a:spcBef>
-              <a:spcAft>
-                <a:spcPts val="0"/>
-              </a:spcAft>
-              <a:buClr>
-                <a:srgbClr val="000000"/>
-              </a:buClr>
-              <a:buSzPts val="1200"/>
-              <a:buFont typeface="Arial"/>
-              <a:buNone/>
-              <a:defRPr sz="1200" b="0" i="0" u="none" strike="noStrike" cap="none">
-                <a:solidFill>
-                  <a:srgbClr val="888888"/>
-                </a:solidFill>
-                <a:latin typeface="Calibri"/>
-                <a:ea typeface="Calibri"/>
-                <a:cs typeface="Calibri"/>
-                <a:sym typeface="Calibri"/>
-              </a:defRPr>
-            </a:lvl5pPr>
-            <a:lvl6pPr marL="0" marR="0" lvl="5" indent="0" algn="r">
-              <a:lnSpc>
-                <a:spcPct val="100000"/>
-              </a:lnSpc>
-              <a:spcBef>
-                <a:spcPts val="0"/>
-              </a:spcBef>
-              <a:spcAft>
-                <a:spcPts val="0"/>
-              </a:spcAft>
-              <a:buClr>
-                <a:srgbClr val="000000"/>
-              </a:buClr>
-              <a:buSzPts val="1200"/>
-              <a:buFont typeface="Arial"/>
-              <a:buNone/>
-              <a:defRPr sz="1200" b="0" i="0" u="none" strike="noStrike" cap="none">
-                <a:solidFill>
-                  <a:srgbClr val="888888"/>
-                </a:solidFill>
-                <a:latin typeface="Calibri"/>
-                <a:ea typeface="Calibri"/>
-                <a:cs typeface="Calibri"/>
-                <a:sym typeface="Calibri"/>
-              </a:defRPr>
-            </a:lvl6pPr>
-            <a:lvl7pPr marL="0" marR="0" lvl="6" indent="0" algn="r">
-              <a:lnSpc>
-                <a:spcPct val="100000"/>
-              </a:lnSpc>
-              <a:spcBef>
-                <a:spcPts val="0"/>
-              </a:spcBef>
-              <a:spcAft>
-                <a:spcPts val="0"/>
-              </a:spcAft>
-              <a:buClr>
-                <a:srgbClr val="000000"/>
-              </a:buClr>
-              <a:buSzPts val="1200"/>
-              <a:buFont typeface="Arial"/>
-              <a:buNone/>
-              <a:defRPr sz="1200" b="0" i="0" u="none" strike="noStrike" cap="none">
-                <a:solidFill>
-                  <a:srgbClr val="888888"/>
-                </a:solidFill>
-                <a:latin typeface="Calibri"/>
-                <a:ea typeface="Calibri"/>
-                <a:cs typeface="Calibri"/>
-                <a:sym typeface="Calibri"/>
-              </a:defRPr>
-            </a:lvl7pPr>
-            <a:lvl8pPr marL="0" marR="0" lvl="7" indent="0" algn="r">
-              <a:lnSpc>
-                <a:spcPct val="100000"/>
-              </a:lnSpc>
-              <a:spcBef>
-                <a:spcPts val="0"/>
-              </a:spcBef>
-              <a:spcAft>
-                <a:spcPts val="0"/>
-              </a:spcAft>
-              <a:buClr>
-                <a:srgbClr val="000000"/>
-              </a:buClr>
-              <a:buSzPts val="1200"/>
-              <a:buFont typeface="Arial"/>
-              <a:buNone/>
-              <a:defRPr sz="1200" b="0" i="0" u="none" strike="noStrike" cap="none">
-                <a:solidFill>
-                  <a:srgbClr val="888888"/>
-                </a:solidFill>
-                <a:latin typeface="Calibri"/>
-                <a:ea typeface="Calibri"/>
-                <a:cs typeface="Calibri"/>
-                <a:sym typeface="Calibri"/>
-              </a:defRPr>
-            </a:lvl8pPr>
-            <a:lvl9pPr marL="0" marR="0" lvl="8" indent="0" algn="r">
-              <a:lnSpc>
-                <a:spcPct val="100000"/>
-              </a:lnSpc>
-              <a:spcBef>
-                <a:spcPts val="0"/>
-              </a:spcBef>
-              <a:spcAft>
-                <a:spcPts val="0"/>
-              </a:spcAft>
-              <a:buClr>
-                <a:srgbClr val="000000"/>
-              </a:buClr>
-              <a:buSzPts val="1200"/>
-              <a:buFont typeface="Arial"/>
-              <a:buNone/>
-              <a:defRPr sz="1200" b="0" i="0" u="none" strike="noStrike" cap="none">
-                <a:solidFill>
-                  <a:srgbClr val="888888"/>
-                </a:solidFill>
-                <a:latin typeface="Calibri"/>
-                <a:ea typeface="Calibri"/>
-                <a:cs typeface="Calibri"/>
-                <a:sym typeface="Calibri"/>
-              </a:defRPr>
-            </a:lvl9pPr>
-          </a:lstStyle>
-          <a:p>
-            <a:pPr marL="0" lvl="0" indent="0" algn="r" rtl="0">
-              <a:spcBef>
-                <a:spcPts val="0"/>
-              </a:spcBef>
-              <a:spcAft>
-                <a:spcPts val="0"/>
-              </a:spcAft>
-              <a:buNone/>
-            </a:pPr>
-            <a:fld id="{00000000-1234-1234-1234-123412341234}" type="slidenum">
-              <a:rPr lang="en-US"/>
-              <a:t>‹#›</a:t>
-            </a:fld>
-            <a:endParaRPr/>
-          </a:p>
-        </p:txBody>
-      </p:sp>
-    </p:spTree>
-  </p:cSld>
-  <p:clrMapOvr>
-    <a:masterClrMapping/>
-  </p:clrMapOvr>
-</p:sldLayout>
-</file>
-
-<file path=ppt/slideLayouts/slideLayout11.xml><?xml version="1.0" encoding="utf-8"?>
 <p:sldLayout xmlns:a="http://schemas.openxmlformats.org/drawingml/2006/main" xmlns:r="http://schemas.openxmlformats.org/officeDocument/2006/relationships" xmlns:p="http://schemas.openxmlformats.org/presentationml/2006/main" matchingName="Vertical Title and Text" type="vertTitleAndTx">
   <p:cSld name="VERTICAL_TITLE_AND_VERTICAL_TEXT">
     <p:spTree>
@@ -4284,982 +3496,6 @@
 </file>
 
 <file path=ppt/slideLayouts/slideLayout2.xml><?xml version="1.0" encoding="utf-8"?>
-<p:sldLayout xmlns:a="http://schemas.openxmlformats.org/drawingml/2006/main" xmlns:r="http://schemas.openxmlformats.org/officeDocument/2006/relationships" xmlns:p="http://schemas.openxmlformats.org/presentationml/2006/main" matchingName="Title and Content" type="obj">
-  <p:cSld name="OBJECT">
-    <p:spTree>
-      <p:nvGrpSpPr>
-        <p:cNvPr id="1" name="Shape 19"/>
-        <p:cNvGrpSpPr/>
-        <p:nvPr/>
-      </p:nvGrpSpPr>
-      <p:grpSpPr>
-        <a:xfrm>
-          <a:off x="0" y="0"/>
-          <a:ext cx="0" cy="0"/>
-          <a:chOff x="0" y="0"/>
-          <a:chExt cx="0" cy="0"/>
-        </a:xfrm>
-      </p:grpSpPr>
-      <p:sp>
-        <p:nvSpPr>
-          <p:cNvPr id="20" name="Google Shape;20;p6"/>
-          <p:cNvSpPr txBox="1">
-            <a:spLocks noGrp="1"/>
-          </p:cNvSpPr>
-          <p:nvPr>
-            <p:ph type="title"/>
-          </p:nvPr>
-        </p:nvSpPr>
-        <p:spPr>
-          <a:xfrm>
-            <a:off x="838200" y="365125"/>
-            <a:ext cx="10515600" cy="1325563"/>
-          </a:xfrm>
-          <a:prstGeom prst="rect">
-            <a:avLst/>
-          </a:prstGeom>
-          <a:noFill/>
-          <a:ln>
-            <a:noFill/>
-          </a:ln>
-        </p:spPr>
-        <p:txBody>
-          <a:bodyPr spcFirstLastPara="1" wrap="square" lIns="91425" tIns="45700" rIns="91425" bIns="45700" anchor="ctr" anchorCtr="0">
-            <a:normAutofit/>
-          </a:bodyPr>
-          <a:lstStyle>
-            <a:lvl1pPr lvl="0" algn="l">
-              <a:lnSpc>
-                <a:spcPct val="90000"/>
-              </a:lnSpc>
-              <a:spcBef>
-                <a:spcPts val="0"/>
-              </a:spcBef>
-              <a:spcAft>
-                <a:spcPts val="0"/>
-              </a:spcAft>
-              <a:buClr>
-                <a:schemeClr val="dk1"/>
-              </a:buClr>
-              <a:buSzPts val="1800"/>
-              <a:buNone/>
-              <a:defRPr/>
-            </a:lvl1pPr>
-            <a:lvl2pPr lvl="1" algn="l">
-              <a:lnSpc>
-                <a:spcPct val="100000"/>
-              </a:lnSpc>
-              <a:spcBef>
-                <a:spcPts val="0"/>
-              </a:spcBef>
-              <a:spcAft>
-                <a:spcPts val="0"/>
-              </a:spcAft>
-              <a:buSzPts val="1400"/>
-              <a:buNone/>
-              <a:defRPr/>
-            </a:lvl2pPr>
-            <a:lvl3pPr lvl="2" algn="l">
-              <a:lnSpc>
-                <a:spcPct val="100000"/>
-              </a:lnSpc>
-              <a:spcBef>
-                <a:spcPts val="0"/>
-              </a:spcBef>
-              <a:spcAft>
-                <a:spcPts val="0"/>
-              </a:spcAft>
-              <a:buSzPts val="1400"/>
-              <a:buNone/>
-              <a:defRPr/>
-            </a:lvl3pPr>
-            <a:lvl4pPr lvl="3" algn="l">
-              <a:lnSpc>
-                <a:spcPct val="100000"/>
-              </a:lnSpc>
-              <a:spcBef>
-                <a:spcPts val="0"/>
-              </a:spcBef>
-              <a:spcAft>
-                <a:spcPts val="0"/>
-              </a:spcAft>
-              <a:buSzPts val="1400"/>
-              <a:buNone/>
-              <a:defRPr/>
-            </a:lvl4pPr>
-            <a:lvl5pPr lvl="4" algn="l">
-              <a:lnSpc>
-                <a:spcPct val="100000"/>
-              </a:lnSpc>
-              <a:spcBef>
-                <a:spcPts val="0"/>
-              </a:spcBef>
-              <a:spcAft>
-                <a:spcPts val="0"/>
-              </a:spcAft>
-              <a:buSzPts val="1400"/>
-              <a:buNone/>
-              <a:defRPr/>
-            </a:lvl5pPr>
-            <a:lvl6pPr lvl="5" algn="l">
-              <a:lnSpc>
-                <a:spcPct val="100000"/>
-              </a:lnSpc>
-              <a:spcBef>
-                <a:spcPts val="0"/>
-              </a:spcBef>
-              <a:spcAft>
-                <a:spcPts val="0"/>
-              </a:spcAft>
-              <a:buSzPts val="1400"/>
-              <a:buNone/>
-              <a:defRPr/>
-            </a:lvl6pPr>
-            <a:lvl7pPr lvl="6" algn="l">
-              <a:lnSpc>
-                <a:spcPct val="100000"/>
-              </a:lnSpc>
-              <a:spcBef>
-                <a:spcPts val="0"/>
-              </a:spcBef>
-              <a:spcAft>
-                <a:spcPts val="0"/>
-              </a:spcAft>
-              <a:buSzPts val="1400"/>
-              <a:buNone/>
-              <a:defRPr/>
-            </a:lvl7pPr>
-            <a:lvl8pPr lvl="7" algn="l">
-              <a:lnSpc>
-                <a:spcPct val="100000"/>
-              </a:lnSpc>
-              <a:spcBef>
-                <a:spcPts val="0"/>
-              </a:spcBef>
-              <a:spcAft>
-                <a:spcPts val="0"/>
-              </a:spcAft>
-              <a:buSzPts val="1400"/>
-              <a:buNone/>
-              <a:defRPr/>
-            </a:lvl8pPr>
-            <a:lvl9pPr lvl="8" algn="l">
-              <a:lnSpc>
-                <a:spcPct val="100000"/>
-              </a:lnSpc>
-              <a:spcBef>
-                <a:spcPts val="0"/>
-              </a:spcBef>
-              <a:spcAft>
-                <a:spcPts val="0"/>
-              </a:spcAft>
-              <a:buSzPts val="1400"/>
-              <a:buNone/>
-              <a:defRPr/>
-            </a:lvl9pPr>
-          </a:lstStyle>
-          <a:p>
-            <a:endParaRPr/>
-          </a:p>
-        </p:txBody>
-      </p:sp>
-      <p:sp>
-        <p:nvSpPr>
-          <p:cNvPr id="21" name="Google Shape;21;p6"/>
-          <p:cNvSpPr txBox="1">
-            <a:spLocks noGrp="1"/>
-          </p:cNvSpPr>
-          <p:nvPr>
-            <p:ph type="body" idx="1"/>
-          </p:nvPr>
-        </p:nvSpPr>
-        <p:spPr>
-          <a:xfrm>
-            <a:off x="838200" y="1825625"/>
-            <a:ext cx="10515600" cy="4351338"/>
-          </a:xfrm>
-          <a:prstGeom prst="rect">
-            <a:avLst/>
-          </a:prstGeom>
-          <a:noFill/>
-          <a:ln>
-            <a:noFill/>
-          </a:ln>
-        </p:spPr>
-        <p:txBody>
-          <a:bodyPr spcFirstLastPara="1" wrap="square" lIns="91425" tIns="45700" rIns="91425" bIns="45700" anchor="t" anchorCtr="0">
-            <a:normAutofit/>
-          </a:bodyPr>
-          <a:lstStyle>
-            <a:lvl1pPr marL="457200" lvl="0" indent="-342900" algn="l">
-              <a:lnSpc>
-                <a:spcPct val="90000"/>
-              </a:lnSpc>
-              <a:spcBef>
-                <a:spcPts val="1000"/>
-              </a:spcBef>
-              <a:spcAft>
-                <a:spcPts val="0"/>
-              </a:spcAft>
-              <a:buClr>
-                <a:schemeClr val="dk1"/>
-              </a:buClr>
-              <a:buSzPts val="1800"/>
-              <a:buChar char="•"/>
-              <a:defRPr/>
-            </a:lvl1pPr>
-            <a:lvl2pPr marL="914400" lvl="1" indent="-342900" algn="l">
-              <a:lnSpc>
-                <a:spcPct val="90000"/>
-              </a:lnSpc>
-              <a:spcBef>
-                <a:spcPts val="500"/>
-              </a:spcBef>
-              <a:spcAft>
-                <a:spcPts val="0"/>
-              </a:spcAft>
-              <a:buClr>
-                <a:schemeClr val="dk1"/>
-              </a:buClr>
-              <a:buSzPts val="1800"/>
-              <a:buChar char="•"/>
-              <a:defRPr/>
-            </a:lvl2pPr>
-            <a:lvl3pPr marL="1371600" lvl="2" indent="-342900" algn="l">
-              <a:lnSpc>
-                <a:spcPct val="90000"/>
-              </a:lnSpc>
-              <a:spcBef>
-                <a:spcPts val="500"/>
-              </a:spcBef>
-              <a:spcAft>
-                <a:spcPts val="0"/>
-              </a:spcAft>
-              <a:buClr>
-                <a:schemeClr val="dk1"/>
-              </a:buClr>
-              <a:buSzPts val="1800"/>
-              <a:buChar char="•"/>
-              <a:defRPr/>
-            </a:lvl3pPr>
-            <a:lvl4pPr marL="1828800" lvl="3" indent="-342900" algn="l">
-              <a:lnSpc>
-                <a:spcPct val="90000"/>
-              </a:lnSpc>
-              <a:spcBef>
-                <a:spcPts val="500"/>
-              </a:spcBef>
-              <a:spcAft>
-                <a:spcPts val="0"/>
-              </a:spcAft>
-              <a:buClr>
-                <a:schemeClr val="dk1"/>
-              </a:buClr>
-              <a:buSzPts val="1800"/>
-              <a:buChar char="•"/>
-              <a:defRPr/>
-            </a:lvl4pPr>
-            <a:lvl5pPr marL="2286000" lvl="4" indent="-342900" algn="l">
-              <a:lnSpc>
-                <a:spcPct val="90000"/>
-              </a:lnSpc>
-              <a:spcBef>
-                <a:spcPts val="500"/>
-              </a:spcBef>
-              <a:spcAft>
-                <a:spcPts val="0"/>
-              </a:spcAft>
-              <a:buClr>
-                <a:schemeClr val="dk1"/>
-              </a:buClr>
-              <a:buSzPts val="1800"/>
-              <a:buChar char="•"/>
-              <a:defRPr/>
-            </a:lvl5pPr>
-            <a:lvl6pPr marL="2743200" lvl="5" indent="-342900" algn="l">
-              <a:lnSpc>
-                <a:spcPct val="90000"/>
-              </a:lnSpc>
-              <a:spcBef>
-                <a:spcPts val="500"/>
-              </a:spcBef>
-              <a:spcAft>
-                <a:spcPts val="0"/>
-              </a:spcAft>
-              <a:buClr>
-                <a:schemeClr val="dk1"/>
-              </a:buClr>
-              <a:buSzPts val="1800"/>
-              <a:buChar char="•"/>
-              <a:defRPr/>
-            </a:lvl6pPr>
-            <a:lvl7pPr marL="3200400" lvl="6" indent="-342900" algn="l">
-              <a:lnSpc>
-                <a:spcPct val="90000"/>
-              </a:lnSpc>
-              <a:spcBef>
-                <a:spcPts val="500"/>
-              </a:spcBef>
-              <a:spcAft>
-                <a:spcPts val="0"/>
-              </a:spcAft>
-              <a:buClr>
-                <a:schemeClr val="dk1"/>
-              </a:buClr>
-              <a:buSzPts val="1800"/>
-              <a:buChar char="•"/>
-              <a:defRPr/>
-            </a:lvl7pPr>
-            <a:lvl8pPr marL="3657600" lvl="7" indent="-342900" algn="l">
-              <a:lnSpc>
-                <a:spcPct val="90000"/>
-              </a:lnSpc>
-              <a:spcBef>
-                <a:spcPts val="500"/>
-              </a:spcBef>
-              <a:spcAft>
-                <a:spcPts val="0"/>
-              </a:spcAft>
-              <a:buClr>
-                <a:schemeClr val="dk1"/>
-              </a:buClr>
-              <a:buSzPts val="1800"/>
-              <a:buChar char="•"/>
-              <a:defRPr/>
-            </a:lvl8pPr>
-            <a:lvl9pPr marL="4114800" lvl="8" indent="-342900" algn="l">
-              <a:lnSpc>
-                <a:spcPct val="90000"/>
-              </a:lnSpc>
-              <a:spcBef>
-                <a:spcPts val="500"/>
-              </a:spcBef>
-              <a:spcAft>
-                <a:spcPts val="0"/>
-              </a:spcAft>
-              <a:buClr>
-                <a:schemeClr val="dk1"/>
-              </a:buClr>
-              <a:buSzPts val="1800"/>
-              <a:buChar char="•"/>
-              <a:defRPr/>
-            </a:lvl9pPr>
-          </a:lstStyle>
-          <a:p>
-            <a:endParaRPr/>
-          </a:p>
-        </p:txBody>
-      </p:sp>
-      <p:sp>
-        <p:nvSpPr>
-          <p:cNvPr id="22" name="Google Shape;22;p6"/>
-          <p:cNvSpPr txBox="1">
-            <a:spLocks noGrp="1"/>
-          </p:cNvSpPr>
-          <p:nvPr>
-            <p:ph type="dt" idx="10"/>
-          </p:nvPr>
-        </p:nvSpPr>
-        <p:spPr>
-          <a:xfrm>
-            <a:off x="838200" y="6356350"/>
-            <a:ext cx="2743200" cy="365125"/>
-          </a:xfrm>
-          <a:prstGeom prst="rect">
-            <a:avLst/>
-          </a:prstGeom>
-          <a:noFill/>
-          <a:ln>
-            <a:noFill/>
-          </a:ln>
-        </p:spPr>
-        <p:txBody>
-          <a:bodyPr spcFirstLastPara="1" wrap="square" lIns="91425" tIns="45700" rIns="91425" bIns="45700" anchor="ctr" anchorCtr="0">
-            <a:noAutofit/>
-          </a:bodyPr>
-          <a:lstStyle>
-            <a:lvl1pPr lvl="0" algn="l">
-              <a:lnSpc>
-                <a:spcPct val="100000"/>
-              </a:lnSpc>
-              <a:spcBef>
-                <a:spcPts val="0"/>
-              </a:spcBef>
-              <a:spcAft>
-                <a:spcPts val="0"/>
-              </a:spcAft>
-              <a:buSzPts val="1400"/>
-              <a:buNone/>
-              <a:defRPr/>
-            </a:lvl1pPr>
-            <a:lvl2pPr lvl="1" algn="l">
-              <a:lnSpc>
-                <a:spcPct val="100000"/>
-              </a:lnSpc>
-              <a:spcBef>
-                <a:spcPts val="0"/>
-              </a:spcBef>
-              <a:spcAft>
-                <a:spcPts val="0"/>
-              </a:spcAft>
-              <a:buSzPts val="1400"/>
-              <a:buNone/>
-              <a:defRPr/>
-            </a:lvl2pPr>
-            <a:lvl3pPr lvl="2" algn="l">
-              <a:lnSpc>
-                <a:spcPct val="100000"/>
-              </a:lnSpc>
-              <a:spcBef>
-                <a:spcPts val="0"/>
-              </a:spcBef>
-              <a:spcAft>
-                <a:spcPts val="0"/>
-              </a:spcAft>
-              <a:buSzPts val="1400"/>
-              <a:buNone/>
-              <a:defRPr/>
-            </a:lvl3pPr>
-            <a:lvl4pPr lvl="3" algn="l">
-              <a:lnSpc>
-                <a:spcPct val="100000"/>
-              </a:lnSpc>
-              <a:spcBef>
-                <a:spcPts val="0"/>
-              </a:spcBef>
-              <a:spcAft>
-                <a:spcPts val="0"/>
-              </a:spcAft>
-              <a:buSzPts val="1400"/>
-              <a:buNone/>
-              <a:defRPr/>
-            </a:lvl4pPr>
-            <a:lvl5pPr lvl="4" algn="l">
-              <a:lnSpc>
-                <a:spcPct val="100000"/>
-              </a:lnSpc>
-              <a:spcBef>
-                <a:spcPts val="0"/>
-              </a:spcBef>
-              <a:spcAft>
-                <a:spcPts val="0"/>
-              </a:spcAft>
-              <a:buSzPts val="1400"/>
-              <a:buNone/>
-              <a:defRPr/>
-            </a:lvl5pPr>
-            <a:lvl6pPr lvl="5" algn="l">
-              <a:lnSpc>
-                <a:spcPct val="100000"/>
-              </a:lnSpc>
-              <a:spcBef>
-                <a:spcPts val="0"/>
-              </a:spcBef>
-              <a:spcAft>
-                <a:spcPts val="0"/>
-              </a:spcAft>
-              <a:buSzPts val="1400"/>
-              <a:buNone/>
-              <a:defRPr/>
-            </a:lvl6pPr>
-            <a:lvl7pPr lvl="6" algn="l">
-              <a:lnSpc>
-                <a:spcPct val="100000"/>
-              </a:lnSpc>
-              <a:spcBef>
-                <a:spcPts val="0"/>
-              </a:spcBef>
-              <a:spcAft>
-                <a:spcPts val="0"/>
-              </a:spcAft>
-              <a:buSzPts val="1400"/>
-              <a:buNone/>
-              <a:defRPr/>
-            </a:lvl7pPr>
-            <a:lvl8pPr lvl="7" algn="l">
-              <a:lnSpc>
-                <a:spcPct val="100000"/>
-              </a:lnSpc>
-              <a:spcBef>
-                <a:spcPts val="0"/>
-              </a:spcBef>
-              <a:spcAft>
-                <a:spcPts val="0"/>
-              </a:spcAft>
-              <a:buSzPts val="1400"/>
-              <a:buNone/>
-              <a:defRPr/>
-            </a:lvl8pPr>
-            <a:lvl9pPr lvl="8" algn="l">
-              <a:lnSpc>
-                <a:spcPct val="100000"/>
-              </a:lnSpc>
-              <a:spcBef>
-                <a:spcPts val="0"/>
-              </a:spcBef>
-              <a:spcAft>
-                <a:spcPts val="0"/>
-              </a:spcAft>
-              <a:buSzPts val="1400"/>
-              <a:buNone/>
-              <a:defRPr/>
-            </a:lvl9pPr>
-          </a:lstStyle>
-          <a:p>
-            <a:endParaRPr/>
-          </a:p>
-        </p:txBody>
-      </p:sp>
-      <p:sp>
-        <p:nvSpPr>
-          <p:cNvPr id="23" name="Google Shape;23;p6"/>
-          <p:cNvSpPr txBox="1">
-            <a:spLocks noGrp="1"/>
-          </p:cNvSpPr>
-          <p:nvPr>
-            <p:ph type="ftr" idx="11"/>
-          </p:nvPr>
-        </p:nvSpPr>
-        <p:spPr>
-          <a:xfrm>
-            <a:off x="4038600" y="6356350"/>
-            <a:ext cx="4114800" cy="365125"/>
-          </a:xfrm>
-          <a:prstGeom prst="rect">
-            <a:avLst/>
-          </a:prstGeom>
-          <a:noFill/>
-          <a:ln>
-            <a:noFill/>
-          </a:ln>
-        </p:spPr>
-        <p:txBody>
-          <a:bodyPr spcFirstLastPara="1" wrap="square" lIns="91425" tIns="45700" rIns="91425" bIns="45700" anchor="ctr" anchorCtr="0">
-            <a:noAutofit/>
-          </a:bodyPr>
-          <a:lstStyle>
-            <a:lvl1pPr lvl="0" algn="ctr">
-              <a:lnSpc>
-                <a:spcPct val="100000"/>
-              </a:lnSpc>
-              <a:spcBef>
-                <a:spcPts val="0"/>
-              </a:spcBef>
-              <a:spcAft>
-                <a:spcPts val="0"/>
-              </a:spcAft>
-              <a:buSzPts val="1400"/>
-              <a:buNone/>
-              <a:defRPr/>
-            </a:lvl1pPr>
-            <a:lvl2pPr lvl="1" algn="l">
-              <a:lnSpc>
-                <a:spcPct val="100000"/>
-              </a:lnSpc>
-              <a:spcBef>
-                <a:spcPts val="0"/>
-              </a:spcBef>
-              <a:spcAft>
-                <a:spcPts val="0"/>
-              </a:spcAft>
-              <a:buSzPts val="1400"/>
-              <a:buNone/>
-              <a:defRPr/>
-            </a:lvl2pPr>
-            <a:lvl3pPr lvl="2" algn="l">
-              <a:lnSpc>
-                <a:spcPct val="100000"/>
-              </a:lnSpc>
-              <a:spcBef>
-                <a:spcPts val="0"/>
-              </a:spcBef>
-              <a:spcAft>
-                <a:spcPts val="0"/>
-              </a:spcAft>
-              <a:buSzPts val="1400"/>
-              <a:buNone/>
-              <a:defRPr/>
-            </a:lvl3pPr>
-            <a:lvl4pPr lvl="3" algn="l">
-              <a:lnSpc>
-                <a:spcPct val="100000"/>
-              </a:lnSpc>
-              <a:spcBef>
-                <a:spcPts val="0"/>
-              </a:spcBef>
-              <a:spcAft>
-                <a:spcPts val="0"/>
-              </a:spcAft>
-              <a:buSzPts val="1400"/>
-              <a:buNone/>
-              <a:defRPr/>
-            </a:lvl4pPr>
-            <a:lvl5pPr lvl="4" algn="l">
-              <a:lnSpc>
-                <a:spcPct val="100000"/>
-              </a:lnSpc>
-              <a:spcBef>
-                <a:spcPts val="0"/>
-              </a:spcBef>
-              <a:spcAft>
-                <a:spcPts val="0"/>
-              </a:spcAft>
-              <a:buSzPts val="1400"/>
-              <a:buNone/>
-              <a:defRPr/>
-            </a:lvl5pPr>
-            <a:lvl6pPr lvl="5" algn="l">
-              <a:lnSpc>
-                <a:spcPct val="100000"/>
-              </a:lnSpc>
-              <a:spcBef>
-                <a:spcPts val="0"/>
-              </a:spcBef>
-              <a:spcAft>
-                <a:spcPts val="0"/>
-              </a:spcAft>
-              <a:buSzPts val="1400"/>
-              <a:buNone/>
-              <a:defRPr/>
-            </a:lvl6pPr>
-            <a:lvl7pPr lvl="6" algn="l">
-              <a:lnSpc>
-                <a:spcPct val="100000"/>
-              </a:lnSpc>
-              <a:spcBef>
-                <a:spcPts val="0"/>
-              </a:spcBef>
-              <a:spcAft>
-                <a:spcPts val="0"/>
-              </a:spcAft>
-              <a:buSzPts val="1400"/>
-              <a:buNone/>
-              <a:defRPr/>
-            </a:lvl7pPr>
-            <a:lvl8pPr lvl="7" algn="l">
-              <a:lnSpc>
-                <a:spcPct val="100000"/>
-              </a:lnSpc>
-              <a:spcBef>
-                <a:spcPts val="0"/>
-              </a:spcBef>
-              <a:spcAft>
-                <a:spcPts val="0"/>
-              </a:spcAft>
-              <a:buSzPts val="1400"/>
-              <a:buNone/>
-              <a:defRPr/>
-            </a:lvl8pPr>
-            <a:lvl9pPr lvl="8" algn="l">
-              <a:lnSpc>
-                <a:spcPct val="100000"/>
-              </a:lnSpc>
-              <a:spcBef>
-                <a:spcPts val="0"/>
-              </a:spcBef>
-              <a:spcAft>
-                <a:spcPts val="0"/>
-              </a:spcAft>
-              <a:buSzPts val="1400"/>
-              <a:buNone/>
-              <a:defRPr/>
-            </a:lvl9pPr>
-          </a:lstStyle>
-          <a:p>
-            <a:endParaRPr/>
-          </a:p>
-        </p:txBody>
-      </p:sp>
-      <p:sp>
-        <p:nvSpPr>
-          <p:cNvPr id="24" name="Google Shape;24;p6"/>
-          <p:cNvSpPr txBox="1">
-            <a:spLocks noGrp="1"/>
-          </p:cNvSpPr>
-          <p:nvPr>
-            <p:ph type="sldNum" idx="12"/>
-          </p:nvPr>
-        </p:nvSpPr>
-        <p:spPr>
-          <a:xfrm>
-            <a:off x="8610600" y="6356350"/>
-            <a:ext cx="2743200" cy="365125"/>
-          </a:xfrm>
-          <a:prstGeom prst="rect">
-            <a:avLst/>
-          </a:prstGeom>
-          <a:noFill/>
-          <a:ln>
-            <a:noFill/>
-          </a:ln>
-        </p:spPr>
-        <p:txBody>
-          <a:bodyPr spcFirstLastPara="1" wrap="square" lIns="91425" tIns="45700" rIns="91425" bIns="45700" anchor="ctr" anchorCtr="0">
-            <a:noAutofit/>
-          </a:bodyPr>
-          <a:lstStyle>
-            <a:lvl1pPr marL="0" marR="0" lvl="0" indent="0" algn="r">
-              <a:lnSpc>
-                <a:spcPct val="100000"/>
-              </a:lnSpc>
-              <a:spcBef>
-                <a:spcPts val="0"/>
-              </a:spcBef>
-              <a:spcAft>
-                <a:spcPts val="0"/>
-              </a:spcAft>
-              <a:buClr>
-                <a:srgbClr val="000000"/>
-              </a:buClr>
-              <a:buSzPts val="1200"/>
-              <a:buFont typeface="Arial"/>
-              <a:buNone/>
-              <a:defRPr sz="1200" b="0" i="0" u="none" strike="noStrike" cap="none">
-                <a:solidFill>
-                  <a:srgbClr val="888888"/>
-                </a:solidFill>
-                <a:latin typeface="Calibri"/>
-                <a:ea typeface="Calibri"/>
-                <a:cs typeface="Calibri"/>
-                <a:sym typeface="Calibri"/>
-              </a:defRPr>
-            </a:lvl1pPr>
-            <a:lvl2pPr marL="0" marR="0" lvl="1" indent="0" algn="r">
-              <a:lnSpc>
-                <a:spcPct val="100000"/>
-              </a:lnSpc>
-              <a:spcBef>
-                <a:spcPts val="0"/>
-              </a:spcBef>
-              <a:spcAft>
-                <a:spcPts val="0"/>
-              </a:spcAft>
-              <a:buClr>
-                <a:srgbClr val="000000"/>
-              </a:buClr>
-              <a:buSzPts val="1200"/>
-              <a:buFont typeface="Arial"/>
-              <a:buNone/>
-              <a:defRPr sz="1200" b="0" i="0" u="none" strike="noStrike" cap="none">
-                <a:solidFill>
-                  <a:srgbClr val="888888"/>
-                </a:solidFill>
-                <a:latin typeface="Calibri"/>
-                <a:ea typeface="Calibri"/>
-                <a:cs typeface="Calibri"/>
-                <a:sym typeface="Calibri"/>
-              </a:defRPr>
-            </a:lvl2pPr>
-            <a:lvl3pPr marL="0" marR="0" lvl="2" indent="0" algn="r">
-              <a:lnSpc>
-                <a:spcPct val="100000"/>
-              </a:lnSpc>
-              <a:spcBef>
-                <a:spcPts val="0"/>
-              </a:spcBef>
-              <a:spcAft>
-                <a:spcPts val="0"/>
-              </a:spcAft>
-              <a:buClr>
-                <a:srgbClr val="000000"/>
-              </a:buClr>
-              <a:buSzPts val="1200"/>
-              <a:buFont typeface="Arial"/>
-              <a:buNone/>
-              <a:defRPr sz="1200" b="0" i="0" u="none" strike="noStrike" cap="none">
-                <a:solidFill>
-                  <a:srgbClr val="888888"/>
-                </a:solidFill>
-                <a:latin typeface="Calibri"/>
-                <a:ea typeface="Calibri"/>
-                <a:cs typeface="Calibri"/>
-                <a:sym typeface="Calibri"/>
-              </a:defRPr>
-            </a:lvl3pPr>
-            <a:lvl4pPr marL="0" marR="0" lvl="3" indent="0" algn="r">
-              <a:lnSpc>
-                <a:spcPct val="100000"/>
-              </a:lnSpc>
-              <a:spcBef>
-                <a:spcPts val="0"/>
-              </a:spcBef>
-              <a:spcAft>
-                <a:spcPts val="0"/>
-              </a:spcAft>
-              <a:buClr>
-                <a:srgbClr val="000000"/>
-              </a:buClr>
-              <a:buSzPts val="1200"/>
-              <a:buFont typeface="Arial"/>
-              <a:buNone/>
-              <a:defRPr sz="1200" b="0" i="0" u="none" strike="noStrike" cap="none">
-                <a:solidFill>
-                  <a:srgbClr val="888888"/>
-                </a:solidFill>
-                <a:latin typeface="Calibri"/>
-                <a:ea typeface="Calibri"/>
-                <a:cs typeface="Calibri"/>
-                <a:sym typeface="Calibri"/>
-              </a:defRPr>
-            </a:lvl4pPr>
-            <a:lvl5pPr marL="0" marR="0" lvl="4" indent="0" algn="r">
-              <a:lnSpc>
-                <a:spcPct val="100000"/>
-              </a:lnSpc>
-              <a:spcBef>
-                <a:spcPts val="0"/>
-              </a:spcBef>
-              <a:spcAft>
-                <a:spcPts val="0"/>
-              </a:spcAft>
-              <a:buClr>
-                <a:srgbClr val="000000"/>
-              </a:buClr>
-              <a:buSzPts val="1200"/>
-              <a:buFont typeface="Arial"/>
-              <a:buNone/>
-              <a:defRPr sz="1200" b="0" i="0" u="none" strike="noStrike" cap="none">
-                <a:solidFill>
-                  <a:srgbClr val="888888"/>
-                </a:solidFill>
-                <a:latin typeface="Calibri"/>
-                <a:ea typeface="Calibri"/>
-                <a:cs typeface="Calibri"/>
-                <a:sym typeface="Calibri"/>
-              </a:defRPr>
-            </a:lvl5pPr>
-            <a:lvl6pPr marL="0" marR="0" lvl="5" indent="0" algn="r">
-              <a:lnSpc>
-                <a:spcPct val="100000"/>
-              </a:lnSpc>
-              <a:spcBef>
-                <a:spcPts val="0"/>
-              </a:spcBef>
-              <a:spcAft>
-                <a:spcPts val="0"/>
-              </a:spcAft>
-              <a:buClr>
-                <a:srgbClr val="000000"/>
-              </a:buClr>
-              <a:buSzPts val="1200"/>
-              <a:buFont typeface="Arial"/>
-              <a:buNone/>
-              <a:defRPr sz="1200" b="0" i="0" u="none" strike="noStrike" cap="none">
-                <a:solidFill>
-                  <a:srgbClr val="888888"/>
-                </a:solidFill>
-                <a:latin typeface="Calibri"/>
-                <a:ea typeface="Calibri"/>
-                <a:cs typeface="Calibri"/>
-                <a:sym typeface="Calibri"/>
-              </a:defRPr>
-            </a:lvl6pPr>
-            <a:lvl7pPr marL="0" marR="0" lvl="6" indent="0" algn="r">
-              <a:lnSpc>
-                <a:spcPct val="100000"/>
-              </a:lnSpc>
-              <a:spcBef>
-                <a:spcPts val="0"/>
-              </a:spcBef>
-              <a:spcAft>
-                <a:spcPts val="0"/>
-              </a:spcAft>
-              <a:buClr>
-                <a:srgbClr val="000000"/>
-              </a:buClr>
-              <a:buSzPts val="1200"/>
-              <a:buFont typeface="Arial"/>
-              <a:buNone/>
-              <a:defRPr sz="1200" b="0" i="0" u="none" strike="noStrike" cap="none">
-                <a:solidFill>
-                  <a:srgbClr val="888888"/>
-                </a:solidFill>
-                <a:latin typeface="Calibri"/>
-                <a:ea typeface="Calibri"/>
-                <a:cs typeface="Calibri"/>
-                <a:sym typeface="Calibri"/>
-              </a:defRPr>
-            </a:lvl7pPr>
-            <a:lvl8pPr marL="0" marR="0" lvl="7" indent="0" algn="r">
-              <a:lnSpc>
-                <a:spcPct val="100000"/>
-              </a:lnSpc>
-              <a:spcBef>
-                <a:spcPts val="0"/>
-              </a:spcBef>
-              <a:spcAft>
-                <a:spcPts val="0"/>
-              </a:spcAft>
-              <a:buClr>
-                <a:srgbClr val="000000"/>
-              </a:buClr>
-              <a:buSzPts val="1200"/>
-              <a:buFont typeface="Arial"/>
-              <a:buNone/>
-              <a:defRPr sz="1200" b="0" i="0" u="none" strike="noStrike" cap="none">
-                <a:solidFill>
-                  <a:srgbClr val="888888"/>
-                </a:solidFill>
-                <a:latin typeface="Calibri"/>
-                <a:ea typeface="Calibri"/>
-                <a:cs typeface="Calibri"/>
-                <a:sym typeface="Calibri"/>
-              </a:defRPr>
-            </a:lvl8pPr>
-            <a:lvl9pPr marL="0" marR="0" lvl="8" indent="0" algn="r">
-              <a:lnSpc>
-                <a:spcPct val="100000"/>
-              </a:lnSpc>
-              <a:spcBef>
-                <a:spcPts val="0"/>
-              </a:spcBef>
-              <a:spcAft>
-                <a:spcPts val="0"/>
-              </a:spcAft>
-              <a:buClr>
-                <a:srgbClr val="000000"/>
-              </a:buClr>
-              <a:buSzPts val="1200"/>
-              <a:buFont typeface="Arial"/>
-              <a:buNone/>
-              <a:defRPr sz="1200" b="0" i="0" u="none" strike="noStrike" cap="none">
-                <a:solidFill>
-                  <a:srgbClr val="888888"/>
-                </a:solidFill>
-                <a:latin typeface="Calibri"/>
-                <a:ea typeface="Calibri"/>
-                <a:cs typeface="Calibri"/>
-                <a:sym typeface="Calibri"/>
-              </a:defRPr>
-            </a:lvl9pPr>
-          </a:lstStyle>
-          <a:p>
-            <a:pPr marL="0" lvl="0" indent="0" algn="r" rtl="0">
-              <a:spcBef>
-                <a:spcPts val="0"/>
-              </a:spcBef>
-              <a:spcAft>
-                <a:spcPts val="0"/>
-              </a:spcAft>
-              <a:buNone/>
-            </a:pPr>
-            <a:fld id="{00000000-1234-1234-1234-123412341234}" type="slidenum">
-              <a:rPr lang="en-US"/>
-              <a:t>‹#›</a:t>
-            </a:fld>
-            <a:endParaRPr/>
-          </a:p>
-        </p:txBody>
-      </p:sp>
-    </p:spTree>
-  </p:cSld>
-  <p:clrMapOvr>
-    <a:masterClrMapping/>
-  </p:clrMapOvr>
-</p:sldLayout>
-</file>
-
-<file path=ppt/slideLayouts/slideLayout3.xml><?xml version="1.0" encoding="utf-8"?>
 <p:sldLayout xmlns:a="http://schemas.openxmlformats.org/drawingml/2006/main" xmlns:r="http://schemas.openxmlformats.org/officeDocument/2006/relationships" xmlns:p="http://schemas.openxmlformats.org/presentationml/2006/main" matchingName="Title Slide" type="title">
   <p:cSld name="TITLE">
     <p:spTree>
@@ -6236,7 +4472,7 @@
 </p:sldLayout>
 </file>
 
-<file path=ppt/slideLayouts/slideLayout4.xml><?xml version="1.0" encoding="utf-8"?>
+<file path=ppt/slideLayouts/slideLayout3.xml><?xml version="1.0" encoding="utf-8"?>
 <p:sldLayout xmlns:a="http://schemas.openxmlformats.org/drawingml/2006/main" xmlns:r="http://schemas.openxmlformats.org/officeDocument/2006/relationships" xmlns:p="http://schemas.openxmlformats.org/presentationml/2006/main" matchingName="Section Header" type="secHead">
   <p:cSld name="SECTION_HEADER">
     <p:spTree>
@@ -7249,7 +5485,7 @@
 </p:sldLayout>
 </file>
 
-<file path=ppt/slideLayouts/slideLayout5.xml><?xml version="1.0" encoding="utf-8"?>
+<file path=ppt/slideLayouts/slideLayout4.xml><?xml version="1.0" encoding="utf-8"?>
 <p:sldLayout xmlns:a="http://schemas.openxmlformats.org/drawingml/2006/main" xmlns:r="http://schemas.openxmlformats.org/officeDocument/2006/relationships" xmlns:p="http://schemas.openxmlformats.org/presentationml/2006/main" matchingName="Two Content" type="twoObj">
   <p:cSld name="TWO_OBJECTS">
     <p:spTree>
@@ -8412,7 +6648,7 @@
 </p:sldLayout>
 </file>
 
-<file path=ppt/slideLayouts/slideLayout6.xml><?xml version="1.0" encoding="utf-8"?>
+<file path=ppt/slideLayouts/slideLayout5.xml><?xml version="1.0" encoding="utf-8"?>
 <p:sldLayout xmlns:a="http://schemas.openxmlformats.org/drawingml/2006/main" xmlns:r="http://schemas.openxmlformats.org/officeDocument/2006/relationships" xmlns:p="http://schemas.openxmlformats.org/presentationml/2006/main" matchingName="Comparison" type="twoTxTwoObj">
   <p:cSld name="TWO_OBJECTS_WITH_TEXT">
     <p:spTree>
@@ -9949,7 +8185,7 @@
 </p:sldLayout>
 </file>
 
-<file path=ppt/slideLayouts/slideLayout7.xml><?xml version="1.0" encoding="utf-8"?>
+<file path=ppt/slideLayouts/slideLayout6.xml><?xml version="1.0" encoding="utf-8"?>
 <p:sldLayout xmlns:a="http://schemas.openxmlformats.org/drawingml/2006/main" xmlns:r="http://schemas.openxmlformats.org/officeDocument/2006/relationships" xmlns:p="http://schemas.openxmlformats.org/presentationml/2006/main" matchingName="Title Only" type="titleOnly">
   <p:cSld name="TITLE_ONLY">
     <p:spTree>
@@ -10738,7 +8974,7 @@
 </p:sldLayout>
 </file>
 
-<file path=ppt/slideLayouts/slideLayout8.xml><?xml version="1.0" encoding="utf-8"?>
+<file path=ppt/slideLayouts/slideLayout7.xml><?xml version="1.0" encoding="utf-8"?>
 <p:sldLayout xmlns:a="http://schemas.openxmlformats.org/drawingml/2006/main" xmlns:r="http://schemas.openxmlformats.org/officeDocument/2006/relationships" xmlns:p="http://schemas.openxmlformats.org/presentationml/2006/main" matchingName="Content with Caption" type="objTx">
   <p:cSld name="OBJECT_WITH_CAPTION_TEXT">
     <p:spTree>
@@ -11902,7 +10138,7 @@
 </p:sldLayout>
 </file>
 
-<file path=ppt/slideLayouts/slideLayout9.xml><?xml version="1.0" encoding="utf-8"?>
+<file path=ppt/slideLayouts/slideLayout8.xml><?xml version="1.0" encoding="utf-8"?>
 <p:sldLayout xmlns:a="http://schemas.openxmlformats.org/drawingml/2006/main" xmlns:r="http://schemas.openxmlformats.org/officeDocument/2006/relationships" xmlns:p="http://schemas.openxmlformats.org/presentationml/2006/main" matchingName="Picture with Caption" type="picTx">
   <p:cSld name="PICTURE_WITH_CAPTION_TEXT">
     <p:spTree>
@@ -12617,6 +10853,982 @@
       <p:sp>
         <p:nvSpPr>
           <p:cNvPr id="71" name="Google Shape;71;p14"/>
+          <p:cNvSpPr txBox="1">
+            <a:spLocks noGrp="1"/>
+          </p:cNvSpPr>
+          <p:nvPr>
+            <p:ph type="sldNum" idx="12"/>
+          </p:nvPr>
+        </p:nvSpPr>
+        <p:spPr>
+          <a:xfrm>
+            <a:off x="8610600" y="6356350"/>
+            <a:ext cx="2743200" cy="365125"/>
+          </a:xfrm>
+          <a:prstGeom prst="rect">
+            <a:avLst/>
+          </a:prstGeom>
+          <a:noFill/>
+          <a:ln>
+            <a:noFill/>
+          </a:ln>
+        </p:spPr>
+        <p:txBody>
+          <a:bodyPr spcFirstLastPara="1" wrap="square" lIns="91425" tIns="45700" rIns="91425" bIns="45700" anchor="ctr" anchorCtr="0">
+            <a:noAutofit/>
+          </a:bodyPr>
+          <a:lstStyle>
+            <a:lvl1pPr marL="0" marR="0" lvl="0" indent="0" algn="r">
+              <a:lnSpc>
+                <a:spcPct val="100000"/>
+              </a:lnSpc>
+              <a:spcBef>
+                <a:spcPts val="0"/>
+              </a:spcBef>
+              <a:spcAft>
+                <a:spcPts val="0"/>
+              </a:spcAft>
+              <a:buClr>
+                <a:srgbClr val="000000"/>
+              </a:buClr>
+              <a:buSzPts val="1200"/>
+              <a:buFont typeface="Arial"/>
+              <a:buNone/>
+              <a:defRPr sz="1200" b="0" i="0" u="none" strike="noStrike" cap="none">
+                <a:solidFill>
+                  <a:srgbClr val="888888"/>
+                </a:solidFill>
+                <a:latin typeface="Calibri"/>
+                <a:ea typeface="Calibri"/>
+                <a:cs typeface="Calibri"/>
+                <a:sym typeface="Calibri"/>
+              </a:defRPr>
+            </a:lvl1pPr>
+            <a:lvl2pPr marL="0" marR="0" lvl="1" indent="0" algn="r">
+              <a:lnSpc>
+                <a:spcPct val="100000"/>
+              </a:lnSpc>
+              <a:spcBef>
+                <a:spcPts val="0"/>
+              </a:spcBef>
+              <a:spcAft>
+                <a:spcPts val="0"/>
+              </a:spcAft>
+              <a:buClr>
+                <a:srgbClr val="000000"/>
+              </a:buClr>
+              <a:buSzPts val="1200"/>
+              <a:buFont typeface="Arial"/>
+              <a:buNone/>
+              <a:defRPr sz="1200" b="0" i="0" u="none" strike="noStrike" cap="none">
+                <a:solidFill>
+                  <a:srgbClr val="888888"/>
+                </a:solidFill>
+                <a:latin typeface="Calibri"/>
+                <a:ea typeface="Calibri"/>
+                <a:cs typeface="Calibri"/>
+                <a:sym typeface="Calibri"/>
+              </a:defRPr>
+            </a:lvl2pPr>
+            <a:lvl3pPr marL="0" marR="0" lvl="2" indent="0" algn="r">
+              <a:lnSpc>
+                <a:spcPct val="100000"/>
+              </a:lnSpc>
+              <a:spcBef>
+                <a:spcPts val="0"/>
+              </a:spcBef>
+              <a:spcAft>
+                <a:spcPts val="0"/>
+              </a:spcAft>
+              <a:buClr>
+                <a:srgbClr val="000000"/>
+              </a:buClr>
+              <a:buSzPts val="1200"/>
+              <a:buFont typeface="Arial"/>
+              <a:buNone/>
+              <a:defRPr sz="1200" b="0" i="0" u="none" strike="noStrike" cap="none">
+                <a:solidFill>
+                  <a:srgbClr val="888888"/>
+                </a:solidFill>
+                <a:latin typeface="Calibri"/>
+                <a:ea typeface="Calibri"/>
+                <a:cs typeface="Calibri"/>
+                <a:sym typeface="Calibri"/>
+              </a:defRPr>
+            </a:lvl3pPr>
+            <a:lvl4pPr marL="0" marR="0" lvl="3" indent="0" algn="r">
+              <a:lnSpc>
+                <a:spcPct val="100000"/>
+              </a:lnSpc>
+              <a:spcBef>
+                <a:spcPts val="0"/>
+              </a:spcBef>
+              <a:spcAft>
+                <a:spcPts val="0"/>
+              </a:spcAft>
+              <a:buClr>
+                <a:srgbClr val="000000"/>
+              </a:buClr>
+              <a:buSzPts val="1200"/>
+              <a:buFont typeface="Arial"/>
+              <a:buNone/>
+              <a:defRPr sz="1200" b="0" i="0" u="none" strike="noStrike" cap="none">
+                <a:solidFill>
+                  <a:srgbClr val="888888"/>
+                </a:solidFill>
+                <a:latin typeface="Calibri"/>
+                <a:ea typeface="Calibri"/>
+                <a:cs typeface="Calibri"/>
+                <a:sym typeface="Calibri"/>
+              </a:defRPr>
+            </a:lvl4pPr>
+            <a:lvl5pPr marL="0" marR="0" lvl="4" indent="0" algn="r">
+              <a:lnSpc>
+                <a:spcPct val="100000"/>
+              </a:lnSpc>
+              <a:spcBef>
+                <a:spcPts val="0"/>
+              </a:spcBef>
+              <a:spcAft>
+                <a:spcPts val="0"/>
+              </a:spcAft>
+              <a:buClr>
+                <a:srgbClr val="000000"/>
+              </a:buClr>
+              <a:buSzPts val="1200"/>
+              <a:buFont typeface="Arial"/>
+              <a:buNone/>
+              <a:defRPr sz="1200" b="0" i="0" u="none" strike="noStrike" cap="none">
+                <a:solidFill>
+                  <a:srgbClr val="888888"/>
+                </a:solidFill>
+                <a:latin typeface="Calibri"/>
+                <a:ea typeface="Calibri"/>
+                <a:cs typeface="Calibri"/>
+                <a:sym typeface="Calibri"/>
+              </a:defRPr>
+            </a:lvl5pPr>
+            <a:lvl6pPr marL="0" marR="0" lvl="5" indent="0" algn="r">
+              <a:lnSpc>
+                <a:spcPct val="100000"/>
+              </a:lnSpc>
+              <a:spcBef>
+                <a:spcPts val="0"/>
+              </a:spcBef>
+              <a:spcAft>
+                <a:spcPts val="0"/>
+              </a:spcAft>
+              <a:buClr>
+                <a:srgbClr val="000000"/>
+              </a:buClr>
+              <a:buSzPts val="1200"/>
+              <a:buFont typeface="Arial"/>
+              <a:buNone/>
+              <a:defRPr sz="1200" b="0" i="0" u="none" strike="noStrike" cap="none">
+                <a:solidFill>
+                  <a:srgbClr val="888888"/>
+                </a:solidFill>
+                <a:latin typeface="Calibri"/>
+                <a:ea typeface="Calibri"/>
+                <a:cs typeface="Calibri"/>
+                <a:sym typeface="Calibri"/>
+              </a:defRPr>
+            </a:lvl6pPr>
+            <a:lvl7pPr marL="0" marR="0" lvl="6" indent="0" algn="r">
+              <a:lnSpc>
+                <a:spcPct val="100000"/>
+              </a:lnSpc>
+              <a:spcBef>
+                <a:spcPts val="0"/>
+              </a:spcBef>
+              <a:spcAft>
+                <a:spcPts val="0"/>
+              </a:spcAft>
+              <a:buClr>
+                <a:srgbClr val="000000"/>
+              </a:buClr>
+              <a:buSzPts val="1200"/>
+              <a:buFont typeface="Arial"/>
+              <a:buNone/>
+              <a:defRPr sz="1200" b="0" i="0" u="none" strike="noStrike" cap="none">
+                <a:solidFill>
+                  <a:srgbClr val="888888"/>
+                </a:solidFill>
+                <a:latin typeface="Calibri"/>
+                <a:ea typeface="Calibri"/>
+                <a:cs typeface="Calibri"/>
+                <a:sym typeface="Calibri"/>
+              </a:defRPr>
+            </a:lvl7pPr>
+            <a:lvl8pPr marL="0" marR="0" lvl="7" indent="0" algn="r">
+              <a:lnSpc>
+                <a:spcPct val="100000"/>
+              </a:lnSpc>
+              <a:spcBef>
+                <a:spcPts val="0"/>
+              </a:spcBef>
+              <a:spcAft>
+                <a:spcPts val="0"/>
+              </a:spcAft>
+              <a:buClr>
+                <a:srgbClr val="000000"/>
+              </a:buClr>
+              <a:buSzPts val="1200"/>
+              <a:buFont typeface="Arial"/>
+              <a:buNone/>
+              <a:defRPr sz="1200" b="0" i="0" u="none" strike="noStrike" cap="none">
+                <a:solidFill>
+                  <a:srgbClr val="888888"/>
+                </a:solidFill>
+                <a:latin typeface="Calibri"/>
+                <a:ea typeface="Calibri"/>
+                <a:cs typeface="Calibri"/>
+                <a:sym typeface="Calibri"/>
+              </a:defRPr>
+            </a:lvl8pPr>
+            <a:lvl9pPr marL="0" marR="0" lvl="8" indent="0" algn="r">
+              <a:lnSpc>
+                <a:spcPct val="100000"/>
+              </a:lnSpc>
+              <a:spcBef>
+                <a:spcPts val="0"/>
+              </a:spcBef>
+              <a:spcAft>
+                <a:spcPts val="0"/>
+              </a:spcAft>
+              <a:buClr>
+                <a:srgbClr val="000000"/>
+              </a:buClr>
+              <a:buSzPts val="1200"/>
+              <a:buFont typeface="Arial"/>
+              <a:buNone/>
+              <a:defRPr sz="1200" b="0" i="0" u="none" strike="noStrike" cap="none">
+                <a:solidFill>
+                  <a:srgbClr val="888888"/>
+                </a:solidFill>
+                <a:latin typeface="Calibri"/>
+                <a:ea typeface="Calibri"/>
+                <a:cs typeface="Calibri"/>
+                <a:sym typeface="Calibri"/>
+              </a:defRPr>
+            </a:lvl9pPr>
+          </a:lstStyle>
+          <a:p>
+            <a:pPr marL="0" lvl="0" indent="0" algn="r" rtl="0">
+              <a:spcBef>
+                <a:spcPts val="0"/>
+              </a:spcBef>
+              <a:spcAft>
+                <a:spcPts val="0"/>
+              </a:spcAft>
+              <a:buNone/>
+            </a:pPr>
+            <a:fld id="{00000000-1234-1234-1234-123412341234}" type="slidenum">
+              <a:rPr lang="en-US"/>
+              <a:t>‹#›</a:t>
+            </a:fld>
+            <a:endParaRPr/>
+          </a:p>
+        </p:txBody>
+      </p:sp>
+    </p:spTree>
+  </p:cSld>
+  <p:clrMapOvr>
+    <a:masterClrMapping/>
+  </p:clrMapOvr>
+</p:sldLayout>
+</file>
+
+<file path=ppt/slideLayouts/slideLayout9.xml><?xml version="1.0" encoding="utf-8"?>
+<p:sldLayout xmlns:a="http://schemas.openxmlformats.org/drawingml/2006/main" xmlns:r="http://schemas.openxmlformats.org/officeDocument/2006/relationships" xmlns:p="http://schemas.openxmlformats.org/presentationml/2006/main" matchingName="Title and Vertical Text" type="vertTx">
+  <p:cSld name="VERTICAL_TEXT">
+    <p:spTree>
+      <p:nvGrpSpPr>
+        <p:cNvPr id="1" name="Shape 72"/>
+        <p:cNvGrpSpPr/>
+        <p:nvPr/>
+      </p:nvGrpSpPr>
+      <p:grpSpPr>
+        <a:xfrm>
+          <a:off x="0" y="0"/>
+          <a:ext cx="0" cy="0"/>
+          <a:chOff x="0" y="0"/>
+          <a:chExt cx="0" cy="0"/>
+        </a:xfrm>
+      </p:grpSpPr>
+      <p:sp>
+        <p:nvSpPr>
+          <p:cNvPr id="73" name="Google Shape;73;p15"/>
+          <p:cNvSpPr txBox="1">
+            <a:spLocks noGrp="1"/>
+          </p:cNvSpPr>
+          <p:nvPr>
+            <p:ph type="title"/>
+          </p:nvPr>
+        </p:nvSpPr>
+        <p:spPr>
+          <a:xfrm>
+            <a:off x="838200" y="365125"/>
+            <a:ext cx="10515600" cy="1325563"/>
+          </a:xfrm>
+          <a:prstGeom prst="rect">
+            <a:avLst/>
+          </a:prstGeom>
+          <a:noFill/>
+          <a:ln>
+            <a:noFill/>
+          </a:ln>
+        </p:spPr>
+        <p:txBody>
+          <a:bodyPr spcFirstLastPara="1" wrap="square" lIns="91425" tIns="45700" rIns="91425" bIns="45700" anchor="ctr" anchorCtr="0">
+            <a:normAutofit/>
+          </a:bodyPr>
+          <a:lstStyle>
+            <a:lvl1pPr lvl="0" algn="l">
+              <a:lnSpc>
+                <a:spcPct val="90000"/>
+              </a:lnSpc>
+              <a:spcBef>
+                <a:spcPts val="0"/>
+              </a:spcBef>
+              <a:spcAft>
+                <a:spcPts val="0"/>
+              </a:spcAft>
+              <a:buClr>
+                <a:schemeClr val="dk1"/>
+              </a:buClr>
+              <a:buSzPts val="1800"/>
+              <a:buNone/>
+              <a:defRPr/>
+            </a:lvl1pPr>
+            <a:lvl2pPr lvl="1" algn="l">
+              <a:lnSpc>
+                <a:spcPct val="100000"/>
+              </a:lnSpc>
+              <a:spcBef>
+                <a:spcPts val="0"/>
+              </a:spcBef>
+              <a:spcAft>
+                <a:spcPts val="0"/>
+              </a:spcAft>
+              <a:buSzPts val="1400"/>
+              <a:buNone/>
+              <a:defRPr/>
+            </a:lvl2pPr>
+            <a:lvl3pPr lvl="2" algn="l">
+              <a:lnSpc>
+                <a:spcPct val="100000"/>
+              </a:lnSpc>
+              <a:spcBef>
+                <a:spcPts val="0"/>
+              </a:spcBef>
+              <a:spcAft>
+                <a:spcPts val="0"/>
+              </a:spcAft>
+              <a:buSzPts val="1400"/>
+              <a:buNone/>
+              <a:defRPr/>
+            </a:lvl3pPr>
+            <a:lvl4pPr lvl="3" algn="l">
+              <a:lnSpc>
+                <a:spcPct val="100000"/>
+              </a:lnSpc>
+              <a:spcBef>
+                <a:spcPts val="0"/>
+              </a:spcBef>
+              <a:spcAft>
+                <a:spcPts val="0"/>
+              </a:spcAft>
+              <a:buSzPts val="1400"/>
+              <a:buNone/>
+              <a:defRPr/>
+            </a:lvl4pPr>
+            <a:lvl5pPr lvl="4" algn="l">
+              <a:lnSpc>
+                <a:spcPct val="100000"/>
+              </a:lnSpc>
+              <a:spcBef>
+                <a:spcPts val="0"/>
+              </a:spcBef>
+              <a:spcAft>
+                <a:spcPts val="0"/>
+              </a:spcAft>
+              <a:buSzPts val="1400"/>
+              <a:buNone/>
+              <a:defRPr/>
+            </a:lvl5pPr>
+            <a:lvl6pPr lvl="5" algn="l">
+              <a:lnSpc>
+                <a:spcPct val="100000"/>
+              </a:lnSpc>
+              <a:spcBef>
+                <a:spcPts val="0"/>
+              </a:spcBef>
+              <a:spcAft>
+                <a:spcPts val="0"/>
+              </a:spcAft>
+              <a:buSzPts val="1400"/>
+              <a:buNone/>
+              <a:defRPr/>
+            </a:lvl6pPr>
+            <a:lvl7pPr lvl="6" algn="l">
+              <a:lnSpc>
+                <a:spcPct val="100000"/>
+              </a:lnSpc>
+              <a:spcBef>
+                <a:spcPts val="0"/>
+              </a:spcBef>
+              <a:spcAft>
+                <a:spcPts val="0"/>
+              </a:spcAft>
+              <a:buSzPts val="1400"/>
+              <a:buNone/>
+              <a:defRPr/>
+            </a:lvl7pPr>
+            <a:lvl8pPr lvl="7" algn="l">
+              <a:lnSpc>
+                <a:spcPct val="100000"/>
+              </a:lnSpc>
+              <a:spcBef>
+                <a:spcPts val="0"/>
+              </a:spcBef>
+              <a:spcAft>
+                <a:spcPts val="0"/>
+              </a:spcAft>
+              <a:buSzPts val="1400"/>
+              <a:buNone/>
+              <a:defRPr/>
+            </a:lvl8pPr>
+            <a:lvl9pPr lvl="8" algn="l">
+              <a:lnSpc>
+                <a:spcPct val="100000"/>
+              </a:lnSpc>
+              <a:spcBef>
+                <a:spcPts val="0"/>
+              </a:spcBef>
+              <a:spcAft>
+                <a:spcPts val="0"/>
+              </a:spcAft>
+              <a:buSzPts val="1400"/>
+              <a:buNone/>
+              <a:defRPr/>
+            </a:lvl9pPr>
+          </a:lstStyle>
+          <a:p>
+            <a:endParaRPr/>
+          </a:p>
+        </p:txBody>
+      </p:sp>
+      <p:sp>
+        <p:nvSpPr>
+          <p:cNvPr id="74" name="Google Shape;74;p15"/>
+          <p:cNvSpPr txBox="1">
+            <a:spLocks noGrp="1"/>
+          </p:cNvSpPr>
+          <p:nvPr>
+            <p:ph type="body" idx="1"/>
+          </p:nvPr>
+        </p:nvSpPr>
+        <p:spPr>
+          <a:xfrm rot="5400000">
+            <a:off x="3920331" y="-1256506"/>
+            <a:ext cx="4351338" cy="10515600"/>
+          </a:xfrm>
+          <a:prstGeom prst="rect">
+            <a:avLst/>
+          </a:prstGeom>
+          <a:noFill/>
+          <a:ln>
+            <a:noFill/>
+          </a:ln>
+        </p:spPr>
+        <p:txBody>
+          <a:bodyPr spcFirstLastPara="1" wrap="square" lIns="91425" tIns="45700" rIns="91425" bIns="45700" anchor="t" anchorCtr="0">
+            <a:normAutofit/>
+          </a:bodyPr>
+          <a:lstStyle>
+            <a:lvl1pPr marL="457200" lvl="0" indent="-342900" algn="l">
+              <a:lnSpc>
+                <a:spcPct val="90000"/>
+              </a:lnSpc>
+              <a:spcBef>
+                <a:spcPts val="1000"/>
+              </a:spcBef>
+              <a:spcAft>
+                <a:spcPts val="0"/>
+              </a:spcAft>
+              <a:buClr>
+                <a:schemeClr val="dk1"/>
+              </a:buClr>
+              <a:buSzPts val="1800"/>
+              <a:buChar char="•"/>
+              <a:defRPr/>
+            </a:lvl1pPr>
+            <a:lvl2pPr marL="914400" lvl="1" indent="-342900" algn="l">
+              <a:lnSpc>
+                <a:spcPct val="90000"/>
+              </a:lnSpc>
+              <a:spcBef>
+                <a:spcPts val="500"/>
+              </a:spcBef>
+              <a:spcAft>
+                <a:spcPts val="0"/>
+              </a:spcAft>
+              <a:buClr>
+                <a:schemeClr val="dk1"/>
+              </a:buClr>
+              <a:buSzPts val="1800"/>
+              <a:buChar char="•"/>
+              <a:defRPr/>
+            </a:lvl2pPr>
+            <a:lvl3pPr marL="1371600" lvl="2" indent="-342900" algn="l">
+              <a:lnSpc>
+                <a:spcPct val="90000"/>
+              </a:lnSpc>
+              <a:spcBef>
+                <a:spcPts val="500"/>
+              </a:spcBef>
+              <a:spcAft>
+                <a:spcPts val="0"/>
+              </a:spcAft>
+              <a:buClr>
+                <a:schemeClr val="dk1"/>
+              </a:buClr>
+              <a:buSzPts val="1800"/>
+              <a:buChar char="•"/>
+              <a:defRPr/>
+            </a:lvl3pPr>
+            <a:lvl4pPr marL="1828800" lvl="3" indent="-342900" algn="l">
+              <a:lnSpc>
+                <a:spcPct val="90000"/>
+              </a:lnSpc>
+              <a:spcBef>
+                <a:spcPts val="500"/>
+              </a:spcBef>
+              <a:spcAft>
+                <a:spcPts val="0"/>
+              </a:spcAft>
+              <a:buClr>
+                <a:schemeClr val="dk1"/>
+              </a:buClr>
+              <a:buSzPts val="1800"/>
+              <a:buChar char="•"/>
+              <a:defRPr/>
+            </a:lvl4pPr>
+            <a:lvl5pPr marL="2286000" lvl="4" indent="-342900" algn="l">
+              <a:lnSpc>
+                <a:spcPct val="90000"/>
+              </a:lnSpc>
+              <a:spcBef>
+                <a:spcPts val="500"/>
+              </a:spcBef>
+              <a:spcAft>
+                <a:spcPts val="0"/>
+              </a:spcAft>
+              <a:buClr>
+                <a:schemeClr val="dk1"/>
+              </a:buClr>
+              <a:buSzPts val="1800"/>
+              <a:buChar char="•"/>
+              <a:defRPr/>
+            </a:lvl5pPr>
+            <a:lvl6pPr marL="2743200" lvl="5" indent="-342900" algn="l">
+              <a:lnSpc>
+                <a:spcPct val="90000"/>
+              </a:lnSpc>
+              <a:spcBef>
+                <a:spcPts val="500"/>
+              </a:spcBef>
+              <a:spcAft>
+                <a:spcPts val="0"/>
+              </a:spcAft>
+              <a:buClr>
+                <a:schemeClr val="dk1"/>
+              </a:buClr>
+              <a:buSzPts val="1800"/>
+              <a:buChar char="•"/>
+              <a:defRPr/>
+            </a:lvl6pPr>
+            <a:lvl7pPr marL="3200400" lvl="6" indent="-342900" algn="l">
+              <a:lnSpc>
+                <a:spcPct val="90000"/>
+              </a:lnSpc>
+              <a:spcBef>
+                <a:spcPts val="500"/>
+              </a:spcBef>
+              <a:spcAft>
+                <a:spcPts val="0"/>
+              </a:spcAft>
+              <a:buClr>
+                <a:schemeClr val="dk1"/>
+              </a:buClr>
+              <a:buSzPts val="1800"/>
+              <a:buChar char="•"/>
+              <a:defRPr/>
+            </a:lvl7pPr>
+            <a:lvl8pPr marL="3657600" lvl="7" indent="-342900" algn="l">
+              <a:lnSpc>
+                <a:spcPct val="90000"/>
+              </a:lnSpc>
+              <a:spcBef>
+                <a:spcPts val="500"/>
+              </a:spcBef>
+              <a:spcAft>
+                <a:spcPts val="0"/>
+              </a:spcAft>
+              <a:buClr>
+                <a:schemeClr val="dk1"/>
+              </a:buClr>
+              <a:buSzPts val="1800"/>
+              <a:buChar char="•"/>
+              <a:defRPr/>
+            </a:lvl8pPr>
+            <a:lvl9pPr marL="4114800" lvl="8" indent="-342900" algn="l">
+              <a:lnSpc>
+                <a:spcPct val="90000"/>
+              </a:lnSpc>
+              <a:spcBef>
+                <a:spcPts val="500"/>
+              </a:spcBef>
+              <a:spcAft>
+                <a:spcPts val="0"/>
+              </a:spcAft>
+              <a:buClr>
+                <a:schemeClr val="dk1"/>
+              </a:buClr>
+              <a:buSzPts val="1800"/>
+              <a:buChar char="•"/>
+              <a:defRPr/>
+            </a:lvl9pPr>
+          </a:lstStyle>
+          <a:p>
+            <a:endParaRPr/>
+          </a:p>
+        </p:txBody>
+      </p:sp>
+      <p:sp>
+        <p:nvSpPr>
+          <p:cNvPr id="75" name="Google Shape;75;p15"/>
+          <p:cNvSpPr txBox="1">
+            <a:spLocks noGrp="1"/>
+          </p:cNvSpPr>
+          <p:nvPr>
+            <p:ph type="dt" idx="10"/>
+          </p:nvPr>
+        </p:nvSpPr>
+        <p:spPr>
+          <a:xfrm>
+            <a:off x="838200" y="6356350"/>
+            <a:ext cx="2743200" cy="365125"/>
+          </a:xfrm>
+          <a:prstGeom prst="rect">
+            <a:avLst/>
+          </a:prstGeom>
+          <a:noFill/>
+          <a:ln>
+            <a:noFill/>
+          </a:ln>
+        </p:spPr>
+        <p:txBody>
+          <a:bodyPr spcFirstLastPara="1" wrap="square" lIns="91425" tIns="45700" rIns="91425" bIns="45700" anchor="ctr" anchorCtr="0">
+            <a:noAutofit/>
+          </a:bodyPr>
+          <a:lstStyle>
+            <a:lvl1pPr lvl="0" algn="l">
+              <a:lnSpc>
+                <a:spcPct val="100000"/>
+              </a:lnSpc>
+              <a:spcBef>
+                <a:spcPts val="0"/>
+              </a:spcBef>
+              <a:spcAft>
+                <a:spcPts val="0"/>
+              </a:spcAft>
+              <a:buSzPts val="1400"/>
+              <a:buNone/>
+              <a:defRPr/>
+            </a:lvl1pPr>
+            <a:lvl2pPr lvl="1" algn="l">
+              <a:lnSpc>
+                <a:spcPct val="100000"/>
+              </a:lnSpc>
+              <a:spcBef>
+                <a:spcPts val="0"/>
+              </a:spcBef>
+              <a:spcAft>
+                <a:spcPts val="0"/>
+              </a:spcAft>
+              <a:buSzPts val="1400"/>
+              <a:buNone/>
+              <a:defRPr/>
+            </a:lvl2pPr>
+            <a:lvl3pPr lvl="2" algn="l">
+              <a:lnSpc>
+                <a:spcPct val="100000"/>
+              </a:lnSpc>
+              <a:spcBef>
+                <a:spcPts val="0"/>
+              </a:spcBef>
+              <a:spcAft>
+                <a:spcPts val="0"/>
+              </a:spcAft>
+              <a:buSzPts val="1400"/>
+              <a:buNone/>
+              <a:defRPr/>
+            </a:lvl3pPr>
+            <a:lvl4pPr lvl="3" algn="l">
+              <a:lnSpc>
+                <a:spcPct val="100000"/>
+              </a:lnSpc>
+              <a:spcBef>
+                <a:spcPts val="0"/>
+              </a:spcBef>
+              <a:spcAft>
+                <a:spcPts val="0"/>
+              </a:spcAft>
+              <a:buSzPts val="1400"/>
+              <a:buNone/>
+              <a:defRPr/>
+            </a:lvl4pPr>
+            <a:lvl5pPr lvl="4" algn="l">
+              <a:lnSpc>
+                <a:spcPct val="100000"/>
+              </a:lnSpc>
+              <a:spcBef>
+                <a:spcPts val="0"/>
+              </a:spcBef>
+              <a:spcAft>
+                <a:spcPts val="0"/>
+              </a:spcAft>
+              <a:buSzPts val="1400"/>
+              <a:buNone/>
+              <a:defRPr/>
+            </a:lvl5pPr>
+            <a:lvl6pPr lvl="5" algn="l">
+              <a:lnSpc>
+                <a:spcPct val="100000"/>
+              </a:lnSpc>
+              <a:spcBef>
+                <a:spcPts val="0"/>
+              </a:spcBef>
+              <a:spcAft>
+                <a:spcPts val="0"/>
+              </a:spcAft>
+              <a:buSzPts val="1400"/>
+              <a:buNone/>
+              <a:defRPr/>
+            </a:lvl6pPr>
+            <a:lvl7pPr lvl="6" algn="l">
+              <a:lnSpc>
+                <a:spcPct val="100000"/>
+              </a:lnSpc>
+              <a:spcBef>
+                <a:spcPts val="0"/>
+              </a:spcBef>
+              <a:spcAft>
+                <a:spcPts val="0"/>
+              </a:spcAft>
+              <a:buSzPts val="1400"/>
+              <a:buNone/>
+              <a:defRPr/>
+            </a:lvl7pPr>
+            <a:lvl8pPr lvl="7" algn="l">
+              <a:lnSpc>
+                <a:spcPct val="100000"/>
+              </a:lnSpc>
+              <a:spcBef>
+                <a:spcPts val="0"/>
+              </a:spcBef>
+              <a:spcAft>
+                <a:spcPts val="0"/>
+              </a:spcAft>
+              <a:buSzPts val="1400"/>
+              <a:buNone/>
+              <a:defRPr/>
+            </a:lvl8pPr>
+            <a:lvl9pPr lvl="8" algn="l">
+              <a:lnSpc>
+                <a:spcPct val="100000"/>
+              </a:lnSpc>
+              <a:spcBef>
+                <a:spcPts val="0"/>
+              </a:spcBef>
+              <a:spcAft>
+                <a:spcPts val="0"/>
+              </a:spcAft>
+              <a:buSzPts val="1400"/>
+              <a:buNone/>
+              <a:defRPr/>
+            </a:lvl9pPr>
+          </a:lstStyle>
+          <a:p>
+            <a:endParaRPr/>
+          </a:p>
+        </p:txBody>
+      </p:sp>
+      <p:sp>
+        <p:nvSpPr>
+          <p:cNvPr id="76" name="Google Shape;76;p15"/>
+          <p:cNvSpPr txBox="1">
+            <a:spLocks noGrp="1"/>
+          </p:cNvSpPr>
+          <p:nvPr>
+            <p:ph type="ftr" idx="11"/>
+          </p:nvPr>
+        </p:nvSpPr>
+        <p:spPr>
+          <a:xfrm>
+            <a:off x="4038600" y="6356350"/>
+            <a:ext cx="4114800" cy="365125"/>
+          </a:xfrm>
+          <a:prstGeom prst="rect">
+            <a:avLst/>
+          </a:prstGeom>
+          <a:noFill/>
+          <a:ln>
+            <a:noFill/>
+          </a:ln>
+        </p:spPr>
+        <p:txBody>
+          <a:bodyPr spcFirstLastPara="1" wrap="square" lIns="91425" tIns="45700" rIns="91425" bIns="45700" anchor="ctr" anchorCtr="0">
+            <a:noAutofit/>
+          </a:bodyPr>
+          <a:lstStyle>
+            <a:lvl1pPr lvl="0" algn="ctr">
+              <a:lnSpc>
+                <a:spcPct val="100000"/>
+              </a:lnSpc>
+              <a:spcBef>
+                <a:spcPts val="0"/>
+              </a:spcBef>
+              <a:spcAft>
+                <a:spcPts val="0"/>
+              </a:spcAft>
+              <a:buSzPts val="1400"/>
+              <a:buNone/>
+              <a:defRPr/>
+            </a:lvl1pPr>
+            <a:lvl2pPr lvl="1" algn="l">
+              <a:lnSpc>
+                <a:spcPct val="100000"/>
+              </a:lnSpc>
+              <a:spcBef>
+                <a:spcPts val="0"/>
+              </a:spcBef>
+              <a:spcAft>
+                <a:spcPts val="0"/>
+              </a:spcAft>
+              <a:buSzPts val="1400"/>
+              <a:buNone/>
+              <a:defRPr/>
+            </a:lvl2pPr>
+            <a:lvl3pPr lvl="2" algn="l">
+              <a:lnSpc>
+                <a:spcPct val="100000"/>
+              </a:lnSpc>
+              <a:spcBef>
+                <a:spcPts val="0"/>
+              </a:spcBef>
+              <a:spcAft>
+                <a:spcPts val="0"/>
+              </a:spcAft>
+              <a:buSzPts val="1400"/>
+              <a:buNone/>
+              <a:defRPr/>
+            </a:lvl3pPr>
+            <a:lvl4pPr lvl="3" algn="l">
+              <a:lnSpc>
+                <a:spcPct val="100000"/>
+              </a:lnSpc>
+              <a:spcBef>
+                <a:spcPts val="0"/>
+              </a:spcBef>
+              <a:spcAft>
+                <a:spcPts val="0"/>
+              </a:spcAft>
+              <a:buSzPts val="1400"/>
+              <a:buNone/>
+              <a:defRPr/>
+            </a:lvl4pPr>
+            <a:lvl5pPr lvl="4" algn="l">
+              <a:lnSpc>
+                <a:spcPct val="100000"/>
+              </a:lnSpc>
+              <a:spcBef>
+                <a:spcPts val="0"/>
+              </a:spcBef>
+              <a:spcAft>
+                <a:spcPts val="0"/>
+              </a:spcAft>
+              <a:buSzPts val="1400"/>
+              <a:buNone/>
+              <a:defRPr/>
+            </a:lvl5pPr>
+            <a:lvl6pPr lvl="5" algn="l">
+              <a:lnSpc>
+                <a:spcPct val="100000"/>
+              </a:lnSpc>
+              <a:spcBef>
+                <a:spcPts val="0"/>
+              </a:spcBef>
+              <a:spcAft>
+                <a:spcPts val="0"/>
+              </a:spcAft>
+              <a:buSzPts val="1400"/>
+              <a:buNone/>
+              <a:defRPr/>
+            </a:lvl6pPr>
+            <a:lvl7pPr lvl="6" algn="l">
+              <a:lnSpc>
+                <a:spcPct val="100000"/>
+              </a:lnSpc>
+              <a:spcBef>
+                <a:spcPts val="0"/>
+              </a:spcBef>
+              <a:spcAft>
+                <a:spcPts val="0"/>
+              </a:spcAft>
+              <a:buSzPts val="1400"/>
+              <a:buNone/>
+              <a:defRPr/>
+            </a:lvl7pPr>
+            <a:lvl8pPr lvl="7" algn="l">
+              <a:lnSpc>
+                <a:spcPct val="100000"/>
+              </a:lnSpc>
+              <a:spcBef>
+                <a:spcPts val="0"/>
+              </a:spcBef>
+              <a:spcAft>
+                <a:spcPts val="0"/>
+              </a:spcAft>
+              <a:buSzPts val="1400"/>
+              <a:buNone/>
+              <a:defRPr/>
+            </a:lvl8pPr>
+            <a:lvl9pPr lvl="8" algn="l">
+              <a:lnSpc>
+                <a:spcPct val="100000"/>
+              </a:lnSpc>
+              <a:spcBef>
+                <a:spcPts val="0"/>
+              </a:spcBef>
+              <a:spcAft>
+                <a:spcPts val="0"/>
+              </a:spcAft>
+              <a:buSzPts val="1400"/>
+              <a:buNone/>
+              <a:defRPr/>
+            </a:lvl9pPr>
+          </a:lstStyle>
+          <a:p>
+            <a:endParaRPr/>
+          </a:p>
+        </p:txBody>
+      </p:sp>
+      <p:sp>
+        <p:nvSpPr>
+          <p:cNvPr id="77" name="Google Shape;77;p15"/>
           <p:cNvSpPr txBox="1">
             <a:spLocks noGrp="1"/>
           </p:cNvSpPr>
@@ -14286,16 +13498,15 @@
   <p:clrMap bg1="lt1" tx1="dk1" bg2="dk2" tx2="lt2" accent1="accent1" accent2="accent2" accent3="accent3" accent4="accent4" accent5="accent5" accent6="accent6" hlink="hlink" folHlink="folHlink"/>
   <p:sldLayoutIdLst>
     <p:sldLayoutId id="2147483649" r:id="rId1"/>
-    <p:sldLayoutId id="2147483650" r:id="rId2"/>
-    <p:sldLayoutId id="2147483651" r:id="rId3"/>
-    <p:sldLayoutId id="2147483652" r:id="rId4"/>
-    <p:sldLayoutId id="2147483653" r:id="rId5"/>
-    <p:sldLayoutId id="2147483654" r:id="rId6"/>
-    <p:sldLayoutId id="2147483655" r:id="rId7"/>
-    <p:sldLayoutId id="2147483656" r:id="rId8"/>
-    <p:sldLayoutId id="2147483657" r:id="rId9"/>
-    <p:sldLayoutId id="2147483658" r:id="rId10"/>
-    <p:sldLayoutId id="2147483659" r:id="rId11"/>
+    <p:sldLayoutId id="2147483651" r:id="rId2"/>
+    <p:sldLayoutId id="2147483652" r:id="rId3"/>
+    <p:sldLayoutId id="2147483653" r:id="rId4"/>
+    <p:sldLayoutId id="2147483654" r:id="rId5"/>
+    <p:sldLayoutId id="2147483655" r:id="rId6"/>
+    <p:sldLayoutId id="2147483656" r:id="rId7"/>
+    <p:sldLayoutId id="2147483657" r:id="rId8"/>
+    <p:sldLayoutId id="2147483658" r:id="rId9"/>
+    <p:sldLayoutId id="2147483659" r:id="rId10"/>
   </p:sldLayoutIdLst>
   <p:hf sldNum="0" hdr="0" ftr="0" dt="0"/>
   <p:txStyles>
@@ -14995,7 +14206,7 @@
   <p:cSld>
     <p:spTree>
       <p:nvGrpSpPr>
-        <p:cNvPr id="1" name=""/>
+        <p:cNvPr id="1" name="Shape 190"/>
         <p:cNvGrpSpPr/>
         <p:nvPr/>
       </p:nvGrpSpPr>
@@ -15007,12 +14218,102 @@
           <a:chExt cx="0" cy="0"/>
         </a:xfrm>
       </p:grpSpPr>
+      <p:sp>
+        <p:nvSpPr>
+          <p:cNvPr id="35" name="TextBox 34">
+            <a:extLst>
+              <a:ext uri="{FF2B5EF4-FFF2-40B4-BE49-F238E27FC236}">
+                <a16:creationId xmlns:a16="http://schemas.microsoft.com/office/drawing/2014/main" id="{B1F2FF4D-BD03-47FD-9F00-694FF5171862}"/>
+              </a:ext>
+            </a:extLst>
+          </p:cNvPr>
+          <p:cNvSpPr txBox="1"/>
+          <p:nvPr/>
+        </p:nvSpPr>
+        <p:spPr>
+          <a:xfrm>
+            <a:off x="87137" y="6305401"/>
+            <a:ext cx="11838342" cy="336118"/>
+          </a:xfrm>
+          <a:prstGeom prst="rect">
+            <a:avLst/>
+          </a:prstGeom>
+          <a:noFill/>
+        </p:spPr>
+        <p:txBody>
+          <a:bodyPr wrap="square">
+            <a:spAutoFit/>
+          </a:bodyPr>
+          <a:lstStyle/>
+          <a:p>
+            <a:pPr marL="0" marR="0">
+              <a:lnSpc>
+                <a:spcPct val="150000"/>
+              </a:lnSpc>
+              <a:spcBef>
+                <a:spcPts val="0"/>
+              </a:spcBef>
+              <a:spcAft>
+                <a:spcPts val="800"/>
+              </a:spcAft>
+            </a:pPr>
+            <a:r>
+              <a:rPr lang="en-US" sz="1200" b="1" dirty="0">
+                <a:effectLst/>
+                <a:latin typeface="Times New Roman" panose="02020603050405020304" pitchFamily="18" charset="0"/>
+                <a:ea typeface="Times New Roman" panose="02020603050405020304" pitchFamily="18" charset="0"/>
+              </a:rPr>
+              <a:t>Supplementary Figure 8</a:t>
+            </a:r>
+            <a:r>
+              <a:rPr lang="en-US" sz="1200" dirty="0">
+                <a:effectLst/>
+                <a:latin typeface="Times New Roman" panose="02020603050405020304" pitchFamily="18" charset="0"/>
+                <a:ea typeface="Times New Roman" panose="02020603050405020304" pitchFamily="18" charset="0"/>
+              </a:rPr>
+              <a:t>.</a:t>
+            </a:r>
+            <a:r>
+              <a:rPr lang="en-US" sz="1200" b="1" dirty="0">
+                <a:effectLst/>
+                <a:latin typeface="Times New Roman" panose="02020603050405020304" pitchFamily="18" charset="0"/>
+                <a:ea typeface="Times New Roman" panose="02020603050405020304" pitchFamily="18" charset="0"/>
+              </a:rPr>
+              <a:t> (A) </a:t>
+            </a:r>
+            <a:r>
+              <a:rPr lang="en-US" sz="1200" dirty="0">
+                <a:effectLst/>
+                <a:latin typeface="Times New Roman" panose="02020603050405020304" pitchFamily="18" charset="0"/>
+                <a:ea typeface="Times New Roman" panose="02020603050405020304" pitchFamily="18" charset="0"/>
+              </a:rPr>
+              <a:t>Percentage of sites above and below the signal/noise criteria </a:t>
+            </a:r>
+            <a:r>
+              <a:rPr lang="en-US" sz="1200" b="1" dirty="0">
+                <a:effectLst/>
+                <a:latin typeface="Times New Roman" panose="02020603050405020304" pitchFamily="18" charset="0"/>
+                <a:ea typeface="Times New Roman" panose="02020603050405020304" pitchFamily="18" charset="0"/>
+              </a:rPr>
+              <a:t>(B) </a:t>
+            </a:r>
+            <a:r>
+              <a:rPr lang="en-US" sz="1200" dirty="0">
+                <a:effectLst/>
+                <a:latin typeface="Times New Roman" panose="02020603050405020304" pitchFamily="18" charset="0"/>
+                <a:ea typeface="Times New Roman" panose="02020603050405020304" pitchFamily="18" charset="0"/>
+              </a:rPr>
+              <a:t>Distribution of signal/noise among all libraries. Dotted line represents the 0.9 cutoff.</a:t>
+            </a:r>
+          </a:p>
+        </p:txBody>
+      </p:sp>
       <p:grpSp>
         <p:nvGrpSpPr>
-          <p:cNvPr id="2" name="Group 1">
+          <p:cNvPr id="5" name="Group 4">
             <a:extLst>
               <a:ext uri="{FF2B5EF4-FFF2-40B4-BE49-F238E27FC236}">
-                <a16:creationId xmlns:a16="http://schemas.microsoft.com/office/drawing/2014/main" id="{FFEE82CF-EA79-48CF-93E5-356CFC497BBB}"/>
+                <a16:creationId xmlns:a16="http://schemas.microsoft.com/office/drawing/2014/main" id="{54BE2006-60B6-4694-B706-0D85CBD0BEDE}"/>
               </a:ext>
             </a:extLst>
           </p:cNvPr>
@@ -15021,1140 +14322,106 @@
         </p:nvGrpSpPr>
         <p:grpSpPr>
           <a:xfrm>
-            <a:off x="990254" y="499591"/>
-            <a:ext cx="4655354" cy="2855784"/>
-            <a:chOff x="5635819" y="724481"/>
-            <a:chExt cx="4655354" cy="2855784"/>
+            <a:off x="457191" y="150409"/>
+            <a:ext cx="5230613" cy="4348242"/>
+            <a:chOff x="0" y="0"/>
+            <a:chExt cx="5230613" cy="4348242"/>
           </a:xfrm>
         </p:grpSpPr>
-        <p:grpSp>
-          <p:nvGrpSpPr>
-            <p:cNvPr id="3" name="Google Shape;157;p1">
+        <p:cxnSp>
+          <p:nvCxnSpPr>
+            <p:cNvPr id="3" name="Straight Connector 2">
               <a:extLst>
                 <a:ext uri="{FF2B5EF4-FFF2-40B4-BE49-F238E27FC236}">
-                  <a16:creationId xmlns:a16="http://schemas.microsoft.com/office/drawing/2014/main" id="{AEE6AA1B-C825-4FCB-A0B9-1564EC5E1D29}"/>
+                  <a16:creationId xmlns:a16="http://schemas.microsoft.com/office/drawing/2014/main" id="{6D77035C-3082-4097-A278-0881F830A93B}"/>
                 </a:ext>
               </a:extLst>
             </p:cNvPr>
-            <p:cNvGrpSpPr/>
+            <p:cNvCxnSpPr/>
             <p:nvPr/>
-          </p:nvGrpSpPr>
-          <p:grpSpPr>
+          </p:nvCxnSpPr>
+          <p:spPr>
             <a:xfrm>
-              <a:off x="5781851" y="1068558"/>
-              <a:ext cx="4405171" cy="2511707"/>
-              <a:chOff x="592276" y="925766"/>
-              <a:chExt cx="4405171" cy="2511707"/>
+              <a:off x="0" y="0"/>
+              <a:ext cx="914400" cy="0"/>
             </a:xfrm>
-          </p:grpSpPr>
-          <p:grpSp>
-            <p:nvGrpSpPr>
-              <p:cNvPr id="8" name="Google Shape;158;p1">
-                <a:extLst>
-                  <a:ext uri="{FF2B5EF4-FFF2-40B4-BE49-F238E27FC236}">
-                    <a16:creationId xmlns:a16="http://schemas.microsoft.com/office/drawing/2014/main" id="{D617C172-C1CC-4B9C-B15F-92654E466444}"/>
-                  </a:ext>
-                </a:extLst>
-              </p:cNvPr>
-              <p:cNvGrpSpPr/>
-              <p:nvPr/>
-            </p:nvGrpSpPr>
-            <p:grpSpPr>
-              <a:xfrm>
-                <a:off x="592276" y="1070741"/>
-                <a:ext cx="4405171" cy="2236742"/>
-                <a:chOff x="592276" y="1070741"/>
-                <a:chExt cx="4405171" cy="2236742"/>
-              </a:xfrm>
-            </p:grpSpPr>
-            <p:sp>
-              <p:nvSpPr>
-                <p:cNvPr id="23" name="Google Shape;160;p1">
-                  <a:extLst>
-                    <a:ext uri="{FF2B5EF4-FFF2-40B4-BE49-F238E27FC236}">
-                      <a16:creationId xmlns:a16="http://schemas.microsoft.com/office/drawing/2014/main" id="{C689EDAE-F4EA-4A64-8116-256636F77CF6}"/>
-                    </a:ext>
-                  </a:extLst>
-                </p:cNvPr>
-                <p:cNvSpPr/>
-                <p:nvPr/>
-              </p:nvSpPr>
-              <p:spPr>
-                <a:xfrm rot="9000000">
-                  <a:off x="1322039" y="1070741"/>
-                  <a:ext cx="2944321" cy="1905133"/>
-                </a:xfrm>
-                <a:prstGeom prst="ellipse">
-                  <a:avLst/>
-                </a:prstGeom>
-                <a:noFill/>
-                <a:ln w="38100" cap="flat" cmpd="sng">
-                  <a:solidFill>
-                    <a:srgbClr val="92D050"/>
-                  </a:solidFill>
-                  <a:prstDash val="solid"/>
-                  <a:miter lim="800000"/>
-                  <a:headEnd type="none" w="sm" len="sm"/>
-                  <a:tailEnd type="none" w="sm" len="sm"/>
-                </a:ln>
-              </p:spPr>
-              <p:txBody>
-                <a:bodyPr spcFirstLastPara="1" wrap="square" lIns="68550" tIns="34275" rIns="68550" bIns="34275" anchor="ctr" anchorCtr="0">
-                  <a:noAutofit/>
-                </a:bodyPr>
-                <a:lstStyle/>
-                <a:p>
-                  <a:pPr marL="0" marR="0" lvl="0" indent="0" algn="ctr" rtl="0">
-                    <a:lnSpc>
-                      <a:spcPct val="100000"/>
-                    </a:lnSpc>
-                    <a:spcBef>
-                      <a:spcPts val="0"/>
-                    </a:spcBef>
-                    <a:spcAft>
-                      <a:spcPts val="0"/>
-                    </a:spcAft>
-                    <a:buClr>
-                      <a:srgbClr val="000000"/>
-                    </a:buClr>
-                    <a:buSzPts val="1350"/>
-                    <a:buFont typeface="Arial"/>
-                    <a:buNone/>
-                  </a:pPr>
-                  <a:endParaRPr b="0" i="0" u="none" strike="noStrike" cap="none">
-                    <a:solidFill>
-                      <a:srgbClr val="000000"/>
-                    </a:solidFill>
-                    <a:latin typeface="+mj-lt"/>
-                    <a:ea typeface="Calibri"/>
-                    <a:cs typeface="Calibri"/>
-                    <a:sym typeface="Calibri"/>
-                  </a:endParaRPr>
-                </a:p>
-              </p:txBody>
-            </p:sp>
-            <p:sp>
-              <p:nvSpPr>
-                <p:cNvPr id="24" name="Google Shape;161;p1">
-                  <a:extLst>
-                    <a:ext uri="{FF2B5EF4-FFF2-40B4-BE49-F238E27FC236}">
-                      <a16:creationId xmlns:a16="http://schemas.microsoft.com/office/drawing/2014/main" id="{1BCA471F-30B7-4410-8B16-A40D3904A7E3}"/>
-                    </a:ext>
-                  </a:extLst>
-                </p:cNvPr>
-                <p:cNvSpPr/>
-                <p:nvPr/>
-              </p:nvSpPr>
-              <p:spPr>
-                <a:xfrm rot="1800000">
-                  <a:off x="1291834" y="1082684"/>
-                  <a:ext cx="2944321" cy="1905133"/>
-                </a:xfrm>
-                <a:prstGeom prst="ellipse">
-                  <a:avLst/>
-                </a:prstGeom>
-                <a:noFill/>
-                <a:ln w="38100" cap="flat" cmpd="sng">
-                  <a:solidFill>
-                    <a:schemeClr val="accent1"/>
-                  </a:solidFill>
-                  <a:prstDash val="solid"/>
-                  <a:miter lim="800000"/>
-                  <a:headEnd type="none" w="sm" len="sm"/>
-                  <a:tailEnd type="none" w="sm" len="sm"/>
-                </a:ln>
-              </p:spPr>
-              <p:txBody>
-                <a:bodyPr spcFirstLastPara="1" wrap="square" lIns="68550" tIns="34275" rIns="68550" bIns="34275" anchor="ctr" anchorCtr="0">
-                  <a:noAutofit/>
-                </a:bodyPr>
-                <a:lstStyle/>
-                <a:p>
-                  <a:pPr marL="0" marR="0" lvl="0" indent="0" algn="ctr" rtl="0">
-                    <a:lnSpc>
-                      <a:spcPct val="100000"/>
-                    </a:lnSpc>
-                    <a:spcBef>
-                      <a:spcPts val="0"/>
-                    </a:spcBef>
-                    <a:spcAft>
-                      <a:spcPts val="0"/>
-                    </a:spcAft>
-                    <a:buClr>
-                      <a:srgbClr val="000000"/>
-                    </a:buClr>
-                    <a:buSzPts val="1350"/>
-                    <a:buFont typeface="Arial"/>
-                    <a:buNone/>
-                  </a:pPr>
-                  <a:endParaRPr b="0" i="0" u="none" strike="noStrike" cap="none">
-                    <a:solidFill>
-                      <a:srgbClr val="000000"/>
-                    </a:solidFill>
-                    <a:latin typeface="+mj-lt"/>
-                    <a:ea typeface="Calibri"/>
-                    <a:cs typeface="Calibri"/>
-                    <a:sym typeface="Calibri"/>
-                  </a:endParaRPr>
-                </a:p>
-              </p:txBody>
-            </p:sp>
-            <p:sp>
-              <p:nvSpPr>
-                <p:cNvPr id="25" name="Google Shape;162;p1">
-                  <a:extLst>
-                    <a:ext uri="{FF2B5EF4-FFF2-40B4-BE49-F238E27FC236}">
-                      <a16:creationId xmlns:a16="http://schemas.microsoft.com/office/drawing/2014/main" id="{390AE918-105E-4B69-A0D7-BCCDFC65678F}"/>
-                    </a:ext>
-                  </a:extLst>
-                </p:cNvPr>
-                <p:cNvSpPr/>
-                <p:nvPr/>
-              </p:nvSpPr>
-              <p:spPr>
-                <a:xfrm rot="9000000">
-                  <a:off x="2053126" y="1402350"/>
-                  <a:ext cx="2944321" cy="1905133"/>
-                </a:xfrm>
-                <a:prstGeom prst="ellipse">
-                  <a:avLst/>
-                </a:prstGeom>
-                <a:noFill/>
-                <a:ln w="38100" cap="flat" cmpd="sng">
-                  <a:solidFill>
-                    <a:srgbClr val="FFC000"/>
-                  </a:solidFill>
-                  <a:prstDash val="solid"/>
-                  <a:miter lim="800000"/>
-                  <a:headEnd type="none" w="sm" len="sm"/>
-                  <a:tailEnd type="none" w="sm" len="sm"/>
-                </a:ln>
-              </p:spPr>
-              <p:txBody>
-                <a:bodyPr spcFirstLastPara="1" wrap="square" lIns="68550" tIns="34275" rIns="68550" bIns="34275" anchor="ctr" anchorCtr="0">
-                  <a:noAutofit/>
-                </a:bodyPr>
-                <a:lstStyle/>
-                <a:p>
-                  <a:pPr marL="0" marR="0" lvl="0" indent="0" algn="ctr" rtl="0">
-                    <a:lnSpc>
-                      <a:spcPct val="100000"/>
-                    </a:lnSpc>
-                    <a:spcBef>
-                      <a:spcPts val="0"/>
-                    </a:spcBef>
-                    <a:spcAft>
-                      <a:spcPts val="0"/>
-                    </a:spcAft>
-                    <a:buClr>
-                      <a:srgbClr val="000000"/>
-                    </a:buClr>
-                    <a:buSzPts val="1350"/>
-                    <a:buFont typeface="Arial"/>
-                    <a:buNone/>
-                  </a:pPr>
-                  <a:endParaRPr b="0" i="0" u="none" strike="noStrike" cap="none">
-                    <a:solidFill>
-                      <a:srgbClr val="000000"/>
-                    </a:solidFill>
-                    <a:latin typeface="+mj-lt"/>
-                    <a:ea typeface="Calibri"/>
-                    <a:cs typeface="Calibri"/>
-                    <a:sym typeface="Calibri"/>
-                  </a:endParaRPr>
-                </a:p>
-              </p:txBody>
-            </p:sp>
-            <p:sp>
-              <p:nvSpPr>
-                <p:cNvPr id="26" name="Google Shape;159;p1">
-                  <a:extLst>
-                    <a:ext uri="{FF2B5EF4-FFF2-40B4-BE49-F238E27FC236}">
-                      <a16:creationId xmlns:a16="http://schemas.microsoft.com/office/drawing/2014/main" id="{4022B9A0-B42E-4D2D-9134-DA682333F2CD}"/>
-                    </a:ext>
-                  </a:extLst>
-                </p:cNvPr>
-                <p:cNvSpPr/>
-                <p:nvPr/>
-              </p:nvSpPr>
-              <p:spPr>
-                <a:xfrm rot="1800000">
-                  <a:off x="592276" y="1395673"/>
-                  <a:ext cx="2944321" cy="1905133"/>
-                </a:xfrm>
-                <a:prstGeom prst="ellipse">
-                  <a:avLst/>
-                </a:prstGeom>
-                <a:noFill/>
-                <a:ln w="38100" cap="flat" cmpd="sng">
-                  <a:solidFill>
-                    <a:srgbClr val="C00000"/>
-                  </a:solidFill>
-                  <a:prstDash val="solid"/>
-                  <a:miter lim="800000"/>
-                  <a:headEnd type="none" w="sm" len="sm"/>
-                  <a:tailEnd type="none" w="sm" len="sm"/>
-                </a:ln>
-              </p:spPr>
-              <p:txBody>
-                <a:bodyPr spcFirstLastPara="1" wrap="square" lIns="68550" tIns="34275" rIns="68550" bIns="34275" anchor="ctr" anchorCtr="0">
-                  <a:noAutofit/>
-                </a:bodyPr>
-                <a:lstStyle/>
-                <a:p>
-                  <a:pPr marL="0" marR="0" lvl="0" indent="0" algn="ctr" rtl="0">
-                    <a:lnSpc>
-                      <a:spcPct val="100000"/>
-                    </a:lnSpc>
-                    <a:spcBef>
-                      <a:spcPts val="0"/>
-                    </a:spcBef>
-                    <a:spcAft>
-                      <a:spcPts val="0"/>
-                    </a:spcAft>
-                    <a:buClr>
-                      <a:srgbClr val="000000"/>
-                    </a:buClr>
-                    <a:buSzPts val="1350"/>
-                    <a:buFont typeface="Arial"/>
-                    <a:buNone/>
-                  </a:pPr>
-                  <a:endParaRPr b="0" i="0" u="none" strike="noStrike" cap="none">
-                    <a:solidFill>
-                      <a:srgbClr val="000000"/>
-                    </a:solidFill>
-                    <a:latin typeface="+mj-lt"/>
-                    <a:ea typeface="Calibri"/>
-                    <a:cs typeface="Calibri"/>
-                    <a:sym typeface="Calibri"/>
-                  </a:endParaRPr>
-                </a:p>
-              </p:txBody>
-            </p:sp>
-          </p:grpSp>
-          <p:sp>
-            <p:nvSpPr>
-              <p:cNvPr id="9" name="Google Shape;164;p1">
-                <a:extLst>
-                  <a:ext uri="{FF2B5EF4-FFF2-40B4-BE49-F238E27FC236}">
-                    <a16:creationId xmlns:a16="http://schemas.microsoft.com/office/drawing/2014/main" id="{D2A03DCD-E8FC-4A54-9582-0D93878137C7}"/>
-                  </a:ext>
-                </a:extLst>
-              </p:cNvPr>
-              <p:cNvSpPr txBox="1"/>
-              <p:nvPr/>
-            </p:nvSpPr>
-            <p:spPr>
-              <a:xfrm>
-                <a:off x="662900" y="1562302"/>
-                <a:ext cx="691816" cy="338514"/>
-              </a:xfrm>
-              <a:prstGeom prst="rect">
-                <a:avLst/>
-              </a:prstGeom>
+            <a:prstGeom prst="line">
+              <a:avLst/>
+            </a:prstGeom>
+            <a:ln w="0" cap="flat" cmpd="sng" algn="ctr">
+              <a:solidFill>
+                <a:srgbClr val="FBFFFF"/>
+              </a:solidFill>
+              <a:prstDash val="solid"/>
+              <a:round/>
+              <a:headEnd type="none" w="med" len="med"/>
+              <a:tailEnd type="none" w="med" len="med"/>
+            </a:ln>
+            <a:effectLst/>
+            <a:extLst>
+              <a:ext uri="{AF507438-7753-43E0-B8FC-AC1667EBCBE1}">
+                <a14:hiddenEffects xmlns:a14="http://schemas.microsoft.com/office/drawing/2010/main">
+                  <a:effectLst>
+                    <a:outerShdw blurRad="63500" rotWithShape="0">
+                      <a:scrgbClr r="0" g="0" b="0"/>
+                    </a:outerShdw>
+                  </a:effectLst>
+                </a14:hiddenEffects>
+              </a:ext>
+            </a:extLst>
+          </p:spPr>
+          <p:style>
+            <a:lnRef idx="1">
+              <a:schemeClr val="accent1"/>
+            </a:lnRef>
+            <a:fillRef idx="0">
+              <a:schemeClr val="accent1"/>
+            </a:fillRef>
+            <a:effectRef idx="0">
+              <a:schemeClr val="accent1"/>
+            </a:effectRef>
+            <a:fontRef idx="minor">
+              <a:schemeClr val="tx1"/>
+            </a:fontRef>
+          </p:style>
+        </p:cxnSp>
+        <p:pic>
+          <p:nvPicPr>
+            <p:cNvPr id="191" name="Google Shape;191;p4"/>
+            <p:cNvPicPr preferRelativeResize="0"/>
+            <p:nvPr/>
+          </p:nvPicPr>
+          <p:blipFill rotWithShape="1">
+            <a:blip r:embed="rId3">
+              <a:alphaModFix/>
+            </a:blip>
+            <a:srcRect r="68692" b="6589"/>
+            <a:stretch/>
+          </p:blipFill>
+          <p:spPr>
+            <a:xfrm>
+              <a:off x="399144" y="246673"/>
+              <a:ext cx="1674509" cy="3301338"/>
+            </a:xfrm>
+            <a:prstGeom prst="rect">
+              <a:avLst/>
+            </a:prstGeom>
+            <a:noFill/>
+            <a:ln>
               <a:noFill/>
-              <a:ln>
-                <a:noFill/>
-              </a:ln>
-            </p:spPr>
-            <p:txBody>
-              <a:bodyPr spcFirstLastPara="1" wrap="square" lIns="91425" tIns="45700" rIns="91425" bIns="45700" anchor="ctr" anchorCtr="0">
-                <a:spAutoFit/>
-              </a:bodyPr>
-              <a:lstStyle/>
-              <a:p>
-                <a:pPr marL="0" marR="0" lvl="0" indent="0" algn="ctr" rtl="0">
-                  <a:lnSpc>
-                    <a:spcPct val="100000"/>
-                  </a:lnSpc>
-                  <a:spcBef>
-                    <a:spcPts val="0"/>
-                  </a:spcBef>
-                  <a:spcAft>
-                    <a:spcPts val="0"/>
-                  </a:spcAft>
-                  <a:buNone/>
-                </a:pPr>
-                <a:r>
-                  <a:rPr lang="en" sz="1600" b="0" i="0" u="none" strike="noStrike" cap="none" dirty="0">
-                    <a:solidFill>
-                      <a:srgbClr val="000000"/>
-                    </a:solidFill>
-                    <a:latin typeface="+mj-lt"/>
-                    <a:ea typeface="Arial"/>
-                    <a:cs typeface="Arial"/>
-                    <a:sym typeface="Arial"/>
-                  </a:rPr>
-                  <a:t>69</a:t>
-                </a:r>
-                <a:endParaRPr sz="1600" dirty="0">
-                  <a:latin typeface="+mj-lt"/>
-                </a:endParaRPr>
-              </a:p>
-            </p:txBody>
-          </p:sp>
-          <p:sp>
-            <p:nvSpPr>
-              <p:cNvPr id="10" name="Google Shape;165;p1">
-                <a:extLst>
-                  <a:ext uri="{FF2B5EF4-FFF2-40B4-BE49-F238E27FC236}">
-                    <a16:creationId xmlns:a16="http://schemas.microsoft.com/office/drawing/2014/main" id="{CF8720D9-CE68-464E-810F-C6C105C174D8}"/>
-                  </a:ext>
-                </a:extLst>
-              </p:cNvPr>
-              <p:cNvSpPr txBox="1"/>
-              <p:nvPr/>
-            </p:nvSpPr>
-            <p:spPr>
-              <a:xfrm>
-                <a:off x="1299610" y="1338495"/>
-                <a:ext cx="691816" cy="338514"/>
-              </a:xfrm>
-              <a:prstGeom prst="rect">
-                <a:avLst/>
-              </a:prstGeom>
-              <a:noFill/>
-              <a:ln>
-                <a:noFill/>
-              </a:ln>
-            </p:spPr>
-            <p:txBody>
-              <a:bodyPr spcFirstLastPara="1" wrap="square" lIns="91425" tIns="45700" rIns="91425" bIns="45700" anchor="ctr" anchorCtr="0">
-                <a:spAutoFit/>
-              </a:bodyPr>
-              <a:lstStyle/>
-              <a:p>
-                <a:pPr marL="0" marR="0" lvl="0" indent="0" algn="ctr" rtl="0">
-                  <a:lnSpc>
-                    <a:spcPct val="100000"/>
-                  </a:lnSpc>
-                  <a:spcBef>
-                    <a:spcPts val="0"/>
-                  </a:spcBef>
-                  <a:spcAft>
-                    <a:spcPts val="0"/>
-                  </a:spcAft>
-                  <a:buNone/>
-                </a:pPr>
-                <a:r>
-                  <a:rPr lang="en" sz="1600" dirty="0">
-                    <a:latin typeface="+mj-lt"/>
-                  </a:rPr>
-                  <a:t>22</a:t>
-                </a:r>
-                <a:endParaRPr sz="1600" dirty="0">
-                  <a:latin typeface="+mj-lt"/>
-                </a:endParaRPr>
-              </a:p>
-            </p:txBody>
-          </p:sp>
-          <p:sp>
-            <p:nvSpPr>
-              <p:cNvPr id="11" name="Google Shape;166;p1">
-                <a:extLst>
-                  <a:ext uri="{FF2B5EF4-FFF2-40B4-BE49-F238E27FC236}">
-                    <a16:creationId xmlns:a16="http://schemas.microsoft.com/office/drawing/2014/main" id="{5DC439F6-56B4-482B-878D-E79664B5F8A7}"/>
-                  </a:ext>
-                </a:extLst>
-              </p:cNvPr>
-              <p:cNvSpPr txBox="1"/>
-              <p:nvPr/>
-            </p:nvSpPr>
-            <p:spPr>
-              <a:xfrm>
-                <a:off x="1619437" y="926849"/>
-                <a:ext cx="691816" cy="338514"/>
-              </a:xfrm>
-              <a:prstGeom prst="rect">
-                <a:avLst/>
-              </a:prstGeom>
-              <a:noFill/>
-              <a:ln>
-                <a:noFill/>
-              </a:ln>
-            </p:spPr>
-            <p:txBody>
-              <a:bodyPr spcFirstLastPara="1" wrap="square" lIns="91425" tIns="45700" rIns="91425" bIns="45700" anchor="ctr" anchorCtr="0">
-                <a:spAutoFit/>
-              </a:bodyPr>
-              <a:lstStyle/>
-              <a:p>
-                <a:pPr marL="0" marR="0" lvl="0" indent="0" algn="ctr" rtl="0">
-                  <a:lnSpc>
-                    <a:spcPct val="100000"/>
-                  </a:lnSpc>
-                  <a:spcBef>
-                    <a:spcPts val="0"/>
-                  </a:spcBef>
-                  <a:spcAft>
-                    <a:spcPts val="0"/>
-                  </a:spcAft>
-                  <a:buNone/>
-                </a:pPr>
-                <a:r>
-                  <a:rPr lang="en" sz="1600" b="0" i="0" u="none" cap="none" dirty="0">
-                    <a:solidFill>
-                      <a:srgbClr val="000000"/>
-                    </a:solidFill>
-                    <a:latin typeface="+mj-lt"/>
-                    <a:ea typeface="Arial"/>
-                    <a:cs typeface="Arial"/>
-                    <a:sym typeface="Arial"/>
-                  </a:rPr>
-                  <a:t>6</a:t>
-                </a:r>
-                <a:endParaRPr sz="1600" dirty="0">
-                  <a:latin typeface="+mj-lt"/>
-                </a:endParaRPr>
-              </a:p>
-            </p:txBody>
-          </p:sp>
-          <p:sp>
-            <p:nvSpPr>
-              <p:cNvPr id="12" name="Google Shape;167;p1">
-                <a:extLst>
-                  <a:ext uri="{FF2B5EF4-FFF2-40B4-BE49-F238E27FC236}">
-                    <a16:creationId xmlns:a16="http://schemas.microsoft.com/office/drawing/2014/main" id="{5FDDB02E-8D09-49AE-A0F4-56A768B68E24}"/>
-                  </a:ext>
-                </a:extLst>
-              </p:cNvPr>
-              <p:cNvSpPr txBox="1"/>
-              <p:nvPr/>
-            </p:nvSpPr>
-            <p:spPr>
-              <a:xfrm>
-                <a:off x="1755295" y="1716190"/>
-                <a:ext cx="691816" cy="338514"/>
-              </a:xfrm>
-              <a:prstGeom prst="rect">
-                <a:avLst/>
-              </a:prstGeom>
-              <a:noFill/>
-              <a:ln>
-                <a:noFill/>
-              </a:ln>
-            </p:spPr>
-            <p:txBody>
-              <a:bodyPr spcFirstLastPara="1" wrap="square" lIns="91425" tIns="45700" rIns="91425" bIns="45700" anchor="ctr" anchorCtr="0">
-                <a:spAutoFit/>
-              </a:bodyPr>
-              <a:lstStyle/>
-              <a:p>
-                <a:pPr marL="0" marR="0" lvl="0" indent="0" algn="ctr" rtl="0">
-                  <a:lnSpc>
-                    <a:spcPct val="100000"/>
-                  </a:lnSpc>
-                  <a:spcBef>
-                    <a:spcPts val="0"/>
-                  </a:spcBef>
-                  <a:spcAft>
-                    <a:spcPts val="0"/>
-                  </a:spcAft>
-                  <a:buNone/>
-                </a:pPr>
-                <a:r>
-                  <a:rPr lang="en-US" sz="1600" dirty="0">
-                    <a:latin typeface="+mj-lt"/>
-                  </a:rPr>
-                  <a:t>15</a:t>
-                </a:r>
-                <a:endParaRPr sz="1600" dirty="0">
-                  <a:latin typeface="+mj-lt"/>
-                </a:endParaRPr>
-              </a:p>
-            </p:txBody>
-          </p:sp>
-          <p:sp>
-            <p:nvSpPr>
-              <p:cNvPr id="13" name="Google Shape;168;p1">
-                <a:extLst>
-                  <a:ext uri="{FF2B5EF4-FFF2-40B4-BE49-F238E27FC236}">
-                    <a16:creationId xmlns:a16="http://schemas.microsoft.com/office/drawing/2014/main" id="{BB238EC6-EE29-43FC-B6D3-459C0F97ADA1}"/>
-                  </a:ext>
-                </a:extLst>
-              </p:cNvPr>
-              <p:cNvSpPr txBox="1"/>
-              <p:nvPr/>
-            </p:nvSpPr>
-            <p:spPr>
-              <a:xfrm>
-                <a:off x="2417017" y="2249655"/>
-                <a:ext cx="691816" cy="338514"/>
-              </a:xfrm>
-              <a:prstGeom prst="rect">
-                <a:avLst/>
-              </a:prstGeom>
-              <a:noFill/>
-              <a:ln>
-                <a:noFill/>
-              </a:ln>
-            </p:spPr>
-            <p:txBody>
-              <a:bodyPr spcFirstLastPara="1" wrap="square" lIns="91425" tIns="45700" rIns="91425" bIns="45700" anchor="ctr" anchorCtr="0">
-                <a:spAutoFit/>
-              </a:bodyPr>
-              <a:lstStyle/>
-              <a:p>
-                <a:pPr marL="0" marR="0" lvl="0" indent="0" algn="ctr" rtl="0">
-                  <a:lnSpc>
-                    <a:spcPct val="100000"/>
-                  </a:lnSpc>
-                  <a:spcBef>
-                    <a:spcPts val="0"/>
-                  </a:spcBef>
-                  <a:spcAft>
-                    <a:spcPts val="0"/>
-                  </a:spcAft>
-                  <a:buNone/>
-                </a:pPr>
-                <a:r>
-                  <a:rPr lang="en" sz="1600" b="0" i="0" u="none" strike="noStrike" cap="none" dirty="0">
-                    <a:solidFill>
-                      <a:srgbClr val="000000"/>
-                    </a:solidFill>
-                    <a:latin typeface="+mj-lt"/>
-                    <a:ea typeface="Arial"/>
-                    <a:cs typeface="Arial"/>
-                    <a:sym typeface="Arial"/>
-                  </a:rPr>
-                  <a:t>68</a:t>
-                </a:r>
-                <a:endParaRPr sz="1600" dirty="0">
-                  <a:latin typeface="+mj-lt"/>
-                </a:endParaRPr>
-              </a:p>
-            </p:txBody>
-          </p:sp>
-          <p:sp>
-            <p:nvSpPr>
-              <p:cNvPr id="14" name="Google Shape;169;p1">
-                <a:extLst>
-                  <a:ext uri="{FF2B5EF4-FFF2-40B4-BE49-F238E27FC236}">
-                    <a16:creationId xmlns:a16="http://schemas.microsoft.com/office/drawing/2014/main" id="{2D4D12ED-EC9D-42E8-A389-7BE374DA1B30}"/>
-                  </a:ext>
-                </a:extLst>
-              </p:cNvPr>
-              <p:cNvSpPr txBox="1"/>
-              <p:nvPr/>
-            </p:nvSpPr>
-            <p:spPr>
-              <a:xfrm>
-                <a:off x="1418777" y="2625560"/>
-                <a:ext cx="691816" cy="338514"/>
-              </a:xfrm>
-              <a:prstGeom prst="rect">
-                <a:avLst/>
-              </a:prstGeom>
-              <a:noFill/>
-              <a:ln>
-                <a:noFill/>
-              </a:ln>
-            </p:spPr>
-            <p:txBody>
-              <a:bodyPr spcFirstLastPara="1" wrap="square" lIns="91425" tIns="45700" rIns="91425" bIns="45700" anchor="ctr" anchorCtr="0">
-                <a:spAutoFit/>
-              </a:bodyPr>
-              <a:lstStyle/>
-              <a:p>
-                <a:pPr marL="0" marR="0" lvl="0" indent="0" algn="ctr" rtl="0">
-                  <a:lnSpc>
-                    <a:spcPct val="100000"/>
-                  </a:lnSpc>
-                  <a:spcBef>
-                    <a:spcPts val="0"/>
-                  </a:spcBef>
-                  <a:spcAft>
-                    <a:spcPts val="0"/>
-                  </a:spcAft>
-                  <a:buNone/>
-                </a:pPr>
-                <a:r>
-                  <a:rPr lang="en" sz="1600" b="0" i="0" u="none" strike="noStrike" cap="none" dirty="0">
-                    <a:solidFill>
-                      <a:srgbClr val="000000"/>
-                    </a:solidFill>
-                    <a:latin typeface="+mj-lt"/>
-                    <a:ea typeface="Arial"/>
-                    <a:cs typeface="Arial"/>
-                    <a:sym typeface="Arial"/>
-                  </a:rPr>
-                  <a:t>3</a:t>
-                </a:r>
-                <a:endParaRPr sz="1600" dirty="0">
-                  <a:latin typeface="+mj-lt"/>
-                </a:endParaRPr>
-              </a:p>
-            </p:txBody>
-          </p:sp>
-          <p:sp>
-            <p:nvSpPr>
-              <p:cNvPr id="15" name="Google Shape;170;p1">
-                <a:extLst>
-                  <a:ext uri="{FF2B5EF4-FFF2-40B4-BE49-F238E27FC236}">
-                    <a16:creationId xmlns:a16="http://schemas.microsoft.com/office/drawing/2014/main" id="{6C4E287C-D9F2-4050-89F3-75B01DAF600E}"/>
-                  </a:ext>
-                </a:extLst>
-              </p:cNvPr>
-              <p:cNvSpPr txBox="1"/>
-              <p:nvPr/>
-            </p:nvSpPr>
-            <p:spPr>
-              <a:xfrm>
-                <a:off x="2417017" y="3098959"/>
-                <a:ext cx="691816" cy="338514"/>
-              </a:xfrm>
-              <a:prstGeom prst="rect">
-                <a:avLst/>
-              </a:prstGeom>
-              <a:noFill/>
-              <a:ln>
-                <a:noFill/>
-              </a:ln>
-            </p:spPr>
-            <p:txBody>
-              <a:bodyPr spcFirstLastPara="1" wrap="square" lIns="91425" tIns="45700" rIns="91425" bIns="45700" anchor="ctr" anchorCtr="0">
-                <a:spAutoFit/>
-              </a:bodyPr>
-              <a:lstStyle/>
-              <a:p>
-                <a:pPr marL="0" marR="0" lvl="0" indent="0" algn="ctr" rtl="0">
-                  <a:lnSpc>
-                    <a:spcPct val="100000"/>
-                  </a:lnSpc>
-                  <a:spcBef>
-                    <a:spcPts val="0"/>
-                  </a:spcBef>
-                  <a:spcAft>
-                    <a:spcPts val="0"/>
-                  </a:spcAft>
-                  <a:buNone/>
-                </a:pPr>
-                <a:r>
-                  <a:rPr lang="en-US" sz="1600" dirty="0">
-                    <a:latin typeface="+mj-lt"/>
-                  </a:rPr>
-                  <a:t>1</a:t>
-                </a:r>
-                <a:endParaRPr sz="1600" dirty="0">
-                  <a:latin typeface="+mj-lt"/>
-                </a:endParaRPr>
-              </a:p>
-            </p:txBody>
-          </p:sp>
-          <p:sp>
-            <p:nvSpPr>
-              <p:cNvPr id="16" name="Google Shape;171;p1">
-                <a:extLst>
-                  <a:ext uri="{FF2B5EF4-FFF2-40B4-BE49-F238E27FC236}">
-                    <a16:creationId xmlns:a16="http://schemas.microsoft.com/office/drawing/2014/main" id="{5BC95D30-5863-428D-A38F-1BCB5C2265ED}"/>
-                  </a:ext>
-                </a:extLst>
-              </p:cNvPr>
-              <p:cNvSpPr txBox="1"/>
-              <p:nvPr/>
-            </p:nvSpPr>
-            <p:spPr>
-              <a:xfrm>
-                <a:off x="2417017" y="1136102"/>
-                <a:ext cx="691816" cy="338514"/>
-              </a:xfrm>
-              <a:prstGeom prst="rect">
-                <a:avLst/>
-              </a:prstGeom>
-              <a:noFill/>
-              <a:ln>
-                <a:noFill/>
-              </a:ln>
-            </p:spPr>
-            <p:txBody>
-              <a:bodyPr spcFirstLastPara="1" wrap="square" lIns="91425" tIns="45700" rIns="91425" bIns="45700" anchor="ctr" anchorCtr="0">
-                <a:spAutoFit/>
-              </a:bodyPr>
-              <a:lstStyle/>
-              <a:p>
-                <a:pPr marL="0" marR="0" lvl="0" indent="0" algn="ctr" rtl="0">
-                  <a:lnSpc>
-                    <a:spcPct val="100000"/>
-                  </a:lnSpc>
-                  <a:spcBef>
-                    <a:spcPts val="0"/>
-                  </a:spcBef>
-                  <a:spcAft>
-                    <a:spcPts val="0"/>
-                  </a:spcAft>
-                  <a:buNone/>
-                </a:pPr>
-                <a:r>
-                  <a:rPr lang="en" sz="1600" b="0" i="0" u="none" strike="noStrike" cap="none" dirty="0">
-                    <a:solidFill>
-                      <a:srgbClr val="000000"/>
-                    </a:solidFill>
-                    <a:latin typeface="+mj-lt"/>
-                    <a:ea typeface="Arial"/>
-                    <a:cs typeface="Arial"/>
-                    <a:sym typeface="Arial"/>
-                  </a:rPr>
-                  <a:t>3</a:t>
-                </a:r>
-                <a:endParaRPr sz="1600" dirty="0">
-                  <a:latin typeface="+mj-lt"/>
-                </a:endParaRPr>
-              </a:p>
-            </p:txBody>
-          </p:sp>
-          <p:sp>
-            <p:nvSpPr>
-              <p:cNvPr id="17" name="Google Shape;172;p1">
-                <a:extLst>
-                  <a:ext uri="{FF2B5EF4-FFF2-40B4-BE49-F238E27FC236}">
-                    <a16:creationId xmlns:a16="http://schemas.microsoft.com/office/drawing/2014/main" id="{017D8628-A484-484A-978D-EA7B0437B831}"/>
-                  </a:ext>
-                </a:extLst>
-              </p:cNvPr>
-              <p:cNvSpPr txBox="1"/>
-              <p:nvPr/>
-            </p:nvSpPr>
-            <p:spPr>
-              <a:xfrm>
-                <a:off x="3220932" y="925766"/>
-                <a:ext cx="691816" cy="338514"/>
-              </a:xfrm>
-              <a:prstGeom prst="rect">
-                <a:avLst/>
-              </a:prstGeom>
-              <a:noFill/>
-              <a:ln>
-                <a:noFill/>
-              </a:ln>
-            </p:spPr>
-            <p:txBody>
-              <a:bodyPr spcFirstLastPara="1" wrap="square" lIns="91425" tIns="45700" rIns="91425" bIns="45700" anchor="ctr" anchorCtr="0">
-                <a:spAutoFit/>
-              </a:bodyPr>
-              <a:lstStyle/>
-              <a:p>
-                <a:pPr marL="0" marR="0" lvl="0" indent="0" algn="ctr" rtl="0">
-                  <a:lnSpc>
-                    <a:spcPct val="100000"/>
-                  </a:lnSpc>
-                  <a:spcBef>
-                    <a:spcPts val="0"/>
-                  </a:spcBef>
-                  <a:spcAft>
-                    <a:spcPts val="0"/>
-                  </a:spcAft>
-                  <a:buNone/>
-                </a:pPr>
-                <a:r>
-                  <a:rPr lang="en" sz="1600" dirty="0">
-                    <a:latin typeface="+mj-lt"/>
-                  </a:rPr>
-                  <a:t>55</a:t>
-                </a:r>
-                <a:endParaRPr sz="1600" dirty="0">
-                  <a:latin typeface="+mj-lt"/>
-                </a:endParaRPr>
-              </a:p>
-            </p:txBody>
-          </p:sp>
-          <p:sp>
-            <p:nvSpPr>
-              <p:cNvPr id="18" name="Google Shape;173;p1">
-                <a:extLst>
-                  <a:ext uri="{FF2B5EF4-FFF2-40B4-BE49-F238E27FC236}">
-                    <a16:creationId xmlns:a16="http://schemas.microsoft.com/office/drawing/2014/main" id="{DA0279AB-1B23-474B-A89B-42B055AA11B1}"/>
-                  </a:ext>
-                </a:extLst>
-              </p:cNvPr>
-              <p:cNvSpPr txBox="1"/>
-              <p:nvPr/>
-            </p:nvSpPr>
-            <p:spPr>
-              <a:xfrm>
-                <a:off x="3108833" y="1714756"/>
-                <a:ext cx="691816" cy="338514"/>
-              </a:xfrm>
-              <a:prstGeom prst="rect">
-                <a:avLst/>
-              </a:prstGeom>
-              <a:noFill/>
-              <a:ln>
-                <a:noFill/>
-              </a:ln>
-            </p:spPr>
-            <p:txBody>
-              <a:bodyPr spcFirstLastPara="1" wrap="square" lIns="91425" tIns="45700" rIns="91425" bIns="45700" anchor="ctr" anchorCtr="0">
-                <a:spAutoFit/>
-              </a:bodyPr>
-              <a:lstStyle/>
-              <a:p>
-                <a:pPr marL="0" marR="0" lvl="0" indent="0" algn="ctr" rtl="0">
-                  <a:lnSpc>
-                    <a:spcPct val="100000"/>
-                  </a:lnSpc>
-                  <a:spcBef>
-                    <a:spcPts val="0"/>
-                  </a:spcBef>
-                  <a:spcAft>
-                    <a:spcPts val="0"/>
-                  </a:spcAft>
-                  <a:buNone/>
-                </a:pPr>
-                <a:r>
-                  <a:rPr lang="en" sz="1600" dirty="0">
-                    <a:latin typeface="+mj-lt"/>
-                  </a:rPr>
-                  <a:t>0</a:t>
-                </a:r>
-                <a:endParaRPr sz="1600" dirty="0">
-                  <a:latin typeface="+mj-lt"/>
-                </a:endParaRPr>
-              </a:p>
-            </p:txBody>
-          </p:sp>
-          <p:sp>
-            <p:nvSpPr>
-              <p:cNvPr id="19" name="Google Shape;174;p1">
-                <a:extLst>
-                  <a:ext uri="{FF2B5EF4-FFF2-40B4-BE49-F238E27FC236}">
-                    <a16:creationId xmlns:a16="http://schemas.microsoft.com/office/drawing/2014/main" id="{9D4D8DEF-F75C-41C5-8AD3-DEB657984600}"/>
-                  </a:ext>
-                </a:extLst>
-              </p:cNvPr>
-              <p:cNvSpPr txBox="1"/>
-              <p:nvPr/>
-            </p:nvSpPr>
-            <p:spPr>
-              <a:xfrm>
-                <a:off x="3462174" y="2625560"/>
-                <a:ext cx="691816" cy="338514"/>
-              </a:xfrm>
-              <a:prstGeom prst="rect">
-                <a:avLst/>
-              </a:prstGeom>
-              <a:noFill/>
-              <a:ln>
-                <a:noFill/>
-              </a:ln>
-            </p:spPr>
-            <p:txBody>
-              <a:bodyPr spcFirstLastPara="1" wrap="square" lIns="91425" tIns="45700" rIns="91425" bIns="45700" anchor="ctr" anchorCtr="0">
-                <a:spAutoFit/>
-              </a:bodyPr>
-              <a:lstStyle/>
-              <a:p>
-                <a:pPr marL="0" marR="0" lvl="0" indent="0" algn="ctr" rtl="0">
-                  <a:lnSpc>
-                    <a:spcPct val="100000"/>
-                  </a:lnSpc>
-                  <a:spcBef>
-                    <a:spcPts val="0"/>
-                  </a:spcBef>
-                  <a:spcAft>
-                    <a:spcPts val="0"/>
-                  </a:spcAft>
-                  <a:buNone/>
-                </a:pPr>
-                <a:r>
-                  <a:rPr lang="en" sz="1600" b="0" i="0" u="none" strike="noStrike" cap="none" dirty="0">
-                    <a:solidFill>
-                      <a:srgbClr val="000000"/>
-                    </a:solidFill>
-                    <a:latin typeface="+mj-lt"/>
-                    <a:ea typeface="Arial"/>
-                    <a:cs typeface="Arial"/>
-                    <a:sym typeface="Arial"/>
-                  </a:rPr>
-                  <a:t>0</a:t>
-                </a:r>
-                <a:endParaRPr sz="1600" dirty="0">
-                  <a:latin typeface="+mj-lt"/>
-                </a:endParaRPr>
-              </a:p>
-            </p:txBody>
-          </p:sp>
-          <p:sp>
-            <p:nvSpPr>
-              <p:cNvPr id="20" name="Google Shape;175;p1">
-                <a:extLst>
-                  <a:ext uri="{FF2B5EF4-FFF2-40B4-BE49-F238E27FC236}">
-                    <a16:creationId xmlns:a16="http://schemas.microsoft.com/office/drawing/2014/main" id="{DF01C7C0-7C09-4D0F-B1A4-038AD76BA8EC}"/>
-                  </a:ext>
-                </a:extLst>
-              </p:cNvPr>
-              <p:cNvSpPr txBox="1"/>
-              <p:nvPr/>
-            </p:nvSpPr>
-            <p:spPr>
-              <a:xfrm>
-                <a:off x="4178251" y="1560867"/>
-                <a:ext cx="691816" cy="338514"/>
-              </a:xfrm>
-              <a:prstGeom prst="rect">
-                <a:avLst/>
-              </a:prstGeom>
-              <a:noFill/>
-              <a:ln>
-                <a:noFill/>
-              </a:ln>
-            </p:spPr>
-            <p:txBody>
-              <a:bodyPr spcFirstLastPara="1" wrap="square" lIns="91425" tIns="45700" rIns="91425" bIns="45700" anchor="ctr" anchorCtr="0">
-                <a:spAutoFit/>
-              </a:bodyPr>
-              <a:lstStyle/>
-              <a:p>
-                <a:pPr marL="0" marR="0" lvl="0" indent="0" algn="ctr" rtl="0">
-                  <a:lnSpc>
-                    <a:spcPct val="100000"/>
-                  </a:lnSpc>
-                  <a:spcBef>
-                    <a:spcPts val="0"/>
-                  </a:spcBef>
-                  <a:spcAft>
-                    <a:spcPts val="0"/>
-                  </a:spcAft>
-                  <a:buNone/>
-                </a:pPr>
-                <a:r>
-                  <a:rPr lang="en" sz="1600" dirty="0">
-                    <a:latin typeface="+mj-lt"/>
-                  </a:rPr>
-                  <a:t>1</a:t>
-                </a:r>
-                <a:endParaRPr sz="1600" dirty="0">
-                  <a:latin typeface="+mj-lt"/>
-                </a:endParaRPr>
-              </a:p>
-            </p:txBody>
-          </p:sp>
-          <p:sp>
-            <p:nvSpPr>
-              <p:cNvPr id="21" name="Google Shape;176;p1">
-                <a:extLst>
-                  <a:ext uri="{FF2B5EF4-FFF2-40B4-BE49-F238E27FC236}">
-                    <a16:creationId xmlns:a16="http://schemas.microsoft.com/office/drawing/2014/main" id="{AAAD77EC-95D2-4930-A1D1-6271E2879624}"/>
-                  </a:ext>
-                </a:extLst>
-              </p:cNvPr>
-              <p:cNvSpPr txBox="1"/>
-              <p:nvPr/>
-            </p:nvSpPr>
-            <p:spPr>
-              <a:xfrm>
-                <a:off x="2030086" y="2875421"/>
-                <a:ext cx="691816" cy="307736"/>
-              </a:xfrm>
-              <a:prstGeom prst="rect">
-                <a:avLst/>
-              </a:prstGeom>
-              <a:noFill/>
-              <a:ln>
-                <a:noFill/>
-              </a:ln>
-            </p:spPr>
-            <p:txBody>
-              <a:bodyPr spcFirstLastPara="1" wrap="square" lIns="91425" tIns="45700" rIns="91425" bIns="45700" anchor="ctr" anchorCtr="0">
-                <a:spAutoFit/>
-              </a:bodyPr>
-              <a:lstStyle/>
-              <a:p>
-                <a:pPr marL="0" marR="0" lvl="0" indent="0" algn="ctr" rtl="0">
-                  <a:lnSpc>
-                    <a:spcPct val="100000"/>
-                  </a:lnSpc>
-                  <a:spcBef>
-                    <a:spcPts val="0"/>
-                  </a:spcBef>
-                  <a:spcAft>
-                    <a:spcPts val="0"/>
-                  </a:spcAft>
-                  <a:buNone/>
-                </a:pPr>
-                <a:r>
-                  <a:rPr lang="en-US" dirty="0">
-                    <a:latin typeface="+mj-lt"/>
-                  </a:rPr>
-                  <a:t>6</a:t>
-                </a:r>
-                <a:endParaRPr dirty="0">
-                  <a:latin typeface="+mj-lt"/>
-                </a:endParaRPr>
-              </a:p>
-            </p:txBody>
-          </p:sp>
-          <p:sp>
-            <p:nvSpPr>
-              <p:cNvPr id="22" name="Google Shape;177;p1">
-                <a:extLst>
-                  <a:ext uri="{FF2B5EF4-FFF2-40B4-BE49-F238E27FC236}">
-                    <a16:creationId xmlns:a16="http://schemas.microsoft.com/office/drawing/2014/main" id="{0D5B057C-E296-401F-A202-79435E171CDB}"/>
-                  </a:ext>
-                </a:extLst>
-              </p:cNvPr>
-              <p:cNvSpPr txBox="1"/>
-              <p:nvPr/>
-            </p:nvSpPr>
-            <p:spPr>
-              <a:xfrm>
-                <a:off x="2858336" y="2885397"/>
-                <a:ext cx="691816" cy="307736"/>
-              </a:xfrm>
-              <a:prstGeom prst="rect">
-                <a:avLst/>
-              </a:prstGeom>
-              <a:noFill/>
-              <a:ln>
-                <a:noFill/>
-              </a:ln>
-            </p:spPr>
-            <p:txBody>
-              <a:bodyPr spcFirstLastPara="1" wrap="square" lIns="91425" tIns="45700" rIns="91425" bIns="45700" anchor="ctr" anchorCtr="0">
-                <a:spAutoFit/>
-              </a:bodyPr>
-              <a:lstStyle/>
-              <a:p>
-                <a:pPr marL="0" marR="0" lvl="0" indent="0" algn="ctr" rtl="0">
-                  <a:lnSpc>
-                    <a:spcPct val="100000"/>
-                  </a:lnSpc>
-                  <a:spcBef>
-                    <a:spcPts val="0"/>
-                  </a:spcBef>
-                  <a:spcAft>
-                    <a:spcPts val="0"/>
-                  </a:spcAft>
-                  <a:buNone/>
-                </a:pPr>
-                <a:r>
-                  <a:rPr lang="en-US" dirty="0">
-                    <a:latin typeface="+mj-lt"/>
-                  </a:rPr>
-                  <a:t>6</a:t>
-                </a:r>
-                <a:endParaRPr dirty="0">
-                  <a:latin typeface="+mj-lt"/>
-                </a:endParaRPr>
-              </a:p>
-            </p:txBody>
-          </p:sp>
-        </p:grpSp>
+            </a:ln>
+          </p:spPr>
+        </p:pic>
         <p:sp>
           <p:nvSpPr>
-            <p:cNvPr id="4" name="Google Shape;153;p1">
-              <a:extLst>
-                <a:ext uri="{FF2B5EF4-FFF2-40B4-BE49-F238E27FC236}">
-                  <a16:creationId xmlns:a16="http://schemas.microsoft.com/office/drawing/2014/main" id="{C2E927BA-AB01-4F74-A9F6-F77797168E01}"/>
-                </a:ext>
-              </a:extLst>
-            </p:cNvPr>
+            <p:cNvPr id="192" name="Google Shape;192;p4"/>
             <p:cNvSpPr txBox="1"/>
             <p:nvPr/>
           </p:nvSpPr>
           <p:spPr>
-            <a:xfrm>
-              <a:off x="5635819" y="1076274"/>
-              <a:ext cx="1278594" cy="356832"/>
+            <a:xfrm rot="2650478">
+              <a:off x="1035644" y="3611433"/>
+              <a:ext cx="666571" cy="383236"/>
             </a:xfrm>
             <a:prstGeom prst="rect">
               <a:avLst/>
@@ -16165,8 +14432,751 @@
             </a:ln>
           </p:spPr>
           <p:txBody>
-            <a:bodyPr spcFirstLastPara="1" wrap="square" lIns="68550" tIns="34275" rIns="68550" bIns="34275" anchor="t" anchorCtr="0">
-              <a:noAutofit/>
+            <a:bodyPr spcFirstLastPara="1" wrap="square" lIns="98325" tIns="98325" rIns="98325" bIns="98325" anchor="t" anchorCtr="0">
+              <a:spAutoFit/>
+            </a:bodyPr>
+            <a:lstStyle/>
+            <a:p>
+              <a:pPr marL="0" marR="0" lvl="0" indent="0" algn="l" rtl="0">
+                <a:lnSpc>
+                  <a:spcPct val="100000"/>
+                </a:lnSpc>
+                <a:spcBef>
+                  <a:spcPts val="0"/>
+                </a:spcBef>
+                <a:spcAft>
+                  <a:spcPts val="0"/>
+                </a:spcAft>
+                <a:buClr>
+                  <a:srgbClr val="000000"/>
+                </a:buClr>
+                <a:buSzPts val="1500"/>
+                <a:buFont typeface="Arial"/>
+                <a:buNone/>
+              </a:pPr>
+              <a:r>
+                <a:rPr lang="en-US" sz="1200" b="0" i="0" u="none" strike="noStrike" cap="none">
+                  <a:solidFill>
+                    <a:srgbClr val="000000"/>
+                  </a:solidFill>
+                  <a:latin typeface="Arial"/>
+                  <a:ea typeface="Arial"/>
+                  <a:cs typeface="Arial"/>
+                  <a:sym typeface="Arial"/>
+                </a:rPr>
+                <a:t>MT-B</a:t>
+              </a:r>
+              <a:endParaRPr sz="1200" b="0" i="0" u="none" strike="noStrike" cap="none">
+                <a:solidFill>
+                  <a:srgbClr val="000000"/>
+                </a:solidFill>
+                <a:latin typeface="Arial"/>
+                <a:ea typeface="Arial"/>
+                <a:cs typeface="Arial"/>
+                <a:sym typeface="Arial"/>
+              </a:endParaRPr>
+            </a:p>
+          </p:txBody>
+        </p:sp>
+        <p:sp>
+          <p:nvSpPr>
+            <p:cNvPr id="193" name="Google Shape;193;p4"/>
+            <p:cNvSpPr txBox="1"/>
+            <p:nvPr/>
+          </p:nvSpPr>
+          <p:spPr>
+            <a:xfrm rot="2650478">
+              <a:off x="703486" y="3613301"/>
+              <a:ext cx="666571" cy="383236"/>
+            </a:xfrm>
+            <a:prstGeom prst="rect">
+              <a:avLst/>
+            </a:prstGeom>
+            <a:noFill/>
+            <a:ln>
+              <a:noFill/>
+            </a:ln>
+          </p:spPr>
+          <p:txBody>
+            <a:bodyPr spcFirstLastPara="1" wrap="square" lIns="98325" tIns="98325" rIns="98325" bIns="98325" anchor="t" anchorCtr="0">
+              <a:spAutoFit/>
+            </a:bodyPr>
+            <a:lstStyle/>
+            <a:p>
+              <a:pPr marL="0" marR="0" lvl="0" indent="0" algn="l" rtl="0">
+                <a:lnSpc>
+                  <a:spcPct val="100000"/>
+                </a:lnSpc>
+                <a:spcBef>
+                  <a:spcPts val="0"/>
+                </a:spcBef>
+                <a:spcAft>
+                  <a:spcPts val="0"/>
+                </a:spcAft>
+                <a:buClr>
+                  <a:srgbClr val="000000"/>
+                </a:buClr>
+                <a:buSzPts val="1500"/>
+                <a:buFont typeface="Arial"/>
+                <a:buNone/>
+              </a:pPr>
+              <a:r>
+                <a:rPr lang="en-US" sz="1200" b="0" i="0" u="none" strike="noStrike" cap="none">
+                  <a:solidFill>
+                    <a:srgbClr val="000000"/>
+                  </a:solidFill>
+                  <a:latin typeface="Arial"/>
+                  <a:ea typeface="Arial"/>
+                  <a:cs typeface="Arial"/>
+                  <a:sym typeface="Arial"/>
+                </a:rPr>
+                <a:t>MT-A</a:t>
+              </a:r>
+              <a:endParaRPr sz="1200" b="0" i="0" u="none" strike="noStrike" cap="none">
+                <a:solidFill>
+                  <a:srgbClr val="000000"/>
+                </a:solidFill>
+                <a:latin typeface="Arial"/>
+                <a:ea typeface="Arial"/>
+                <a:cs typeface="Arial"/>
+                <a:sym typeface="Arial"/>
+              </a:endParaRPr>
+            </a:p>
+          </p:txBody>
+        </p:sp>
+        <p:sp>
+          <p:nvSpPr>
+            <p:cNvPr id="194" name="Google Shape;194;p4"/>
+            <p:cNvSpPr txBox="1"/>
+            <p:nvPr/>
+          </p:nvSpPr>
+          <p:spPr>
+            <a:xfrm rot="2650478">
+              <a:off x="1717158" y="3611432"/>
+              <a:ext cx="666571" cy="383236"/>
+            </a:xfrm>
+            <a:prstGeom prst="rect">
+              <a:avLst/>
+            </a:prstGeom>
+            <a:noFill/>
+            <a:ln>
+              <a:noFill/>
+            </a:ln>
+          </p:spPr>
+          <p:txBody>
+            <a:bodyPr spcFirstLastPara="1" wrap="square" lIns="98325" tIns="98325" rIns="98325" bIns="98325" anchor="t" anchorCtr="0">
+              <a:spAutoFit/>
+            </a:bodyPr>
+            <a:lstStyle/>
+            <a:p>
+              <a:pPr marL="0" marR="0" lvl="0" indent="0" algn="l" rtl="0">
+                <a:lnSpc>
+                  <a:spcPct val="100000"/>
+                </a:lnSpc>
+                <a:spcBef>
+                  <a:spcPts val="0"/>
+                </a:spcBef>
+                <a:spcAft>
+                  <a:spcPts val="0"/>
+                </a:spcAft>
+                <a:buClr>
+                  <a:srgbClr val="000000"/>
+                </a:buClr>
+                <a:buSzPts val="1500"/>
+                <a:buFont typeface="Arial"/>
+                <a:buNone/>
+              </a:pPr>
+              <a:r>
+                <a:rPr lang="en-US" sz="1200" b="0" i="0" u="none" strike="noStrike" cap="none">
+                  <a:solidFill>
+                    <a:srgbClr val="000000"/>
+                  </a:solidFill>
+                  <a:latin typeface="Arial"/>
+                  <a:ea typeface="Arial"/>
+                  <a:cs typeface="Arial"/>
+                  <a:sym typeface="Arial"/>
+                </a:rPr>
+                <a:t>MT-D</a:t>
+              </a:r>
+              <a:endParaRPr sz="1200" b="0" i="0" u="none" strike="noStrike" cap="none">
+                <a:solidFill>
+                  <a:srgbClr val="000000"/>
+                </a:solidFill>
+                <a:latin typeface="Arial"/>
+                <a:ea typeface="Arial"/>
+                <a:cs typeface="Arial"/>
+                <a:sym typeface="Arial"/>
+              </a:endParaRPr>
+            </a:p>
+          </p:txBody>
+        </p:sp>
+        <p:sp>
+          <p:nvSpPr>
+            <p:cNvPr id="195" name="Google Shape;195;p4"/>
+            <p:cNvSpPr txBox="1"/>
+            <p:nvPr/>
+          </p:nvSpPr>
+          <p:spPr>
+            <a:xfrm rot="2650478">
+              <a:off x="1356192" y="3613303"/>
+              <a:ext cx="666571" cy="383236"/>
+            </a:xfrm>
+            <a:prstGeom prst="rect">
+              <a:avLst/>
+            </a:prstGeom>
+            <a:noFill/>
+            <a:ln>
+              <a:noFill/>
+            </a:ln>
+          </p:spPr>
+          <p:txBody>
+            <a:bodyPr spcFirstLastPara="1" wrap="square" lIns="98325" tIns="98325" rIns="98325" bIns="98325" anchor="t" anchorCtr="0">
+              <a:spAutoFit/>
+            </a:bodyPr>
+            <a:lstStyle/>
+            <a:p>
+              <a:pPr marL="0" marR="0" lvl="0" indent="0" algn="l" rtl="0">
+                <a:lnSpc>
+                  <a:spcPct val="100000"/>
+                </a:lnSpc>
+                <a:spcBef>
+                  <a:spcPts val="0"/>
+                </a:spcBef>
+                <a:spcAft>
+                  <a:spcPts val="0"/>
+                </a:spcAft>
+                <a:buClr>
+                  <a:srgbClr val="000000"/>
+                </a:buClr>
+                <a:buSzPts val="1500"/>
+                <a:buFont typeface="Arial"/>
+                <a:buNone/>
+              </a:pPr>
+              <a:r>
+                <a:rPr lang="en-US" sz="1200" b="0" i="0" u="none" strike="noStrike" cap="none">
+                  <a:solidFill>
+                    <a:srgbClr val="000000"/>
+                  </a:solidFill>
+                  <a:latin typeface="Arial"/>
+                  <a:ea typeface="Arial"/>
+                  <a:cs typeface="Arial"/>
+                  <a:sym typeface="Arial"/>
+                </a:rPr>
+                <a:t>MT-C</a:t>
+              </a:r>
+              <a:endParaRPr sz="1200" b="0" i="0" u="none" strike="noStrike" cap="none">
+                <a:solidFill>
+                  <a:srgbClr val="000000"/>
+                </a:solidFill>
+                <a:latin typeface="Arial"/>
+                <a:ea typeface="Arial"/>
+                <a:cs typeface="Arial"/>
+                <a:sym typeface="Arial"/>
+              </a:endParaRPr>
+            </a:p>
+          </p:txBody>
+        </p:sp>
+        <p:sp>
+          <p:nvSpPr>
+            <p:cNvPr id="200" name="Google Shape;200;p4"/>
+            <p:cNvSpPr txBox="1"/>
+            <p:nvPr/>
+          </p:nvSpPr>
+          <p:spPr>
+            <a:xfrm rot="2650478">
+              <a:off x="1914884" y="3956719"/>
+              <a:ext cx="1662266" cy="383236"/>
+            </a:xfrm>
+            <a:prstGeom prst="rect">
+              <a:avLst/>
+            </a:prstGeom>
+            <a:noFill/>
+            <a:ln>
+              <a:noFill/>
+            </a:ln>
+          </p:spPr>
+          <p:txBody>
+            <a:bodyPr spcFirstLastPara="1" wrap="square" lIns="98325" tIns="98325" rIns="98325" bIns="98325" anchor="t" anchorCtr="0">
+              <a:spAutoFit/>
+            </a:bodyPr>
+            <a:lstStyle/>
+            <a:p>
+              <a:pPr marL="0" marR="0" lvl="0" indent="0" algn="l" rtl="0">
+                <a:lnSpc>
+                  <a:spcPct val="100000"/>
+                </a:lnSpc>
+                <a:spcBef>
+                  <a:spcPts val="0"/>
+                </a:spcBef>
+                <a:spcAft>
+                  <a:spcPts val="0"/>
+                </a:spcAft>
+                <a:buClr>
+                  <a:srgbClr val="000000"/>
+                </a:buClr>
+                <a:buSzPts val="1500"/>
+                <a:buFont typeface="Arial"/>
+                <a:buNone/>
+              </a:pPr>
+              <a:r>
+                <a:rPr lang="en-US" sz="1200" b="0" i="0" u="none" strike="noStrike" cap="none">
+                  <a:solidFill>
+                    <a:srgbClr val="000000"/>
+                  </a:solidFill>
+                  <a:latin typeface="Arial"/>
+                  <a:ea typeface="Arial"/>
+                  <a:cs typeface="Arial"/>
+                  <a:sym typeface="Arial"/>
+                </a:rPr>
+                <a:t>Huang rep 1</a:t>
+              </a:r>
+              <a:endParaRPr sz="1200" b="0" i="0" u="none" strike="noStrike" cap="none">
+                <a:solidFill>
+                  <a:srgbClr val="000000"/>
+                </a:solidFill>
+                <a:latin typeface="Arial"/>
+                <a:ea typeface="Arial"/>
+                <a:cs typeface="Arial"/>
+                <a:sym typeface="Arial"/>
+              </a:endParaRPr>
+            </a:p>
+          </p:txBody>
+        </p:sp>
+        <p:sp>
+          <p:nvSpPr>
+            <p:cNvPr id="201" name="Google Shape;201;p4"/>
+            <p:cNvSpPr txBox="1"/>
+            <p:nvPr/>
+          </p:nvSpPr>
+          <p:spPr>
+            <a:xfrm rot="2650478">
+              <a:off x="2261267" y="3965006"/>
+              <a:ext cx="1662266" cy="383236"/>
+            </a:xfrm>
+            <a:prstGeom prst="rect">
+              <a:avLst/>
+            </a:prstGeom>
+            <a:noFill/>
+            <a:ln>
+              <a:noFill/>
+            </a:ln>
+          </p:spPr>
+          <p:txBody>
+            <a:bodyPr spcFirstLastPara="1" wrap="square" lIns="98325" tIns="98325" rIns="98325" bIns="98325" anchor="t" anchorCtr="0">
+              <a:spAutoFit/>
+            </a:bodyPr>
+            <a:lstStyle/>
+            <a:p>
+              <a:pPr marL="0" marR="0" lvl="0" indent="0" algn="l" rtl="0">
+                <a:lnSpc>
+                  <a:spcPct val="100000"/>
+                </a:lnSpc>
+                <a:spcBef>
+                  <a:spcPts val="0"/>
+                </a:spcBef>
+                <a:spcAft>
+                  <a:spcPts val="0"/>
+                </a:spcAft>
+                <a:buClr>
+                  <a:srgbClr val="000000"/>
+                </a:buClr>
+                <a:buSzPts val="1500"/>
+                <a:buFont typeface="Arial"/>
+                <a:buNone/>
+              </a:pPr>
+              <a:r>
+                <a:rPr lang="en-US" sz="1200" b="0" i="0" u="none" strike="noStrike" cap="none">
+                  <a:solidFill>
+                    <a:srgbClr val="000000"/>
+                  </a:solidFill>
+                  <a:latin typeface="Arial"/>
+                  <a:ea typeface="Arial"/>
+                  <a:cs typeface="Arial"/>
+                  <a:sym typeface="Arial"/>
+                </a:rPr>
+                <a:t>Huang rep 2</a:t>
+              </a:r>
+              <a:endParaRPr sz="1200" b="0" i="0" u="none" strike="noStrike" cap="none">
+                <a:solidFill>
+                  <a:srgbClr val="000000"/>
+                </a:solidFill>
+                <a:latin typeface="Arial"/>
+                <a:ea typeface="Arial"/>
+                <a:cs typeface="Arial"/>
+                <a:sym typeface="Arial"/>
+              </a:endParaRPr>
+            </a:p>
+          </p:txBody>
+        </p:sp>
+        <p:sp>
+          <p:nvSpPr>
+            <p:cNvPr id="202" name="Google Shape;202;p4"/>
+            <p:cNvSpPr txBox="1"/>
+            <p:nvPr/>
+          </p:nvSpPr>
+          <p:spPr>
+            <a:xfrm rot="2650478">
+              <a:off x="2584551" y="3948432"/>
+              <a:ext cx="1662266" cy="383236"/>
+            </a:xfrm>
+            <a:prstGeom prst="rect">
+              <a:avLst/>
+            </a:prstGeom>
+            <a:noFill/>
+            <a:ln>
+              <a:noFill/>
+            </a:ln>
+          </p:spPr>
+          <p:txBody>
+            <a:bodyPr spcFirstLastPara="1" wrap="square" lIns="98325" tIns="98325" rIns="98325" bIns="98325" anchor="t" anchorCtr="0">
+              <a:spAutoFit/>
+            </a:bodyPr>
+            <a:lstStyle/>
+            <a:p>
+              <a:pPr marL="0" marR="0" lvl="0" indent="0" algn="l" rtl="0">
+                <a:lnSpc>
+                  <a:spcPct val="100000"/>
+                </a:lnSpc>
+                <a:spcBef>
+                  <a:spcPts val="0"/>
+                </a:spcBef>
+                <a:spcAft>
+                  <a:spcPts val="0"/>
+                </a:spcAft>
+                <a:buClr>
+                  <a:srgbClr val="000000"/>
+                </a:buClr>
+                <a:buSzPts val="1500"/>
+                <a:buFont typeface="Arial"/>
+                <a:buNone/>
+              </a:pPr>
+              <a:r>
+                <a:rPr lang="en-US" sz="1200" b="0" i="0" u="none" strike="noStrike" cap="none">
+                  <a:solidFill>
+                    <a:srgbClr val="000000"/>
+                  </a:solidFill>
+                  <a:latin typeface="Arial"/>
+                  <a:ea typeface="Arial"/>
+                  <a:cs typeface="Arial"/>
+                  <a:sym typeface="Arial"/>
+                </a:rPr>
+                <a:t>Huang rep 3</a:t>
+              </a:r>
+              <a:endParaRPr sz="1200" b="0" i="0" u="none" strike="noStrike" cap="none">
+                <a:solidFill>
+                  <a:srgbClr val="000000"/>
+                </a:solidFill>
+                <a:latin typeface="Arial"/>
+                <a:ea typeface="Arial"/>
+                <a:cs typeface="Arial"/>
+                <a:sym typeface="Arial"/>
+              </a:endParaRPr>
+            </a:p>
+          </p:txBody>
+        </p:sp>
+        <p:sp>
+          <p:nvSpPr>
+            <p:cNvPr id="203" name="Google Shape;203;p4"/>
+            <p:cNvSpPr txBox="1"/>
+            <p:nvPr/>
+          </p:nvSpPr>
+          <p:spPr>
+            <a:xfrm rot="2650478">
+              <a:off x="2913054" y="3960864"/>
+              <a:ext cx="1662266" cy="383236"/>
+            </a:xfrm>
+            <a:prstGeom prst="rect">
+              <a:avLst/>
+            </a:prstGeom>
+            <a:noFill/>
+            <a:ln>
+              <a:noFill/>
+            </a:ln>
+          </p:spPr>
+          <p:txBody>
+            <a:bodyPr spcFirstLastPara="1" wrap="square" lIns="98325" tIns="98325" rIns="98325" bIns="98325" anchor="t" anchorCtr="0">
+              <a:spAutoFit/>
+            </a:bodyPr>
+            <a:lstStyle/>
+            <a:p>
+              <a:pPr marL="0" marR="0" lvl="0" indent="0" algn="l" rtl="0">
+                <a:lnSpc>
+                  <a:spcPct val="100000"/>
+                </a:lnSpc>
+                <a:spcBef>
+                  <a:spcPts val="0"/>
+                </a:spcBef>
+                <a:spcAft>
+                  <a:spcPts val="0"/>
+                </a:spcAft>
+                <a:buClr>
+                  <a:srgbClr val="000000"/>
+                </a:buClr>
+                <a:buSzPts val="1500"/>
+                <a:buFont typeface="Arial"/>
+                <a:buNone/>
+              </a:pPr>
+              <a:r>
+                <a:rPr lang="en-US" sz="1200" b="0" i="0" u="none" strike="noStrike" cap="none">
+                  <a:solidFill>
+                    <a:srgbClr val="000000"/>
+                  </a:solidFill>
+                  <a:latin typeface="Arial"/>
+                  <a:ea typeface="Arial"/>
+                  <a:cs typeface="Arial"/>
+                  <a:sym typeface="Arial"/>
+                </a:rPr>
+                <a:t>Huang rep 4</a:t>
+              </a:r>
+              <a:endParaRPr sz="1200" b="0" i="0" u="none" strike="noStrike" cap="none">
+                <a:solidFill>
+                  <a:srgbClr val="000000"/>
+                </a:solidFill>
+                <a:latin typeface="Arial"/>
+                <a:ea typeface="Arial"/>
+                <a:cs typeface="Arial"/>
+                <a:sym typeface="Arial"/>
+              </a:endParaRPr>
+            </a:p>
+          </p:txBody>
+        </p:sp>
+        <p:pic>
+          <p:nvPicPr>
+            <p:cNvPr id="204" name="Google Shape;204;p4"/>
+            <p:cNvPicPr preferRelativeResize="0"/>
+            <p:nvPr/>
+          </p:nvPicPr>
+          <p:blipFill rotWithShape="1">
+            <a:blip r:embed="rId3">
+              <a:alphaModFix/>
+            </a:blip>
+            <a:srcRect l="86498" t="4711" r="7542" b="85537"/>
+            <a:stretch/>
+          </p:blipFill>
+          <p:spPr>
+            <a:xfrm>
+              <a:off x="3485484" y="333465"/>
+              <a:ext cx="523336" cy="566057"/>
+            </a:xfrm>
+            <a:prstGeom prst="rect">
+              <a:avLst/>
+            </a:prstGeom>
+            <a:noFill/>
+            <a:ln>
+              <a:noFill/>
+            </a:ln>
+          </p:spPr>
+        </p:pic>
+        <p:graphicFrame>
+          <p:nvGraphicFramePr>
+            <p:cNvPr id="205" name="Google Shape;205;p4"/>
+            <p:cNvGraphicFramePr/>
+            <p:nvPr>
+              <p:extLst>
+                <p:ext uri="{D42A27DB-BD31-4B8C-83A1-F6EECF244321}">
+                  <p14:modId xmlns:p14="http://schemas.microsoft.com/office/powerpoint/2010/main" val="3751938806"/>
+                </p:ext>
+              </p:extLst>
+            </p:nvPr>
+          </p:nvGraphicFramePr>
+          <p:xfrm>
+            <a:off x="3880788" y="333464"/>
+            <a:ext cx="1349825" cy="609950"/>
+          </p:xfrm>
+          <a:graphic>
+            <a:graphicData uri="http://schemas.openxmlformats.org/drawingml/2006/table">
+              <a:tbl>
+                <a:tblPr firstRow="1" bandRow="1">
+                  <a:noFill/>
+                  <a:tableStyleId>{E9FD7C67-69E2-4F98-B4B9-59FC14F76E0F}</a:tableStyleId>
+                </a:tblPr>
+                <a:tblGrid>
+                  <a:gridCol w="1349825">
+                    <a:extLst>
+                      <a:ext uri="{9D8B030D-6E8A-4147-A177-3AD203B41FA5}">
+                        <a16:colId xmlns:a16="http://schemas.microsoft.com/office/drawing/2014/main" val="20000"/>
+                      </a:ext>
+                    </a:extLst>
+                  </a:gridCol>
+                </a:tblGrid>
+                <a:tr h="304975">
+                  <a:tc>
+                    <a:txBody>
+                      <a:bodyPr/>
+                      <a:lstStyle/>
+                      <a:p>
+                        <a:pPr marL="0" marR="0" lvl="0" indent="0" algn="l" rtl="0">
+                          <a:lnSpc>
+                            <a:spcPct val="57142"/>
+                          </a:lnSpc>
+                          <a:spcBef>
+                            <a:spcPts val="0"/>
+                          </a:spcBef>
+                          <a:spcAft>
+                            <a:spcPts val="0"/>
+                          </a:spcAft>
+                          <a:buClr>
+                            <a:srgbClr val="000000"/>
+                          </a:buClr>
+                          <a:buSzPts val="1400"/>
+                          <a:buFont typeface="Arial"/>
+                          <a:buNone/>
+                        </a:pPr>
+                        <a:r>
+                          <a:rPr lang="en-US" sz="1400" u="none" strike="noStrike" cap="none" dirty="0">
+                            <a:latin typeface="Arial"/>
+                            <a:ea typeface="Arial"/>
+                            <a:cs typeface="Arial"/>
+                            <a:sym typeface="Arial"/>
+                          </a:rPr>
+                          <a:t>S/N ≥ 0.9</a:t>
+                        </a:r>
+                        <a:endParaRPr sz="1400" u="none" strike="noStrike" cap="none" dirty="0"/>
+                      </a:p>
+                    </a:txBody>
+                    <a:tcPr marL="91450" marR="91450" marT="45725" marB="45725" anchor="ctr"/>
+                  </a:tc>
+                  <a:extLst>
+                    <a:ext uri="{0D108BD9-81ED-4DB2-BD59-A6C34878D82A}">
+                      <a16:rowId xmlns:a16="http://schemas.microsoft.com/office/drawing/2014/main" val="10000"/>
+                    </a:ext>
+                  </a:extLst>
+                </a:tr>
+                <a:tr h="304975">
+                  <a:tc>
+                    <a:txBody>
+                      <a:bodyPr/>
+                      <a:lstStyle/>
+                      <a:p>
+                        <a:pPr marL="0" marR="0" lvl="0" indent="0" algn="l" rtl="0">
+                          <a:lnSpc>
+                            <a:spcPct val="57142"/>
+                          </a:lnSpc>
+                          <a:spcBef>
+                            <a:spcPts val="0"/>
+                          </a:spcBef>
+                          <a:spcAft>
+                            <a:spcPts val="0"/>
+                          </a:spcAft>
+                          <a:buClr>
+                            <a:srgbClr val="000000"/>
+                          </a:buClr>
+                          <a:buSzPts val="1400"/>
+                          <a:buFont typeface="Arial"/>
+                          <a:buNone/>
+                        </a:pPr>
+                        <a:r>
+                          <a:rPr lang="en-US" sz="1400" u="none" strike="noStrike" cap="none" dirty="0">
+                            <a:latin typeface="Arial"/>
+                            <a:ea typeface="Arial"/>
+                            <a:cs typeface="Arial"/>
+                            <a:sym typeface="Arial"/>
+                          </a:rPr>
+                          <a:t>S/N &lt; 0.9</a:t>
+                        </a:r>
+                        <a:endParaRPr sz="1400" u="none" strike="noStrike" cap="none" dirty="0"/>
+                      </a:p>
+                    </a:txBody>
+                    <a:tcPr marL="91450" marR="91450" marT="45725" marB="45725" anchor="ctr"/>
+                  </a:tc>
+                  <a:extLst>
+                    <a:ext uri="{0D108BD9-81ED-4DB2-BD59-A6C34878D82A}">
+                      <a16:rowId xmlns:a16="http://schemas.microsoft.com/office/drawing/2014/main" val="10001"/>
+                    </a:ext>
+                  </a:extLst>
+                </a:tr>
+              </a:tbl>
+            </a:graphicData>
+          </a:graphic>
+        </p:graphicFrame>
+        <p:sp>
+          <p:nvSpPr>
+            <p:cNvPr id="206" name="Google Shape;206;p4"/>
+            <p:cNvSpPr txBox="1"/>
+            <p:nvPr/>
+          </p:nvSpPr>
+          <p:spPr>
+            <a:xfrm>
+              <a:off x="65704" y="25665"/>
+              <a:ext cx="1877400" cy="307800"/>
+            </a:xfrm>
+            <a:prstGeom prst="rect">
+              <a:avLst/>
+            </a:prstGeom>
+            <a:noFill/>
+            <a:ln>
+              <a:noFill/>
+            </a:ln>
+          </p:spPr>
+          <p:txBody>
+            <a:bodyPr spcFirstLastPara="1" wrap="square" lIns="91425" tIns="45700" rIns="91425" bIns="45700" anchor="t" anchorCtr="0">
+              <a:spAutoFit/>
+            </a:bodyPr>
+            <a:lstStyle/>
+            <a:p>
+              <a:pPr marL="0" marR="0" lvl="0" indent="0" algn="l" rtl="0">
+                <a:lnSpc>
+                  <a:spcPct val="100000"/>
+                </a:lnSpc>
+                <a:spcBef>
+                  <a:spcPts val="0"/>
+                </a:spcBef>
+                <a:spcAft>
+                  <a:spcPts val="0"/>
+                </a:spcAft>
+                <a:buClr>
+                  <a:srgbClr val="000000"/>
+                </a:buClr>
+                <a:buSzPts val="1400"/>
+                <a:buFont typeface="Arial"/>
+                <a:buNone/>
+              </a:pPr>
+              <a:r>
+                <a:rPr lang="en-US" sz="1400" b="1" i="0" u="none" strike="noStrike" cap="none" dirty="0">
+                  <a:solidFill>
+                    <a:srgbClr val="000000"/>
+                  </a:solidFill>
+                  <a:latin typeface="Arial"/>
+                  <a:ea typeface="Arial"/>
+                  <a:cs typeface="Arial"/>
+                  <a:sym typeface="Arial"/>
+                </a:rPr>
+                <a:t>A</a:t>
+              </a:r>
+              <a:endParaRPr sz="1400" b="1" i="0" u="none" strike="noStrike" cap="none" dirty="0">
+                <a:solidFill>
+                  <a:srgbClr val="000000"/>
+                </a:solidFill>
+                <a:latin typeface="Arial"/>
+                <a:ea typeface="Arial"/>
+                <a:cs typeface="Arial"/>
+                <a:sym typeface="Arial"/>
+              </a:endParaRPr>
+            </a:p>
+          </p:txBody>
+        </p:sp>
+        <p:sp>
+          <p:nvSpPr>
+            <p:cNvPr id="221" name="Google Shape;221;p4"/>
+            <p:cNvSpPr txBox="1"/>
+            <p:nvPr/>
+          </p:nvSpPr>
+          <p:spPr>
+            <a:xfrm rot="-5400000">
+              <a:off x="-585568" y="1771481"/>
+              <a:ext cx="1661687" cy="338514"/>
+            </a:xfrm>
+            <a:prstGeom prst="rect">
+              <a:avLst/>
+            </a:prstGeom>
+            <a:noFill/>
+            <a:ln>
+              <a:noFill/>
+            </a:ln>
+          </p:spPr>
+          <p:txBody>
+            <a:bodyPr spcFirstLastPara="1" wrap="square" lIns="91425" tIns="45700" rIns="91425" bIns="45700" anchor="t" anchorCtr="0">
+              <a:spAutoFit/>
             </a:bodyPr>
             <a:lstStyle/>
             <a:p>
@@ -16183,27 +15193,27 @@
                 <a:buClr>
                   <a:srgbClr val="000000"/>
                 </a:buClr>
-                <a:buSzPts val="1800"/>
+                <a:buSzPts val="2000"/>
                 <a:buFont typeface="Arial"/>
                 <a:buNone/>
               </a:pPr>
               <a:r>
-                <a:rPr lang="en" sz="1600" b="0" i="0" u="none" strike="noStrike" cap="none" dirty="0">
+                <a:rPr lang="en-US" sz="1600" b="0" i="0" u="none" strike="noStrike" cap="none" dirty="0">
                   <a:solidFill>
                     <a:schemeClr val="dk1"/>
                   </a:solidFill>
-                  <a:latin typeface="+mj-lt"/>
-                  <a:ea typeface="Calibri"/>
-                  <a:cs typeface="Calibri"/>
-                  <a:sym typeface="Calibri"/>
+                  <a:latin typeface="Arial"/>
+                  <a:ea typeface="Arial"/>
+                  <a:cs typeface="Arial"/>
+                  <a:sym typeface="Arial"/>
                 </a:rPr>
-                <a:t>MT-A</a:t>
+                <a:t>Proportion</a:t>
               </a:r>
-              <a:endParaRPr sz="1600" b="0" i="0" u="none" strike="noStrike" cap="none" dirty="0">
+              <a:endParaRPr sz="1200" b="0" i="0" u="none" strike="noStrike" cap="none" dirty="0">
                 <a:solidFill>
                   <a:srgbClr val="000000"/>
                 </a:solidFill>
-                <a:latin typeface="+mj-lt"/>
+                <a:latin typeface="Arial"/>
                 <a:ea typeface="Arial"/>
                 <a:cs typeface="Arial"/>
                 <a:sym typeface="Arial"/>
@@ -16211,22 +15221,70 @@
             </a:p>
           </p:txBody>
         </p:sp>
-        <p:sp>
-          <p:nvSpPr>
-            <p:cNvPr id="5" name="Google Shape;153;p1">
+        <p:pic>
+          <p:nvPicPr>
+            <p:cNvPr id="36" name="Google Shape;191;p4">
               <a:extLst>
                 <a:ext uri="{FF2B5EF4-FFF2-40B4-BE49-F238E27FC236}">
-                  <a16:creationId xmlns:a16="http://schemas.microsoft.com/office/drawing/2014/main" id="{67730790-E2D5-4754-81AE-485562D8A1A6}"/>
+                  <a16:creationId xmlns:a16="http://schemas.microsoft.com/office/drawing/2014/main" id="{C72053BB-0F33-4F66-AA83-6C7E929DABD7}"/>
                 </a:ext>
               </a:extLst>
             </p:cNvPr>
+            <p:cNvPicPr preferRelativeResize="0"/>
+            <p:nvPr/>
+          </p:nvPicPr>
+          <p:blipFill rotWithShape="1">
+            <a:blip r:embed="rId3">
+              <a:alphaModFix/>
+            </a:blip>
+            <a:srcRect l="56221" r="16495" b="6589"/>
+            <a:stretch/>
+          </p:blipFill>
+          <p:spPr>
+            <a:xfrm>
+              <a:off x="2072643" y="241150"/>
+              <a:ext cx="1459269" cy="3301338"/>
+            </a:xfrm>
+            <a:prstGeom prst="rect">
+              <a:avLst/>
+            </a:prstGeom>
+            <a:noFill/>
+            <a:ln>
+              <a:noFill/>
+            </a:ln>
+          </p:spPr>
+        </p:pic>
+      </p:grpSp>
+      <p:grpSp>
+        <p:nvGrpSpPr>
+          <p:cNvPr id="4" name="Group 3">
+            <a:extLst>
+              <a:ext uri="{FF2B5EF4-FFF2-40B4-BE49-F238E27FC236}">
+                <a16:creationId xmlns:a16="http://schemas.microsoft.com/office/drawing/2014/main" id="{B09A135E-6706-44DF-95D6-75DD8C601757}"/>
+              </a:ext>
+            </a:extLst>
+          </p:cNvPr>
+          <p:cNvGrpSpPr/>
+          <p:nvPr/>
+        </p:nvGrpSpPr>
+        <p:grpSpPr>
+          <a:xfrm>
+            <a:off x="5844615" y="162931"/>
+            <a:ext cx="4600896" cy="4322057"/>
+            <a:chOff x="6571950" y="25665"/>
+            <a:chExt cx="4600896" cy="4322057"/>
+          </a:xfrm>
+        </p:grpSpPr>
+        <p:sp>
+          <p:nvSpPr>
+            <p:cNvPr id="208" name="Google Shape;208;p4"/>
             <p:cNvSpPr txBox="1"/>
             <p:nvPr/>
           </p:nvSpPr>
           <p:spPr>
-            <a:xfrm>
-              <a:off x="6560093" y="724481"/>
-              <a:ext cx="1278594" cy="356832"/>
+            <a:xfrm rot="2650478">
+              <a:off x="7629068" y="3587038"/>
+              <a:ext cx="666571" cy="383236"/>
             </a:xfrm>
             <a:prstGeom prst="rect">
               <a:avLst/>
@@ -16237,8 +15295,602 @@
             </a:ln>
           </p:spPr>
           <p:txBody>
-            <a:bodyPr spcFirstLastPara="1" wrap="square" lIns="68550" tIns="34275" rIns="68550" bIns="34275" anchor="t" anchorCtr="0">
-              <a:noAutofit/>
+            <a:bodyPr spcFirstLastPara="1" wrap="square" lIns="98325" tIns="98325" rIns="98325" bIns="98325" anchor="t" anchorCtr="0">
+              <a:spAutoFit/>
+            </a:bodyPr>
+            <a:lstStyle/>
+            <a:p>
+              <a:pPr marL="0" marR="0" lvl="0" indent="0" algn="l" rtl="0">
+                <a:lnSpc>
+                  <a:spcPct val="100000"/>
+                </a:lnSpc>
+                <a:spcBef>
+                  <a:spcPts val="0"/>
+                </a:spcBef>
+                <a:spcAft>
+                  <a:spcPts val="0"/>
+                </a:spcAft>
+                <a:buClr>
+                  <a:srgbClr val="000000"/>
+                </a:buClr>
+                <a:buSzPts val="1500"/>
+                <a:buFont typeface="Arial"/>
+                <a:buNone/>
+              </a:pPr>
+              <a:r>
+                <a:rPr lang="en-US" sz="1200" b="0" i="0" u="none" strike="noStrike" cap="none">
+                  <a:solidFill>
+                    <a:srgbClr val="000000"/>
+                  </a:solidFill>
+                  <a:latin typeface="Arial"/>
+                  <a:ea typeface="Arial"/>
+                  <a:cs typeface="Arial"/>
+                  <a:sym typeface="Arial"/>
+                </a:rPr>
+                <a:t>MT-B</a:t>
+              </a:r>
+              <a:endParaRPr sz="1200" b="0" i="0" u="none" strike="noStrike" cap="none">
+                <a:solidFill>
+                  <a:srgbClr val="000000"/>
+                </a:solidFill>
+                <a:latin typeface="Arial"/>
+                <a:ea typeface="Arial"/>
+                <a:cs typeface="Arial"/>
+                <a:sym typeface="Arial"/>
+              </a:endParaRPr>
+            </a:p>
+          </p:txBody>
+        </p:sp>
+        <p:sp>
+          <p:nvSpPr>
+            <p:cNvPr id="209" name="Google Shape;209;p4"/>
+            <p:cNvSpPr txBox="1"/>
+            <p:nvPr/>
+          </p:nvSpPr>
+          <p:spPr>
+            <a:xfrm rot="2650478">
+              <a:off x="7296910" y="3588906"/>
+              <a:ext cx="666571" cy="383236"/>
+            </a:xfrm>
+            <a:prstGeom prst="rect">
+              <a:avLst/>
+            </a:prstGeom>
+            <a:noFill/>
+            <a:ln>
+              <a:noFill/>
+            </a:ln>
+          </p:spPr>
+          <p:txBody>
+            <a:bodyPr spcFirstLastPara="1" wrap="square" lIns="98325" tIns="98325" rIns="98325" bIns="98325" anchor="t" anchorCtr="0">
+              <a:spAutoFit/>
+            </a:bodyPr>
+            <a:lstStyle/>
+            <a:p>
+              <a:pPr marL="0" marR="0" lvl="0" indent="0" algn="l" rtl="0">
+                <a:lnSpc>
+                  <a:spcPct val="100000"/>
+                </a:lnSpc>
+                <a:spcBef>
+                  <a:spcPts val="0"/>
+                </a:spcBef>
+                <a:spcAft>
+                  <a:spcPts val="0"/>
+                </a:spcAft>
+                <a:buClr>
+                  <a:srgbClr val="000000"/>
+                </a:buClr>
+                <a:buSzPts val="1500"/>
+                <a:buFont typeface="Arial"/>
+                <a:buNone/>
+              </a:pPr>
+              <a:r>
+                <a:rPr lang="en-US" sz="1200" b="0" i="0" u="none" strike="noStrike" cap="none">
+                  <a:solidFill>
+                    <a:srgbClr val="000000"/>
+                  </a:solidFill>
+                  <a:latin typeface="Arial"/>
+                  <a:ea typeface="Arial"/>
+                  <a:cs typeface="Arial"/>
+                  <a:sym typeface="Arial"/>
+                </a:rPr>
+                <a:t>MT-A</a:t>
+              </a:r>
+              <a:endParaRPr sz="1200" b="0" i="0" u="none" strike="noStrike" cap="none">
+                <a:solidFill>
+                  <a:srgbClr val="000000"/>
+                </a:solidFill>
+                <a:latin typeface="Arial"/>
+                <a:ea typeface="Arial"/>
+                <a:cs typeface="Arial"/>
+                <a:sym typeface="Arial"/>
+              </a:endParaRPr>
+            </a:p>
+          </p:txBody>
+        </p:sp>
+        <p:sp>
+          <p:nvSpPr>
+            <p:cNvPr id="210" name="Google Shape;210;p4"/>
+            <p:cNvSpPr txBox="1"/>
+            <p:nvPr/>
+          </p:nvSpPr>
+          <p:spPr>
+            <a:xfrm rot="2650478">
+              <a:off x="8310582" y="3587037"/>
+              <a:ext cx="666571" cy="383236"/>
+            </a:xfrm>
+            <a:prstGeom prst="rect">
+              <a:avLst/>
+            </a:prstGeom>
+            <a:noFill/>
+            <a:ln>
+              <a:noFill/>
+            </a:ln>
+          </p:spPr>
+          <p:txBody>
+            <a:bodyPr spcFirstLastPara="1" wrap="square" lIns="98325" tIns="98325" rIns="98325" bIns="98325" anchor="t" anchorCtr="0">
+              <a:spAutoFit/>
+            </a:bodyPr>
+            <a:lstStyle/>
+            <a:p>
+              <a:pPr marL="0" marR="0" lvl="0" indent="0" algn="l" rtl="0">
+                <a:lnSpc>
+                  <a:spcPct val="100000"/>
+                </a:lnSpc>
+                <a:spcBef>
+                  <a:spcPts val="0"/>
+                </a:spcBef>
+                <a:spcAft>
+                  <a:spcPts val="0"/>
+                </a:spcAft>
+                <a:buClr>
+                  <a:srgbClr val="000000"/>
+                </a:buClr>
+                <a:buSzPts val="1500"/>
+                <a:buFont typeface="Arial"/>
+                <a:buNone/>
+              </a:pPr>
+              <a:r>
+                <a:rPr lang="en-US" sz="1200" b="0" i="0" u="none" strike="noStrike" cap="none">
+                  <a:solidFill>
+                    <a:srgbClr val="000000"/>
+                  </a:solidFill>
+                  <a:latin typeface="Arial"/>
+                  <a:ea typeface="Arial"/>
+                  <a:cs typeface="Arial"/>
+                  <a:sym typeface="Arial"/>
+                </a:rPr>
+                <a:t>MT-D</a:t>
+              </a:r>
+              <a:endParaRPr sz="1200" b="0" i="0" u="none" strike="noStrike" cap="none">
+                <a:solidFill>
+                  <a:srgbClr val="000000"/>
+                </a:solidFill>
+                <a:latin typeface="Arial"/>
+                <a:ea typeface="Arial"/>
+                <a:cs typeface="Arial"/>
+                <a:sym typeface="Arial"/>
+              </a:endParaRPr>
+            </a:p>
+          </p:txBody>
+        </p:sp>
+        <p:sp>
+          <p:nvSpPr>
+            <p:cNvPr id="211" name="Google Shape;211;p4"/>
+            <p:cNvSpPr txBox="1"/>
+            <p:nvPr/>
+          </p:nvSpPr>
+          <p:spPr>
+            <a:xfrm rot="2650478">
+              <a:off x="7949616" y="3588908"/>
+              <a:ext cx="666571" cy="383236"/>
+            </a:xfrm>
+            <a:prstGeom prst="rect">
+              <a:avLst/>
+            </a:prstGeom>
+            <a:noFill/>
+            <a:ln>
+              <a:noFill/>
+            </a:ln>
+          </p:spPr>
+          <p:txBody>
+            <a:bodyPr spcFirstLastPara="1" wrap="square" lIns="98325" tIns="98325" rIns="98325" bIns="98325" anchor="t" anchorCtr="0">
+              <a:spAutoFit/>
+            </a:bodyPr>
+            <a:lstStyle/>
+            <a:p>
+              <a:pPr marL="0" marR="0" lvl="0" indent="0" algn="l" rtl="0">
+                <a:lnSpc>
+                  <a:spcPct val="100000"/>
+                </a:lnSpc>
+                <a:spcBef>
+                  <a:spcPts val="0"/>
+                </a:spcBef>
+                <a:spcAft>
+                  <a:spcPts val="0"/>
+                </a:spcAft>
+                <a:buClr>
+                  <a:srgbClr val="000000"/>
+                </a:buClr>
+                <a:buSzPts val="1500"/>
+                <a:buFont typeface="Arial"/>
+                <a:buNone/>
+              </a:pPr>
+              <a:r>
+                <a:rPr lang="en-US" sz="1200" b="0" i="0" u="none" strike="noStrike" cap="none">
+                  <a:solidFill>
+                    <a:srgbClr val="000000"/>
+                  </a:solidFill>
+                  <a:latin typeface="Arial"/>
+                  <a:ea typeface="Arial"/>
+                  <a:cs typeface="Arial"/>
+                  <a:sym typeface="Arial"/>
+                </a:rPr>
+                <a:t>MT-C</a:t>
+              </a:r>
+              <a:endParaRPr sz="1200" b="0" i="0" u="none" strike="noStrike" cap="none">
+                <a:solidFill>
+                  <a:srgbClr val="000000"/>
+                </a:solidFill>
+                <a:latin typeface="Arial"/>
+                <a:ea typeface="Arial"/>
+                <a:cs typeface="Arial"/>
+                <a:sym typeface="Arial"/>
+              </a:endParaRPr>
+            </a:p>
+          </p:txBody>
+        </p:sp>
+        <p:sp>
+          <p:nvSpPr>
+            <p:cNvPr id="216" name="Google Shape;216;p4"/>
+            <p:cNvSpPr txBox="1"/>
+            <p:nvPr/>
+          </p:nvSpPr>
+          <p:spPr>
+            <a:xfrm rot="2650478">
+              <a:off x="8501958" y="3947912"/>
+              <a:ext cx="1662266" cy="383236"/>
+            </a:xfrm>
+            <a:prstGeom prst="rect">
+              <a:avLst/>
+            </a:prstGeom>
+            <a:noFill/>
+            <a:ln>
+              <a:noFill/>
+            </a:ln>
+          </p:spPr>
+          <p:txBody>
+            <a:bodyPr spcFirstLastPara="1" wrap="square" lIns="98325" tIns="98325" rIns="98325" bIns="98325" anchor="t" anchorCtr="0">
+              <a:spAutoFit/>
+            </a:bodyPr>
+            <a:lstStyle/>
+            <a:p>
+              <a:pPr marL="0" marR="0" lvl="0" indent="0" algn="l" rtl="0">
+                <a:lnSpc>
+                  <a:spcPct val="100000"/>
+                </a:lnSpc>
+                <a:spcBef>
+                  <a:spcPts val="0"/>
+                </a:spcBef>
+                <a:spcAft>
+                  <a:spcPts val="0"/>
+                </a:spcAft>
+                <a:buClr>
+                  <a:srgbClr val="000000"/>
+                </a:buClr>
+                <a:buSzPts val="1500"/>
+                <a:buFont typeface="Arial"/>
+                <a:buNone/>
+              </a:pPr>
+              <a:r>
+                <a:rPr lang="en-US" sz="1200" b="0" i="0" u="none" strike="noStrike" cap="none">
+                  <a:solidFill>
+                    <a:srgbClr val="000000"/>
+                  </a:solidFill>
+                  <a:latin typeface="Arial"/>
+                  <a:ea typeface="Arial"/>
+                  <a:cs typeface="Arial"/>
+                  <a:sym typeface="Arial"/>
+                </a:rPr>
+                <a:t>Huang rep 1</a:t>
+              </a:r>
+              <a:endParaRPr sz="1200" b="0" i="0" u="none" strike="noStrike" cap="none">
+                <a:solidFill>
+                  <a:srgbClr val="000000"/>
+                </a:solidFill>
+                <a:latin typeface="Arial"/>
+                <a:ea typeface="Arial"/>
+                <a:cs typeface="Arial"/>
+                <a:sym typeface="Arial"/>
+              </a:endParaRPr>
+            </a:p>
+          </p:txBody>
+        </p:sp>
+        <p:sp>
+          <p:nvSpPr>
+            <p:cNvPr id="217" name="Google Shape;217;p4"/>
+            <p:cNvSpPr txBox="1"/>
+            <p:nvPr/>
+          </p:nvSpPr>
+          <p:spPr>
+            <a:xfrm rot="2650478">
+              <a:off x="8848341" y="3956199"/>
+              <a:ext cx="1662266" cy="383236"/>
+            </a:xfrm>
+            <a:prstGeom prst="rect">
+              <a:avLst/>
+            </a:prstGeom>
+            <a:noFill/>
+            <a:ln>
+              <a:noFill/>
+            </a:ln>
+          </p:spPr>
+          <p:txBody>
+            <a:bodyPr spcFirstLastPara="1" wrap="square" lIns="98325" tIns="98325" rIns="98325" bIns="98325" anchor="t" anchorCtr="0">
+              <a:spAutoFit/>
+            </a:bodyPr>
+            <a:lstStyle/>
+            <a:p>
+              <a:pPr marL="0" marR="0" lvl="0" indent="0" algn="l" rtl="0">
+                <a:lnSpc>
+                  <a:spcPct val="100000"/>
+                </a:lnSpc>
+                <a:spcBef>
+                  <a:spcPts val="0"/>
+                </a:spcBef>
+                <a:spcAft>
+                  <a:spcPts val="0"/>
+                </a:spcAft>
+                <a:buClr>
+                  <a:srgbClr val="000000"/>
+                </a:buClr>
+                <a:buSzPts val="1500"/>
+                <a:buFont typeface="Arial"/>
+                <a:buNone/>
+              </a:pPr>
+              <a:r>
+                <a:rPr lang="en-US" sz="1200" b="0" i="0" u="none" strike="noStrike" cap="none">
+                  <a:solidFill>
+                    <a:srgbClr val="000000"/>
+                  </a:solidFill>
+                  <a:latin typeface="Arial"/>
+                  <a:ea typeface="Arial"/>
+                  <a:cs typeface="Arial"/>
+                  <a:sym typeface="Arial"/>
+                </a:rPr>
+                <a:t>Huang rep 2</a:t>
+              </a:r>
+              <a:endParaRPr sz="1200" b="0" i="0" u="none" strike="noStrike" cap="none">
+                <a:solidFill>
+                  <a:srgbClr val="000000"/>
+                </a:solidFill>
+                <a:latin typeface="Arial"/>
+                <a:ea typeface="Arial"/>
+                <a:cs typeface="Arial"/>
+                <a:sym typeface="Arial"/>
+              </a:endParaRPr>
+            </a:p>
+          </p:txBody>
+        </p:sp>
+        <p:sp>
+          <p:nvSpPr>
+            <p:cNvPr id="218" name="Google Shape;218;p4"/>
+            <p:cNvSpPr txBox="1"/>
+            <p:nvPr/>
+          </p:nvSpPr>
+          <p:spPr>
+            <a:xfrm rot="2650478">
+              <a:off x="9171625" y="3939625"/>
+              <a:ext cx="1662266" cy="383236"/>
+            </a:xfrm>
+            <a:prstGeom prst="rect">
+              <a:avLst/>
+            </a:prstGeom>
+            <a:noFill/>
+            <a:ln>
+              <a:noFill/>
+            </a:ln>
+          </p:spPr>
+          <p:txBody>
+            <a:bodyPr spcFirstLastPara="1" wrap="square" lIns="98325" tIns="98325" rIns="98325" bIns="98325" anchor="t" anchorCtr="0">
+              <a:spAutoFit/>
+            </a:bodyPr>
+            <a:lstStyle/>
+            <a:p>
+              <a:pPr marL="0" marR="0" lvl="0" indent="0" algn="l" rtl="0">
+                <a:lnSpc>
+                  <a:spcPct val="100000"/>
+                </a:lnSpc>
+                <a:spcBef>
+                  <a:spcPts val="0"/>
+                </a:spcBef>
+                <a:spcAft>
+                  <a:spcPts val="0"/>
+                </a:spcAft>
+                <a:buClr>
+                  <a:srgbClr val="000000"/>
+                </a:buClr>
+                <a:buSzPts val="1500"/>
+                <a:buFont typeface="Arial"/>
+                <a:buNone/>
+              </a:pPr>
+              <a:r>
+                <a:rPr lang="en-US" sz="1200" b="0" i="0" u="none" strike="noStrike" cap="none">
+                  <a:solidFill>
+                    <a:srgbClr val="000000"/>
+                  </a:solidFill>
+                  <a:latin typeface="Arial"/>
+                  <a:ea typeface="Arial"/>
+                  <a:cs typeface="Arial"/>
+                  <a:sym typeface="Arial"/>
+                </a:rPr>
+                <a:t>Huang rep 3</a:t>
+              </a:r>
+              <a:endParaRPr sz="1200" b="0" i="0" u="none" strike="noStrike" cap="none">
+                <a:solidFill>
+                  <a:srgbClr val="000000"/>
+                </a:solidFill>
+                <a:latin typeface="Arial"/>
+                <a:ea typeface="Arial"/>
+                <a:cs typeface="Arial"/>
+                <a:sym typeface="Arial"/>
+              </a:endParaRPr>
+            </a:p>
+          </p:txBody>
+        </p:sp>
+        <p:sp>
+          <p:nvSpPr>
+            <p:cNvPr id="219" name="Google Shape;219;p4"/>
+            <p:cNvSpPr txBox="1"/>
+            <p:nvPr/>
+          </p:nvSpPr>
+          <p:spPr>
+            <a:xfrm rot="2650478">
+              <a:off x="9510580" y="3964486"/>
+              <a:ext cx="1662266" cy="383236"/>
+            </a:xfrm>
+            <a:prstGeom prst="rect">
+              <a:avLst/>
+            </a:prstGeom>
+            <a:noFill/>
+            <a:ln>
+              <a:noFill/>
+            </a:ln>
+          </p:spPr>
+          <p:txBody>
+            <a:bodyPr spcFirstLastPara="1" wrap="square" lIns="98325" tIns="98325" rIns="98325" bIns="98325" anchor="t" anchorCtr="0">
+              <a:spAutoFit/>
+            </a:bodyPr>
+            <a:lstStyle/>
+            <a:p>
+              <a:pPr marL="0" marR="0" lvl="0" indent="0" algn="l" rtl="0">
+                <a:lnSpc>
+                  <a:spcPct val="100000"/>
+                </a:lnSpc>
+                <a:spcBef>
+                  <a:spcPts val="0"/>
+                </a:spcBef>
+                <a:spcAft>
+                  <a:spcPts val="0"/>
+                </a:spcAft>
+                <a:buClr>
+                  <a:srgbClr val="000000"/>
+                </a:buClr>
+                <a:buSzPts val="1500"/>
+                <a:buFont typeface="Arial"/>
+                <a:buNone/>
+              </a:pPr>
+              <a:r>
+                <a:rPr lang="en-US" sz="1200" b="0" i="0" u="none" strike="noStrike" cap="none">
+                  <a:solidFill>
+                    <a:srgbClr val="000000"/>
+                  </a:solidFill>
+                  <a:latin typeface="Arial"/>
+                  <a:ea typeface="Arial"/>
+                  <a:cs typeface="Arial"/>
+                  <a:sym typeface="Arial"/>
+                </a:rPr>
+                <a:t>Huang rep 4</a:t>
+              </a:r>
+              <a:endParaRPr sz="1200" b="0" i="0" u="none" strike="noStrike" cap="none">
+                <a:solidFill>
+                  <a:srgbClr val="000000"/>
+                </a:solidFill>
+                <a:latin typeface="Arial"/>
+                <a:ea typeface="Arial"/>
+                <a:cs typeface="Arial"/>
+                <a:sym typeface="Arial"/>
+              </a:endParaRPr>
+            </a:p>
+          </p:txBody>
+        </p:sp>
+        <p:sp>
+          <p:nvSpPr>
+            <p:cNvPr id="220" name="Google Shape;220;p4"/>
+            <p:cNvSpPr txBox="1"/>
+            <p:nvPr/>
+          </p:nvSpPr>
+          <p:spPr>
+            <a:xfrm>
+              <a:off x="6587339" y="25665"/>
+              <a:ext cx="1877400" cy="307800"/>
+            </a:xfrm>
+            <a:prstGeom prst="rect">
+              <a:avLst/>
+            </a:prstGeom>
+            <a:noFill/>
+            <a:ln>
+              <a:noFill/>
+            </a:ln>
+          </p:spPr>
+          <p:txBody>
+            <a:bodyPr spcFirstLastPara="1" wrap="square" lIns="91425" tIns="45700" rIns="91425" bIns="45700" anchor="t" anchorCtr="0">
+              <a:spAutoFit/>
+            </a:bodyPr>
+            <a:lstStyle/>
+            <a:p>
+              <a:pPr marL="0" marR="0" lvl="0" indent="0" algn="l" rtl="0">
+                <a:lnSpc>
+                  <a:spcPct val="100000"/>
+                </a:lnSpc>
+                <a:spcBef>
+                  <a:spcPts val="0"/>
+                </a:spcBef>
+                <a:spcAft>
+                  <a:spcPts val="0"/>
+                </a:spcAft>
+                <a:buClr>
+                  <a:srgbClr val="000000"/>
+                </a:buClr>
+                <a:buSzPts val="1400"/>
+                <a:buFont typeface="Arial"/>
+                <a:buNone/>
+              </a:pPr>
+              <a:r>
+                <a:rPr lang="en-US" sz="1400" b="1" i="0" u="none" strike="noStrike" cap="none">
+                  <a:solidFill>
+                    <a:srgbClr val="000000"/>
+                  </a:solidFill>
+                  <a:latin typeface="Arial"/>
+                  <a:ea typeface="Arial"/>
+                  <a:cs typeface="Arial"/>
+                  <a:sym typeface="Arial"/>
+                </a:rPr>
+                <a:t>B</a:t>
+              </a:r>
+              <a:endParaRPr sz="1400" b="1" i="0" u="none" strike="noStrike" cap="none" dirty="0">
+                <a:solidFill>
+                  <a:srgbClr val="000000"/>
+                </a:solidFill>
+                <a:latin typeface="Arial"/>
+                <a:ea typeface="Arial"/>
+                <a:cs typeface="Arial"/>
+                <a:sym typeface="Arial"/>
+              </a:endParaRPr>
+            </a:p>
+          </p:txBody>
+        </p:sp>
+        <p:sp>
+          <p:nvSpPr>
+            <p:cNvPr id="222" name="Google Shape;222;p4"/>
+            <p:cNvSpPr txBox="1"/>
+            <p:nvPr/>
+          </p:nvSpPr>
+          <p:spPr>
+            <a:xfrm rot="-5400000">
+              <a:off x="5910363" y="1691800"/>
+              <a:ext cx="1661687" cy="338514"/>
+            </a:xfrm>
+            <a:prstGeom prst="rect">
+              <a:avLst/>
+            </a:prstGeom>
+            <a:noFill/>
+            <a:ln>
+              <a:noFill/>
+            </a:ln>
+          </p:spPr>
+          <p:txBody>
+            <a:bodyPr spcFirstLastPara="1" wrap="square" lIns="91425" tIns="45700" rIns="91425" bIns="45700" anchor="t" anchorCtr="0">
+              <a:spAutoFit/>
             </a:bodyPr>
             <a:lstStyle/>
             <a:p>
@@ -16255,27 +15907,27 @@
                 <a:buClr>
                   <a:srgbClr val="000000"/>
                 </a:buClr>
-                <a:buSzPts val="1800"/>
+                <a:buSzPts val="2000"/>
                 <a:buFont typeface="Arial"/>
                 <a:buNone/>
               </a:pPr>
               <a:r>
-                <a:rPr lang="en" sz="1600" b="0" i="0" u="none" strike="noStrike" cap="none" dirty="0">
+                <a:rPr lang="en-US" sz="1600" b="0" i="0" u="none" strike="noStrike" cap="none">
                   <a:solidFill>
                     <a:schemeClr val="dk1"/>
                   </a:solidFill>
-                  <a:latin typeface="+mj-lt"/>
-                  <a:ea typeface="Calibri"/>
-                  <a:cs typeface="Calibri"/>
-                  <a:sym typeface="Calibri"/>
+                  <a:latin typeface="Arial"/>
+                  <a:ea typeface="Arial"/>
+                  <a:cs typeface="Arial"/>
+                  <a:sym typeface="Arial"/>
                 </a:rPr>
-                <a:t>MT-B</a:t>
+                <a:t>Signal / Noise</a:t>
               </a:r>
-              <a:endParaRPr sz="1600" b="0" i="0" u="none" strike="noStrike" cap="none" dirty="0">
+              <a:endParaRPr sz="1200" b="0" i="0" u="none" strike="noStrike" cap="none">
                 <a:solidFill>
                   <a:srgbClr val="000000"/>
                 </a:solidFill>
-                <a:latin typeface="+mj-lt"/>
+                <a:latin typeface="Arial"/>
                 <a:ea typeface="Arial"/>
                 <a:cs typeface="Arial"/>
                 <a:sym typeface="Arial"/>
@@ -16283,342 +15935,12 @@
             </a:p>
           </p:txBody>
         </p:sp>
-        <p:sp>
-          <p:nvSpPr>
-            <p:cNvPr id="6" name="Google Shape;153;p1">
+        <p:grpSp>
+          <p:nvGrpSpPr>
+            <p:cNvPr id="2" name="Group 1">
               <a:extLst>
                 <a:ext uri="{FF2B5EF4-FFF2-40B4-BE49-F238E27FC236}">
-                  <a16:creationId xmlns:a16="http://schemas.microsoft.com/office/drawing/2014/main" id="{8BC25ACD-EEA3-4015-BF57-05518C49172B}"/>
-                </a:ext>
-              </a:extLst>
-            </p:cNvPr>
-            <p:cNvSpPr txBox="1"/>
-            <p:nvPr/>
-          </p:nvSpPr>
-          <p:spPr>
-            <a:xfrm>
-              <a:off x="7996749" y="724481"/>
-              <a:ext cx="1278594" cy="356832"/>
-            </a:xfrm>
-            <a:prstGeom prst="rect">
-              <a:avLst/>
-            </a:prstGeom>
-            <a:noFill/>
-            <a:ln>
-              <a:noFill/>
-            </a:ln>
-          </p:spPr>
-          <p:txBody>
-            <a:bodyPr spcFirstLastPara="1" wrap="square" lIns="68550" tIns="34275" rIns="68550" bIns="34275" anchor="t" anchorCtr="0">
-              <a:noAutofit/>
-            </a:bodyPr>
-            <a:lstStyle/>
-            <a:p>
-              <a:pPr marL="0" marR="0" lvl="0" indent="0" algn="ctr" rtl="0">
-                <a:lnSpc>
-                  <a:spcPct val="100000"/>
-                </a:lnSpc>
-                <a:spcBef>
-                  <a:spcPts val="0"/>
-                </a:spcBef>
-                <a:spcAft>
-                  <a:spcPts val="0"/>
-                </a:spcAft>
-                <a:buClr>
-                  <a:srgbClr val="000000"/>
-                </a:buClr>
-                <a:buSzPts val="1800"/>
-                <a:buFont typeface="Arial"/>
-                <a:buNone/>
-              </a:pPr>
-              <a:r>
-                <a:rPr lang="en" sz="1600" b="0" i="0" u="none" strike="noStrike" cap="none" dirty="0">
-                  <a:solidFill>
-                    <a:schemeClr val="dk1"/>
-                  </a:solidFill>
-                  <a:latin typeface="+mj-lt"/>
-                  <a:ea typeface="Calibri"/>
-                  <a:cs typeface="Calibri"/>
-                  <a:sym typeface="Calibri"/>
-                </a:rPr>
-                <a:t>MT-C</a:t>
-              </a:r>
-              <a:endParaRPr sz="1600" b="0" i="0" u="none" strike="noStrike" cap="none" dirty="0">
-                <a:solidFill>
-                  <a:srgbClr val="000000"/>
-                </a:solidFill>
-                <a:latin typeface="+mj-lt"/>
-                <a:ea typeface="Arial"/>
-                <a:cs typeface="Arial"/>
-                <a:sym typeface="Arial"/>
-              </a:endParaRPr>
-            </a:p>
-          </p:txBody>
-        </p:sp>
-        <p:sp>
-          <p:nvSpPr>
-            <p:cNvPr id="7" name="Google Shape;153;p1">
-              <a:extLst>
-                <a:ext uri="{FF2B5EF4-FFF2-40B4-BE49-F238E27FC236}">
-                  <a16:creationId xmlns:a16="http://schemas.microsoft.com/office/drawing/2014/main" id="{7AB121D7-BAAE-447C-B595-C93C71B0B0C9}"/>
-                </a:ext>
-              </a:extLst>
-            </p:cNvPr>
-            <p:cNvSpPr txBox="1"/>
-            <p:nvPr/>
-          </p:nvSpPr>
-          <p:spPr>
-            <a:xfrm>
-              <a:off x="9012579" y="1074761"/>
-              <a:ext cx="1278594" cy="356832"/>
-            </a:xfrm>
-            <a:prstGeom prst="rect">
-              <a:avLst/>
-            </a:prstGeom>
-            <a:noFill/>
-            <a:ln>
-              <a:noFill/>
-            </a:ln>
-          </p:spPr>
-          <p:txBody>
-            <a:bodyPr spcFirstLastPara="1" wrap="square" lIns="68550" tIns="34275" rIns="68550" bIns="34275" anchor="t" anchorCtr="0">
-              <a:noAutofit/>
-            </a:bodyPr>
-            <a:lstStyle/>
-            <a:p>
-              <a:pPr marL="0" marR="0" lvl="0" indent="0" algn="ctr" rtl="0">
-                <a:lnSpc>
-                  <a:spcPct val="100000"/>
-                </a:lnSpc>
-                <a:spcBef>
-                  <a:spcPts val="0"/>
-                </a:spcBef>
-                <a:spcAft>
-                  <a:spcPts val="0"/>
-                </a:spcAft>
-                <a:buClr>
-                  <a:srgbClr val="000000"/>
-                </a:buClr>
-                <a:buSzPts val="1800"/>
-                <a:buFont typeface="Arial"/>
-                <a:buNone/>
-              </a:pPr>
-              <a:r>
-                <a:rPr lang="en" sz="1600" b="0" i="0" u="none" strike="noStrike" cap="none" dirty="0">
-                  <a:solidFill>
-                    <a:schemeClr val="dk1"/>
-                  </a:solidFill>
-                  <a:latin typeface="+mj-lt"/>
-                  <a:ea typeface="Calibri"/>
-                  <a:cs typeface="Calibri"/>
-                  <a:sym typeface="Calibri"/>
-                </a:rPr>
-                <a:t>MT-D</a:t>
-              </a:r>
-              <a:endParaRPr sz="1600" b="0" i="0" u="none" strike="noStrike" cap="none" dirty="0">
-                <a:solidFill>
-                  <a:srgbClr val="000000"/>
-                </a:solidFill>
-                <a:latin typeface="+mj-lt"/>
-                <a:ea typeface="Arial"/>
-                <a:cs typeface="Arial"/>
-                <a:sym typeface="Arial"/>
-              </a:endParaRPr>
-            </a:p>
-          </p:txBody>
-        </p:sp>
-      </p:grpSp>
-      <p:sp>
-        <p:nvSpPr>
-          <p:cNvPr id="40" name="Google Shape;196;p1">
-            <a:extLst>
-              <a:ext uri="{FF2B5EF4-FFF2-40B4-BE49-F238E27FC236}">
-                <a16:creationId xmlns:a16="http://schemas.microsoft.com/office/drawing/2014/main" id="{79DA9A0A-92DB-44A1-9F29-5B675CF1F29C}"/>
-              </a:ext>
-            </a:extLst>
-          </p:cNvPr>
-          <p:cNvSpPr txBox="1"/>
-          <p:nvPr/>
-        </p:nvSpPr>
-        <p:spPr>
-          <a:xfrm>
-            <a:off x="214404" y="110205"/>
-            <a:ext cx="606600" cy="389386"/>
-          </a:xfrm>
-          <a:prstGeom prst="rect">
-            <a:avLst/>
-          </a:prstGeom>
-          <a:noFill/>
-          <a:ln>
-            <a:noFill/>
-          </a:ln>
-        </p:spPr>
-        <p:txBody>
-          <a:bodyPr spcFirstLastPara="1" wrap="square" lIns="111350" tIns="55650" rIns="111350" bIns="55650" anchor="t" anchorCtr="0">
-            <a:spAutoFit/>
-          </a:bodyPr>
-          <a:lstStyle/>
-          <a:p>
-            <a:pPr marL="0" marR="0" lvl="0" indent="0" algn="l" rtl="0">
-              <a:lnSpc>
-                <a:spcPct val="100000"/>
-              </a:lnSpc>
-              <a:spcBef>
-                <a:spcPts val="0"/>
-              </a:spcBef>
-              <a:spcAft>
-                <a:spcPts val="0"/>
-              </a:spcAft>
-              <a:buClr>
-                <a:srgbClr val="000000"/>
-              </a:buClr>
-              <a:buSzPts val="1700"/>
-              <a:buFont typeface="Arial"/>
-              <a:buNone/>
-            </a:pPr>
-            <a:r>
-              <a:rPr lang="en" sz="1800" b="1" dirty="0"/>
-              <a:t>A</a:t>
-            </a:r>
-            <a:endParaRPr sz="1800" b="0" i="0" u="none" strike="noStrike" cap="none" dirty="0">
-              <a:solidFill>
-                <a:srgbClr val="000000"/>
-              </a:solidFill>
-              <a:latin typeface="Arial"/>
-              <a:ea typeface="Arial"/>
-              <a:cs typeface="Arial"/>
-              <a:sym typeface="Arial"/>
-            </a:endParaRPr>
-          </a:p>
-        </p:txBody>
-      </p:sp>
-      <p:sp>
-        <p:nvSpPr>
-          <p:cNvPr id="41" name="Google Shape;196;p1">
-            <a:extLst>
-              <a:ext uri="{FF2B5EF4-FFF2-40B4-BE49-F238E27FC236}">
-                <a16:creationId xmlns:a16="http://schemas.microsoft.com/office/drawing/2014/main" id="{704DDDD8-27F7-4856-AA9A-EC62AA6F205A}"/>
-              </a:ext>
-            </a:extLst>
-          </p:cNvPr>
-          <p:cNvSpPr txBox="1"/>
-          <p:nvPr/>
-        </p:nvSpPr>
-        <p:spPr>
-          <a:xfrm>
-            <a:off x="214404" y="3355375"/>
-            <a:ext cx="606600" cy="389386"/>
-          </a:xfrm>
-          <a:prstGeom prst="rect">
-            <a:avLst/>
-          </a:prstGeom>
-          <a:noFill/>
-          <a:ln>
-            <a:noFill/>
-          </a:ln>
-        </p:spPr>
-        <p:txBody>
-          <a:bodyPr spcFirstLastPara="1" wrap="square" lIns="111350" tIns="55650" rIns="111350" bIns="55650" anchor="t" anchorCtr="0">
-            <a:spAutoFit/>
-          </a:bodyPr>
-          <a:lstStyle/>
-          <a:p>
-            <a:pPr marL="0" marR="0" lvl="0" indent="0" algn="l" rtl="0">
-              <a:lnSpc>
-                <a:spcPct val="100000"/>
-              </a:lnSpc>
-              <a:spcBef>
-                <a:spcPts val="0"/>
-              </a:spcBef>
-              <a:spcAft>
-                <a:spcPts val="0"/>
-              </a:spcAft>
-              <a:buClr>
-                <a:srgbClr val="000000"/>
-              </a:buClr>
-              <a:buSzPts val="1700"/>
-              <a:buFont typeface="Arial"/>
-              <a:buNone/>
-            </a:pPr>
-            <a:r>
-              <a:rPr lang="en-US" sz="1800" b="1" i="0" u="none" strike="noStrike" cap="none" dirty="0">
-                <a:solidFill>
-                  <a:srgbClr val="000000"/>
-                </a:solidFill>
-                <a:latin typeface="Arial"/>
-                <a:ea typeface="Arial"/>
-                <a:cs typeface="Arial"/>
-                <a:sym typeface="Arial"/>
-              </a:rPr>
-              <a:t>B</a:t>
-            </a:r>
-            <a:endParaRPr sz="1800" b="1" i="0" u="none" strike="noStrike" cap="none" dirty="0">
-              <a:solidFill>
-                <a:srgbClr val="000000"/>
-              </a:solidFill>
-              <a:latin typeface="Arial"/>
-              <a:ea typeface="Arial"/>
-              <a:cs typeface="Arial"/>
-              <a:sym typeface="Arial"/>
-            </a:endParaRPr>
-          </a:p>
-        </p:txBody>
-      </p:sp>
-      <p:grpSp>
-        <p:nvGrpSpPr>
-          <p:cNvPr id="59" name="Group 58">
-            <a:extLst>
-              <a:ext uri="{FF2B5EF4-FFF2-40B4-BE49-F238E27FC236}">
-                <a16:creationId xmlns:a16="http://schemas.microsoft.com/office/drawing/2014/main" id="{534ED753-E409-4484-9896-118F20FF6811}"/>
-              </a:ext>
-            </a:extLst>
-          </p:cNvPr>
-          <p:cNvGrpSpPr/>
-          <p:nvPr/>
-        </p:nvGrpSpPr>
-        <p:grpSpPr>
-          <a:xfrm>
-            <a:off x="7812577" y="3491473"/>
-            <a:ext cx="3622870" cy="3322835"/>
-            <a:chOff x="7812577" y="3491473"/>
-            <a:chExt cx="3622870" cy="3322835"/>
-          </a:xfrm>
-        </p:grpSpPr>
-        <p:pic>
-          <p:nvPicPr>
-            <p:cNvPr id="56" name="Picture 55" descr="Scatter chart&#10;&#10;Description automatically generated with medium confidence">
-              <a:extLst>
-                <a:ext uri="{FF2B5EF4-FFF2-40B4-BE49-F238E27FC236}">
-                  <a16:creationId xmlns:a16="http://schemas.microsoft.com/office/drawing/2014/main" id="{00F4D9A0-B0C4-4288-AF26-94B4C197D469}"/>
-                </a:ext>
-              </a:extLst>
-            </p:cNvPr>
-            <p:cNvPicPr>
-              <a:picLocks noChangeAspect="1"/>
-            </p:cNvPicPr>
-            <p:nvPr/>
-          </p:nvPicPr>
-          <p:blipFill rotWithShape="1">
-            <a:blip r:embed="rId2"/>
-            <a:srcRect l="8105" b="8438"/>
-            <a:stretch/>
-          </p:blipFill>
-          <p:spPr>
-            <a:xfrm>
-              <a:off x="8106182" y="3491473"/>
-              <a:ext cx="3329265" cy="3150899"/>
-            </a:xfrm>
-            <a:prstGeom prst="rect">
-              <a:avLst/>
-            </a:prstGeom>
-          </p:spPr>
-        </p:pic>
-        <p:grpSp>
-          <p:nvGrpSpPr>
-            <p:cNvPr id="30" name="Group 29">
-              <a:extLst>
-                <a:ext uri="{FF2B5EF4-FFF2-40B4-BE49-F238E27FC236}">
-                  <a16:creationId xmlns:a16="http://schemas.microsoft.com/office/drawing/2014/main" id="{2C2F8C9F-07B0-4794-ADBC-37B2DD1CAC21}"/>
+                  <a16:creationId xmlns:a16="http://schemas.microsoft.com/office/drawing/2014/main" id="{C81407A0-8068-4FE2-9E4E-E931793D1077}"/>
                 </a:ext>
               </a:extLst>
             </p:cNvPr>
@@ -16627,483 +15949,75 @@
           </p:nvGrpSpPr>
           <p:grpSpPr>
             <a:xfrm>
-              <a:off x="7812577" y="4006651"/>
-              <a:ext cx="2923146" cy="2807657"/>
-              <a:chOff x="7573726" y="2172550"/>
-              <a:chExt cx="3355182" cy="3325277"/>
+              <a:off x="6969836" y="210388"/>
+              <a:ext cx="3312541" cy="3301338"/>
+              <a:chOff x="3982759" y="2366466"/>
+              <a:chExt cx="3312541" cy="3301338"/>
             </a:xfrm>
           </p:grpSpPr>
-          <p:sp>
-            <p:nvSpPr>
-              <p:cNvPr id="32" name="TextBox 31">
-                <a:extLst>
-                  <a:ext uri="{FF2B5EF4-FFF2-40B4-BE49-F238E27FC236}">
-                    <a16:creationId xmlns:a16="http://schemas.microsoft.com/office/drawing/2014/main" id="{393113E1-8E49-4C41-A2D6-76A4BA479B3F}"/>
-                  </a:ext>
-                </a:extLst>
-              </p:cNvPr>
-              <p:cNvSpPr txBox="1"/>
+          <p:pic>
+            <p:nvPicPr>
+              <p:cNvPr id="207" name="Google Shape;207;p4"/>
+              <p:cNvPicPr preferRelativeResize="0"/>
               <p:nvPr/>
-            </p:nvSpPr>
+            </p:nvPicPr>
+            <p:blipFill rotWithShape="1">
+              <a:blip r:embed="rId4">
+                <a:alphaModFix/>
+              </a:blip>
+              <a:srcRect l="65197" b="6906"/>
+              <a:stretch/>
+            </p:blipFill>
             <p:spPr>
-              <a:xfrm rot="16200000">
-                <a:off x="6564198" y="3182078"/>
-                <a:ext cx="2357610" cy="338554"/>
+              <a:xfrm>
+                <a:off x="5674978" y="2366466"/>
+                <a:ext cx="1620322" cy="3301338"/>
               </a:xfrm>
               <a:prstGeom prst="rect">
                 <a:avLst/>
               </a:prstGeom>
               <a:noFill/>
+              <a:ln>
+                <a:noFill/>
+              </a:ln>
             </p:spPr>
-            <p:txBody>
-              <a:bodyPr wrap="square" rtlCol="0">
-                <a:spAutoFit/>
-              </a:bodyPr>
-              <a:lstStyle/>
-              <a:p>
-                <a:pPr algn="ctr"/>
-                <a:r>
-                  <a:rPr lang="en-US" sz="1600" dirty="0"/>
-                  <a:t>MT-D</a:t>
-                </a:r>
-              </a:p>
-            </p:txBody>
-          </p:sp>
-          <p:sp>
-            <p:nvSpPr>
-              <p:cNvPr id="33" name="TextBox 32">
+          </p:pic>
+          <p:pic>
+            <p:nvPicPr>
+              <p:cNvPr id="37" name="Google Shape;207;p4">
                 <a:extLst>
                   <a:ext uri="{FF2B5EF4-FFF2-40B4-BE49-F238E27FC236}">
-                    <a16:creationId xmlns:a16="http://schemas.microsoft.com/office/drawing/2014/main" id="{7621FD7C-B43F-41E1-A615-D8A144342E87}"/>
+                    <a16:creationId xmlns:a16="http://schemas.microsoft.com/office/drawing/2014/main" id="{8DE724E9-F40F-4F10-A1A6-0CDD448A8D4F}"/>
                   </a:ext>
                 </a:extLst>
               </p:cNvPr>
-              <p:cNvSpPr txBox="1"/>
+              <p:cNvPicPr preferRelativeResize="0"/>
               <p:nvPr/>
-            </p:nvSpPr>
+            </p:nvPicPr>
+            <p:blipFill rotWithShape="1">
+              <a:blip r:embed="rId4">
+                <a:alphaModFix/>
+              </a:blip>
+              <a:srcRect r="63542" b="6906"/>
+              <a:stretch/>
+            </p:blipFill>
             <p:spPr>
               <a:xfrm>
-                <a:off x="8571298" y="5125114"/>
-                <a:ext cx="2357610" cy="372713"/>
+                <a:off x="3982759" y="2366466"/>
+                <a:ext cx="1697367" cy="3301338"/>
               </a:xfrm>
               <a:prstGeom prst="rect">
                 <a:avLst/>
               </a:prstGeom>
               <a:noFill/>
+              <a:ln>
+                <a:noFill/>
+              </a:ln>
             </p:spPr>
-            <p:txBody>
-              <a:bodyPr wrap="square" rtlCol="0">
-                <a:spAutoFit/>
-              </a:bodyPr>
-              <a:lstStyle/>
-              <a:p>
-                <a:pPr algn="ctr"/>
-                <a:r>
-                  <a:rPr lang="en-US" sz="1600" dirty="0"/>
-                  <a:t>MT-C</a:t>
-                </a:r>
-              </a:p>
-            </p:txBody>
-          </p:sp>
+          </p:pic>
         </p:grpSp>
-        <p:sp>
-          <p:nvSpPr>
-            <p:cNvPr id="48" name="TextBox 47">
-              <a:extLst>
-                <a:ext uri="{FF2B5EF4-FFF2-40B4-BE49-F238E27FC236}">
-                  <a16:creationId xmlns:a16="http://schemas.microsoft.com/office/drawing/2014/main" id="{FDA84D3D-5E13-4B5D-9BC3-3D835AE856E0}"/>
-                </a:ext>
-              </a:extLst>
-            </p:cNvPr>
-            <p:cNvSpPr txBox="1"/>
-            <p:nvPr/>
-          </p:nvSpPr>
-          <p:spPr>
-            <a:xfrm>
-              <a:off x="8563999" y="3730010"/>
-              <a:ext cx="1340492" cy="307777"/>
-            </a:xfrm>
-            <a:prstGeom prst="rect">
-              <a:avLst/>
-            </a:prstGeom>
-            <a:noFill/>
-          </p:spPr>
-          <p:txBody>
-            <a:bodyPr wrap="square" rtlCol="0">
-              <a:spAutoFit/>
-            </a:bodyPr>
-            <a:lstStyle/>
-            <a:p>
-              <a:r>
-                <a:rPr lang="en-US" dirty="0"/>
-                <a:t>R = 0.79</a:t>
-              </a:r>
-            </a:p>
-          </p:txBody>
-        </p:sp>
-      </p:grpSp>
-      <p:grpSp>
-        <p:nvGrpSpPr>
-          <p:cNvPr id="57" name="Group 56">
-            <a:extLst>
-              <a:ext uri="{FF2B5EF4-FFF2-40B4-BE49-F238E27FC236}">
-                <a16:creationId xmlns:a16="http://schemas.microsoft.com/office/drawing/2014/main" id="{C3183995-BB3A-4DD3-87C5-0BFCC5C97ED7}"/>
-              </a:ext>
-            </a:extLst>
-          </p:cNvPr>
-          <p:cNvGrpSpPr/>
-          <p:nvPr/>
-        </p:nvGrpSpPr>
-        <p:grpSpPr>
-          <a:xfrm>
-            <a:off x="756553" y="3514193"/>
-            <a:ext cx="3555053" cy="3274539"/>
-            <a:chOff x="756553" y="3514193"/>
-            <a:chExt cx="3555053" cy="3274539"/>
-          </a:xfrm>
-        </p:grpSpPr>
-        <p:pic>
-          <p:nvPicPr>
-            <p:cNvPr id="50" name="Picture 49">
-              <a:extLst>
-                <a:ext uri="{FF2B5EF4-FFF2-40B4-BE49-F238E27FC236}">
-                  <a16:creationId xmlns:a16="http://schemas.microsoft.com/office/drawing/2014/main" id="{4956AD8F-FEDF-4FBE-B5D7-019EA4E79FC2}"/>
-                </a:ext>
-              </a:extLst>
-            </p:cNvPr>
-            <p:cNvPicPr>
-              <a:picLocks noChangeAspect="1"/>
-            </p:cNvPicPr>
-            <p:nvPr/>
-          </p:nvPicPr>
-          <p:blipFill rotWithShape="1">
-            <a:blip r:embed="rId3"/>
-            <a:srcRect l="8117" b="9169"/>
-            <a:stretch/>
-          </p:blipFill>
-          <p:spPr>
-            <a:xfrm>
-              <a:off x="1048400" y="3514193"/>
-              <a:ext cx="3263206" cy="3064169"/>
-            </a:xfrm>
-            <a:prstGeom prst="rect">
-              <a:avLst/>
-            </a:prstGeom>
-          </p:spPr>
-        </p:pic>
-        <p:grpSp>
-          <p:nvGrpSpPr>
-            <p:cNvPr id="28" name="Group 27">
-              <a:extLst>
-                <a:ext uri="{FF2B5EF4-FFF2-40B4-BE49-F238E27FC236}">
-                  <a16:creationId xmlns:a16="http://schemas.microsoft.com/office/drawing/2014/main" id="{E73BC60B-7EB4-493B-83DF-B94DA118998A}"/>
-                </a:ext>
-              </a:extLst>
-            </p:cNvPr>
-            <p:cNvGrpSpPr/>
-            <p:nvPr/>
-          </p:nvGrpSpPr>
-          <p:grpSpPr>
-            <a:xfrm>
-              <a:off x="756553" y="4006168"/>
-              <a:ext cx="2904748" cy="2782564"/>
-              <a:chOff x="-525509" y="2153318"/>
-              <a:chExt cx="3435624" cy="3218258"/>
-            </a:xfrm>
-          </p:grpSpPr>
-          <p:sp>
-            <p:nvSpPr>
-              <p:cNvPr id="38" name="TextBox 37">
-                <a:extLst>
-                  <a:ext uri="{FF2B5EF4-FFF2-40B4-BE49-F238E27FC236}">
-                    <a16:creationId xmlns:a16="http://schemas.microsoft.com/office/drawing/2014/main" id="{DC7C75BA-4EC5-4B83-9B0A-709F7ECC696A}"/>
-                  </a:ext>
-                </a:extLst>
-              </p:cNvPr>
-              <p:cNvSpPr txBox="1"/>
-              <p:nvPr/>
-            </p:nvSpPr>
-            <p:spPr>
-              <a:xfrm rot="16200000">
-                <a:off x="-1535037" y="3162846"/>
-                <a:ext cx="2357609" cy="338554"/>
-              </a:xfrm>
-              <a:prstGeom prst="rect">
-                <a:avLst/>
-              </a:prstGeom>
-              <a:noFill/>
-            </p:spPr>
-            <p:txBody>
-              <a:bodyPr wrap="square" rtlCol="0">
-                <a:spAutoFit/>
-              </a:bodyPr>
-              <a:lstStyle/>
-              <a:p>
-                <a:pPr algn="ctr"/>
-                <a:r>
-                  <a:rPr lang="en-US" sz="1600" dirty="0"/>
-                  <a:t>MT-B</a:t>
-                </a:r>
-              </a:p>
-            </p:txBody>
-          </p:sp>
-          <p:sp>
-            <p:nvSpPr>
-              <p:cNvPr id="39" name="TextBox 38">
-                <a:extLst>
-                  <a:ext uri="{FF2B5EF4-FFF2-40B4-BE49-F238E27FC236}">
-                    <a16:creationId xmlns:a16="http://schemas.microsoft.com/office/drawing/2014/main" id="{7BE829B5-76A1-4625-94A7-A9AE5CA19EB3}"/>
-                  </a:ext>
-                </a:extLst>
-              </p:cNvPr>
-              <p:cNvSpPr txBox="1"/>
-              <p:nvPr/>
-            </p:nvSpPr>
-            <p:spPr>
-              <a:xfrm>
-                <a:off x="552505" y="5033022"/>
-                <a:ext cx="2357610" cy="338554"/>
-              </a:xfrm>
-              <a:prstGeom prst="rect">
-                <a:avLst/>
-              </a:prstGeom>
-              <a:noFill/>
-            </p:spPr>
-            <p:txBody>
-              <a:bodyPr wrap="square" rtlCol="0">
-                <a:spAutoFit/>
-              </a:bodyPr>
-              <a:lstStyle/>
-              <a:p>
-                <a:pPr algn="ctr"/>
-                <a:r>
-                  <a:rPr lang="en-US" sz="1600" dirty="0"/>
-                  <a:t>MT-A</a:t>
-                </a:r>
-              </a:p>
-            </p:txBody>
-          </p:sp>
-        </p:grpSp>
-        <p:sp>
-          <p:nvSpPr>
-            <p:cNvPr id="51" name="TextBox 50">
-              <a:extLst>
-                <a:ext uri="{FF2B5EF4-FFF2-40B4-BE49-F238E27FC236}">
-                  <a16:creationId xmlns:a16="http://schemas.microsoft.com/office/drawing/2014/main" id="{5DC2A605-DD12-4525-8DA5-AC2A8ED89B7B}"/>
-                </a:ext>
-              </a:extLst>
-            </p:cNvPr>
-            <p:cNvSpPr txBox="1"/>
-            <p:nvPr/>
-          </p:nvSpPr>
-          <p:spPr>
-            <a:xfrm>
-              <a:off x="1453901" y="3728221"/>
-              <a:ext cx="1340492" cy="307777"/>
-            </a:xfrm>
-            <a:prstGeom prst="rect">
-              <a:avLst/>
-            </a:prstGeom>
-            <a:noFill/>
-          </p:spPr>
-          <p:txBody>
-            <a:bodyPr wrap="square" rtlCol="0">
-              <a:spAutoFit/>
-            </a:bodyPr>
-            <a:lstStyle/>
-            <a:p>
-              <a:r>
-                <a:rPr lang="en-US" dirty="0"/>
-                <a:t>R = 0.81</a:t>
-              </a:r>
-            </a:p>
-          </p:txBody>
-        </p:sp>
-      </p:grpSp>
-      <p:grpSp>
-        <p:nvGrpSpPr>
-          <p:cNvPr id="58" name="Group 57">
-            <a:extLst>
-              <a:ext uri="{FF2B5EF4-FFF2-40B4-BE49-F238E27FC236}">
-                <a16:creationId xmlns:a16="http://schemas.microsoft.com/office/drawing/2014/main" id="{BA34604F-479C-46C6-88CB-E6E63D0DF87D}"/>
-              </a:ext>
-            </a:extLst>
-          </p:cNvPr>
-          <p:cNvGrpSpPr/>
-          <p:nvPr/>
-        </p:nvGrpSpPr>
-        <p:grpSpPr>
-          <a:xfrm>
-            <a:off x="4289600" y="3491474"/>
-            <a:ext cx="3601754" cy="3321088"/>
-            <a:chOff x="4289600" y="3491474"/>
-            <a:chExt cx="3601754" cy="3321088"/>
-          </a:xfrm>
-        </p:grpSpPr>
-        <p:pic>
-          <p:nvPicPr>
-            <p:cNvPr id="53" name="Picture 52" descr="Scatter chart&#10;&#10;Description automatically generated with medium confidence">
-              <a:extLst>
-                <a:ext uri="{FF2B5EF4-FFF2-40B4-BE49-F238E27FC236}">
-                  <a16:creationId xmlns:a16="http://schemas.microsoft.com/office/drawing/2014/main" id="{A98330EE-D145-4896-98A8-AF6220F3B73D}"/>
-                </a:ext>
-              </a:extLst>
-            </p:cNvPr>
-            <p:cNvPicPr>
-              <a:picLocks noChangeAspect="1"/>
-            </p:cNvPicPr>
-            <p:nvPr/>
-          </p:nvPicPr>
-          <p:blipFill rotWithShape="1">
-            <a:blip r:embed="rId4"/>
-            <a:srcRect l="8093" b="8085"/>
-            <a:stretch/>
-          </p:blipFill>
-          <p:spPr>
-            <a:xfrm>
-              <a:off x="4574487" y="3491474"/>
-              <a:ext cx="3316867" cy="3150899"/>
-            </a:xfrm>
-            <a:prstGeom prst="rect">
-              <a:avLst/>
-            </a:prstGeom>
-          </p:spPr>
-        </p:pic>
-        <p:grpSp>
-          <p:nvGrpSpPr>
-            <p:cNvPr id="29" name="Group 28">
-              <a:extLst>
-                <a:ext uri="{FF2B5EF4-FFF2-40B4-BE49-F238E27FC236}">
-                  <a16:creationId xmlns:a16="http://schemas.microsoft.com/office/drawing/2014/main" id="{2300EBBF-C3D5-47BA-A18F-7FDA3C7AC654}"/>
-                </a:ext>
-              </a:extLst>
-            </p:cNvPr>
-            <p:cNvGrpSpPr/>
-            <p:nvPr/>
-          </p:nvGrpSpPr>
-          <p:grpSpPr>
-            <a:xfrm>
-              <a:off x="4289600" y="4038649"/>
-              <a:ext cx="2931274" cy="2773913"/>
-              <a:chOff x="3517698" y="2172551"/>
-              <a:chExt cx="3466996" cy="3313849"/>
-            </a:xfrm>
-          </p:grpSpPr>
-          <p:sp>
-            <p:nvSpPr>
-              <p:cNvPr id="35" name="TextBox 34">
-                <a:extLst>
-                  <a:ext uri="{FF2B5EF4-FFF2-40B4-BE49-F238E27FC236}">
-                    <a16:creationId xmlns:a16="http://schemas.microsoft.com/office/drawing/2014/main" id="{52EB9259-CAFF-485C-A3F8-51BD0F9D44AC}"/>
-                  </a:ext>
-                </a:extLst>
-              </p:cNvPr>
-              <p:cNvSpPr txBox="1"/>
-              <p:nvPr/>
-            </p:nvSpPr>
-            <p:spPr>
-              <a:xfrm rot="16200000">
-                <a:off x="2508170" y="3182079"/>
-                <a:ext cx="2357610" cy="338553"/>
-              </a:xfrm>
-              <a:prstGeom prst="rect">
-                <a:avLst/>
-              </a:prstGeom>
-              <a:noFill/>
-            </p:spPr>
-            <p:txBody>
-              <a:bodyPr wrap="square" rtlCol="0">
-                <a:spAutoFit/>
-              </a:bodyPr>
-              <a:lstStyle/>
-              <a:p>
-                <a:pPr algn="ctr"/>
-                <a:r>
-                  <a:rPr lang="en-US" sz="1600" dirty="0"/>
-                  <a:t>MT-C</a:t>
-                </a:r>
-              </a:p>
-            </p:txBody>
-          </p:sp>
-          <p:sp>
-            <p:nvSpPr>
-              <p:cNvPr id="36" name="TextBox 35">
-                <a:extLst>
-                  <a:ext uri="{FF2B5EF4-FFF2-40B4-BE49-F238E27FC236}">
-                    <a16:creationId xmlns:a16="http://schemas.microsoft.com/office/drawing/2014/main" id="{4B25DFF0-BDF9-4B47-A42B-D43259E46235}"/>
-                  </a:ext>
-                </a:extLst>
-              </p:cNvPr>
-              <p:cNvSpPr txBox="1"/>
-              <p:nvPr/>
-            </p:nvSpPr>
-            <p:spPr>
-              <a:xfrm>
-                <a:off x="4627084" y="5147846"/>
-                <a:ext cx="2357610" cy="338554"/>
-              </a:xfrm>
-              <a:prstGeom prst="rect">
-                <a:avLst/>
-              </a:prstGeom>
-              <a:noFill/>
-            </p:spPr>
-            <p:txBody>
-              <a:bodyPr wrap="square" rtlCol="0">
-                <a:spAutoFit/>
-              </a:bodyPr>
-              <a:lstStyle/>
-              <a:p>
-                <a:pPr algn="ctr"/>
-                <a:r>
-                  <a:rPr lang="en-US" sz="1600" dirty="0"/>
-                  <a:t>MT-B</a:t>
-                </a:r>
-              </a:p>
-            </p:txBody>
-          </p:sp>
-        </p:grpSp>
-        <p:sp>
-          <p:nvSpPr>
-            <p:cNvPr id="54" name="TextBox 53">
-              <a:extLst>
-                <a:ext uri="{FF2B5EF4-FFF2-40B4-BE49-F238E27FC236}">
-                  <a16:creationId xmlns:a16="http://schemas.microsoft.com/office/drawing/2014/main" id="{CC8A68D9-64D2-46F9-9D59-08B778256E47}"/>
-                </a:ext>
-              </a:extLst>
-            </p:cNvPr>
-            <p:cNvSpPr txBox="1"/>
-            <p:nvPr/>
-          </p:nvSpPr>
-          <p:spPr>
-            <a:xfrm>
-              <a:off x="5042693" y="3728041"/>
-              <a:ext cx="1340492" cy="307777"/>
-            </a:xfrm>
-            <a:prstGeom prst="rect">
-              <a:avLst/>
-            </a:prstGeom>
-            <a:noFill/>
-          </p:spPr>
-          <p:txBody>
-            <a:bodyPr wrap="square" rtlCol="0">
-              <a:spAutoFit/>
-            </a:bodyPr>
-            <a:lstStyle/>
-            <a:p>
-              <a:r>
-                <a:rPr lang="en-US" dirty="0"/>
-                <a:t>R = 0.76</a:t>
-              </a:r>
-            </a:p>
-          </p:txBody>
-        </p:sp>
       </p:grpSp>
     </p:spTree>
-    <p:extLst>
-      <p:ext uri="{BB962C8B-B14F-4D97-AF65-F5344CB8AC3E}">
-        <p14:creationId xmlns:p14="http://schemas.microsoft.com/office/powerpoint/2010/main" val="1185949262"/>
-      </p:ext>
-    </p:extLst>
   </p:cSld>
   <p:clrMapOvr>
     <a:masterClrMapping/>
